--- a/presentation/Mixins and mixes in JavaScript.pptx
+++ b/presentation/Mixins and mixes in JavaScript.pptx
@@ -176,11 +176,13 @@
           <a:bodyPr vert="horz" lIns="91440" tIns="45720" rIns="91440" bIns="45720" rtlCol="0"/>
           <a:lstStyle>
             <a:lvl1pPr algn="l">
-              <a:defRPr sz="1200"/>
+              <a:defRPr sz="1200">
+                <a:latin typeface="Hand Of Sean" pitchFamily="2" charset="-128"/>
+              </a:defRPr>
             </a:lvl1pPr>
           </a:lstStyle>
           <a:p>
-            <a:endParaRPr lang="en-US"/>
+            <a:endParaRPr lang="en-US" dirty="0"/>
           </a:p>
         </p:txBody>
       </p:sp>
@@ -207,15 +209,18 @@
           <a:bodyPr vert="horz" lIns="91440" tIns="45720" rIns="91440" bIns="45720" rtlCol="0"/>
           <a:lstStyle>
             <a:lvl1pPr algn="r">
-              <a:defRPr sz="1200"/>
+              <a:defRPr sz="1200">
+                <a:latin typeface="Hand Of Sean" pitchFamily="2" charset="-128"/>
+              </a:defRPr>
             </a:lvl1pPr>
           </a:lstStyle>
           <a:p>
             <a:fld id="{24BFD8FF-9AB3-45C7-9A21-B9183580EF10}" type="datetimeFigureOut">
               <a:rPr lang="en-US" smtClean="0"/>
+              <a:pPr/>
               <a:t>6/21/2011</a:t>
             </a:fld>
-            <a:endParaRPr lang="en-US"/>
+            <a:endParaRPr lang="en-US" dirty="0"/>
           </a:p>
         </p:txBody>
       </p:sp>
@@ -248,7 +253,7 @@
           <a:bodyPr vert="horz" lIns="91440" tIns="45720" rIns="91440" bIns="45720" rtlCol="0" anchor="ctr"/>
           <a:lstStyle/>
           <a:p>
-            <a:endParaRPr lang="en-US"/>
+            <a:endParaRPr lang="en-US" dirty="0"/>
           </a:p>
         </p:txBody>
       </p:sp>
@@ -277,38 +282,38 @@
           <a:p>
             <a:pPr lvl="0"/>
             <a:r>
-              <a:rPr lang="sv-SE" smtClean="0"/>
+              <a:rPr lang="sv-SE" dirty="0" smtClean="0"/>
               <a:t>Klicka här för att ändra format på bakgrundstexten</a:t>
             </a:r>
           </a:p>
           <a:p>
             <a:pPr lvl="1"/>
             <a:r>
-              <a:rPr lang="sv-SE" smtClean="0"/>
+              <a:rPr lang="sv-SE" dirty="0" smtClean="0"/>
               <a:t>Nivå två</a:t>
             </a:r>
           </a:p>
           <a:p>
             <a:pPr lvl="2"/>
             <a:r>
-              <a:rPr lang="sv-SE" smtClean="0"/>
+              <a:rPr lang="sv-SE" dirty="0" smtClean="0"/>
               <a:t>Nivå tre</a:t>
             </a:r>
           </a:p>
           <a:p>
             <a:pPr lvl="3"/>
             <a:r>
-              <a:rPr lang="sv-SE" smtClean="0"/>
+              <a:rPr lang="sv-SE" dirty="0" smtClean="0"/>
               <a:t>Nivå fyra</a:t>
             </a:r>
           </a:p>
           <a:p>
             <a:pPr lvl="4"/>
             <a:r>
-              <a:rPr lang="sv-SE" smtClean="0"/>
+              <a:rPr lang="sv-SE" dirty="0" smtClean="0"/>
               <a:t>Nivå fem</a:t>
             </a:r>
-            <a:endParaRPr lang="en-US"/>
+            <a:endParaRPr lang="en-US" dirty="0"/>
           </a:p>
         </p:txBody>
       </p:sp>
@@ -335,11 +340,13 @@
           <a:bodyPr vert="horz" lIns="91440" tIns="45720" rIns="91440" bIns="45720" rtlCol="0" anchor="b"/>
           <a:lstStyle>
             <a:lvl1pPr algn="l">
-              <a:defRPr sz="1200"/>
+              <a:defRPr sz="1200">
+                <a:latin typeface="Hand Of Sean" pitchFamily="2" charset="-128"/>
+              </a:defRPr>
             </a:lvl1pPr>
           </a:lstStyle>
           <a:p>
-            <a:endParaRPr lang="en-US"/>
+            <a:endParaRPr lang="en-US" dirty="0"/>
           </a:p>
         </p:txBody>
       </p:sp>
@@ -366,15 +373,18 @@
           <a:bodyPr vert="horz" lIns="91440" tIns="45720" rIns="91440" bIns="45720" rtlCol="0" anchor="b"/>
           <a:lstStyle>
             <a:lvl1pPr algn="r">
-              <a:defRPr sz="1200"/>
+              <a:defRPr sz="1200">
+                <a:latin typeface="Hand Of Sean" pitchFamily="2" charset="-128"/>
+              </a:defRPr>
             </a:lvl1pPr>
           </a:lstStyle>
           <a:p>
             <a:fld id="{6BD81ACC-811D-425C-A322-9524D054192D}" type="slidenum">
               <a:rPr lang="en-US" smtClean="0"/>
+              <a:pPr/>
               <a:t>‹#›</a:t>
             </a:fld>
-            <a:endParaRPr lang="en-US"/>
+            <a:endParaRPr lang="en-US" dirty="0"/>
           </a:p>
         </p:txBody>
       </p:sp>
@@ -392,7 +402,7 @@
         <a:solidFill>
           <a:schemeClr val="tx1"/>
         </a:solidFill>
-        <a:latin typeface="+mn-lt"/>
+        <a:latin typeface="Hand Of Sean" pitchFamily="2" charset="-128"/>
         <a:ea typeface="+mn-ea"/>
         <a:cs typeface="+mn-cs"/>
       </a:defRPr>
@@ -402,7 +412,7 @@
         <a:solidFill>
           <a:schemeClr val="tx1"/>
         </a:solidFill>
-        <a:latin typeface="+mn-lt"/>
+        <a:latin typeface="Hand Of Sean" pitchFamily="2" charset="-128"/>
         <a:ea typeface="+mn-ea"/>
         <a:cs typeface="+mn-cs"/>
       </a:defRPr>
@@ -412,7 +422,7 @@
         <a:solidFill>
           <a:schemeClr val="tx1"/>
         </a:solidFill>
-        <a:latin typeface="+mn-lt"/>
+        <a:latin typeface="Hand Of Sean" pitchFamily="2" charset="-128"/>
         <a:ea typeface="+mn-ea"/>
         <a:cs typeface="+mn-cs"/>
       </a:defRPr>
@@ -422,7 +432,7 @@
         <a:solidFill>
           <a:schemeClr val="tx1"/>
         </a:solidFill>
-        <a:latin typeface="+mn-lt"/>
+        <a:latin typeface="Hand Of Sean" pitchFamily="2" charset="-128"/>
         <a:ea typeface="+mn-ea"/>
         <a:cs typeface="+mn-cs"/>
       </a:defRPr>
@@ -432,7 +442,7 @@
         <a:solidFill>
           <a:schemeClr val="tx1"/>
         </a:solidFill>
-        <a:latin typeface="+mn-lt"/>
+        <a:latin typeface="Hand Of Sean" pitchFamily="2" charset="-128"/>
         <a:ea typeface="+mn-ea"/>
         <a:cs typeface="+mn-cs"/>
       </a:defRPr>
@@ -482,6 +492,97 @@
 </file>
 
 <file path=ppt/notesSlides/notesSlide1.xml><?xml version="1.0" encoding="utf-8"?>
+<p:notes xmlns:a="http://schemas.openxmlformats.org/drawingml/2006/main" xmlns:r="http://schemas.openxmlformats.org/officeDocument/2006/relationships" xmlns:p="http://schemas.openxmlformats.org/presentationml/2006/main">
+  <p:cSld>
+    <p:spTree>
+      <p:nvGrpSpPr>
+        <p:cNvPr id="1" name=""/>
+        <p:cNvGrpSpPr/>
+        <p:nvPr/>
+      </p:nvGrpSpPr>
+      <p:grpSpPr>
+        <a:xfrm>
+          <a:off x="0" y="0"/>
+          <a:ext cx="0" cy="0"/>
+          <a:chOff x="0" y="0"/>
+          <a:chExt cx="0" cy="0"/>
+        </a:xfrm>
+      </p:grpSpPr>
+      <p:sp>
+        <p:nvSpPr>
+          <p:cNvPr id="2" name="Platshållare för bildobjekt 1"/>
+          <p:cNvSpPr>
+            <a:spLocks noGrp="1" noRot="1" noChangeAspect="1"/>
+          </p:cNvSpPr>
+          <p:nvPr>
+            <p:ph type="sldImg"/>
+          </p:nvPr>
+        </p:nvSpPr>
+        <p:spPr/>
+      </p:sp>
+      <p:sp>
+        <p:nvSpPr>
+          <p:cNvPr id="3" name="Platshållare för anteckningar 2"/>
+          <p:cNvSpPr>
+            <a:spLocks noGrp="1"/>
+          </p:cNvSpPr>
+          <p:nvPr>
+            <p:ph type="body" idx="1"/>
+          </p:nvPr>
+        </p:nvSpPr>
+        <p:spPr/>
+        <p:txBody>
+          <a:bodyPr/>
+          <a:lstStyle/>
+          <a:p>
+            <a:r>
+              <a:rPr lang="en-US" dirty="0" smtClean="0">
+                <a:hlinkClick r:id="rId3"/>
+              </a:rPr>
+              <a:t>http://gmarik.info/notes/programming/modularity</a:t>
+            </a:r>
+            <a:endParaRPr lang="en-US" dirty="0"/>
+          </a:p>
+        </p:txBody>
+      </p:sp>
+      <p:sp>
+        <p:nvSpPr>
+          <p:cNvPr id="4" name="Platshållare för bildnummer 3"/>
+          <p:cNvSpPr>
+            <a:spLocks noGrp="1"/>
+          </p:cNvSpPr>
+          <p:nvPr>
+            <p:ph type="sldNum" sz="quarter" idx="10"/>
+          </p:nvPr>
+        </p:nvSpPr>
+        <p:spPr/>
+        <p:txBody>
+          <a:bodyPr/>
+          <a:lstStyle/>
+          <a:p>
+            <a:fld id="{6BD81ACC-811D-425C-A322-9524D054192D}" type="slidenum">
+              <a:rPr lang="en-US" smtClean="0"/>
+              <a:pPr/>
+              <a:t>19</a:t>
+            </a:fld>
+            <a:endParaRPr lang="en-US" dirty="0"/>
+          </a:p>
+        </p:txBody>
+      </p:sp>
+    </p:spTree>
+    <p:extLst>
+      <p:ext uri="{BB962C8B-B14F-4D97-AF65-F5344CB8AC3E}">
+        <p14:creationId xmlns:p14="http://schemas.microsoft.com/office/powerpoint/2010/main" val="2162143552"/>
+      </p:ext>
+    </p:extLst>
+  </p:cSld>
+  <p:clrMapOvr>
+    <a:masterClrMapping/>
+  </p:clrMapOvr>
+</p:notes>
+</file>
+
+<file path=ppt/notesSlides/notesSlide2.xml><?xml version="1.0" encoding="utf-8"?>
 <p:notes xmlns:a="http://schemas.openxmlformats.org/drawingml/2006/main" xmlns:r="http://schemas.openxmlformats.org/officeDocument/2006/relationships" xmlns:p="http://schemas.openxmlformats.org/presentationml/2006/main">
   <p:cSld>
     <p:spTree>
@@ -746,7 +847,7 @@
           <a:p>
             <a:fld id="{F66A90CE-C256-4169-9CD7-E7275130769D}" type="datetimeFigureOut">
               <a:rPr lang="en-US" smtClean="0"/>
-              <a:t>6/20/2011</a:t>
+              <a:t>6/21/2011</a:t>
             </a:fld>
             <a:endParaRPr lang="en-US"/>
           </a:p>
@@ -804,6 +905,18 @@
   <p:clrMapOvr>
     <a:masterClrMapping/>
   </p:clrMapOvr>
+  <mc:AlternateContent xmlns:mc="http://schemas.openxmlformats.org/markup-compatibility/2006">
+    <mc:Choice xmlns:p14="http://schemas.microsoft.com/office/powerpoint/2010/main" Requires="p14">
+      <p:transition p14:dur="250">
+        <p:fade/>
+      </p:transition>
+    </mc:Choice>
+    <mc:Fallback>
+      <p:transition>
+        <p:fade/>
+      </p:transition>
+    </mc:Fallback>
+  </mc:AlternateContent>
 </p:sldLayout>
 </file>
 
@@ -916,7 +1029,7 @@
           <a:p>
             <a:fld id="{F66A90CE-C256-4169-9CD7-E7275130769D}" type="datetimeFigureOut">
               <a:rPr lang="en-US" smtClean="0"/>
-              <a:t>6/20/2011</a:t>
+              <a:t>6/21/2011</a:t>
             </a:fld>
             <a:endParaRPr lang="en-US"/>
           </a:p>
@@ -974,6 +1087,18 @@
   <p:clrMapOvr>
     <a:masterClrMapping/>
   </p:clrMapOvr>
+  <mc:AlternateContent xmlns:mc="http://schemas.openxmlformats.org/markup-compatibility/2006">
+    <mc:Choice xmlns:p14="http://schemas.microsoft.com/office/powerpoint/2010/main" Requires="p14">
+      <p:transition p14:dur="250">
+        <p:fade/>
+      </p:transition>
+    </mc:Choice>
+    <mc:Fallback>
+      <p:transition>
+        <p:fade/>
+      </p:transition>
+    </mc:Fallback>
+  </mc:AlternateContent>
 </p:sldLayout>
 </file>
 
@@ -1096,7 +1221,7 @@
           <a:p>
             <a:fld id="{F66A90CE-C256-4169-9CD7-E7275130769D}" type="datetimeFigureOut">
               <a:rPr lang="en-US" smtClean="0"/>
-              <a:t>6/20/2011</a:t>
+              <a:t>6/21/2011</a:t>
             </a:fld>
             <a:endParaRPr lang="en-US"/>
           </a:p>
@@ -1154,6 +1279,18 @@
   <p:clrMapOvr>
     <a:masterClrMapping/>
   </p:clrMapOvr>
+  <mc:AlternateContent xmlns:mc="http://schemas.openxmlformats.org/markup-compatibility/2006">
+    <mc:Choice xmlns:p14="http://schemas.microsoft.com/office/powerpoint/2010/main" Requires="p14">
+      <p:transition p14:dur="250">
+        <p:fade/>
+      </p:transition>
+    </mc:Choice>
+    <mc:Fallback>
+      <p:transition>
+        <p:fade/>
+      </p:transition>
+    </mc:Fallback>
+  </mc:AlternateContent>
 </p:sldLayout>
 </file>
 
@@ -1266,7 +1403,7 @@
           <a:p>
             <a:fld id="{F66A90CE-C256-4169-9CD7-E7275130769D}" type="datetimeFigureOut">
               <a:rPr lang="en-US" smtClean="0"/>
-              <a:t>6/20/2011</a:t>
+              <a:t>6/21/2011</a:t>
             </a:fld>
             <a:endParaRPr lang="en-US"/>
           </a:p>
@@ -1324,6 +1461,18 @@
   <p:clrMapOvr>
     <a:masterClrMapping/>
   </p:clrMapOvr>
+  <mc:AlternateContent xmlns:mc="http://schemas.openxmlformats.org/markup-compatibility/2006">
+    <mc:Choice xmlns:p14="http://schemas.microsoft.com/office/powerpoint/2010/main" Requires="p14">
+      <p:transition p14:dur="250">
+        <p:fade/>
+      </p:transition>
+    </mc:Choice>
+    <mc:Fallback>
+      <p:transition>
+        <p:fade/>
+      </p:transition>
+    </mc:Fallback>
+  </mc:AlternateContent>
 </p:sldLayout>
 </file>
 
@@ -1512,7 +1661,7 @@
           <a:p>
             <a:fld id="{F66A90CE-C256-4169-9CD7-E7275130769D}" type="datetimeFigureOut">
               <a:rPr lang="en-US" smtClean="0"/>
-              <a:t>6/20/2011</a:t>
+              <a:t>6/21/2011</a:t>
             </a:fld>
             <a:endParaRPr lang="en-US"/>
           </a:p>
@@ -1570,6 +1719,18 @@
   <p:clrMapOvr>
     <a:masterClrMapping/>
   </p:clrMapOvr>
+  <mc:AlternateContent xmlns:mc="http://schemas.openxmlformats.org/markup-compatibility/2006">
+    <mc:Choice xmlns:p14="http://schemas.microsoft.com/office/powerpoint/2010/main" Requires="p14">
+      <p:transition p14:dur="250">
+        <p:fade/>
+      </p:transition>
+    </mc:Choice>
+    <mc:Fallback>
+      <p:transition>
+        <p:fade/>
+      </p:transition>
+    </mc:Fallback>
+  </mc:AlternateContent>
 </p:sldLayout>
 </file>
 
@@ -1800,7 +1961,7 @@
           <a:p>
             <a:fld id="{F66A90CE-C256-4169-9CD7-E7275130769D}" type="datetimeFigureOut">
               <a:rPr lang="en-US" smtClean="0"/>
-              <a:t>6/20/2011</a:t>
+              <a:t>6/21/2011</a:t>
             </a:fld>
             <a:endParaRPr lang="en-US"/>
           </a:p>
@@ -1858,6 +2019,18 @@
   <p:clrMapOvr>
     <a:masterClrMapping/>
   </p:clrMapOvr>
+  <mc:AlternateContent xmlns:mc="http://schemas.openxmlformats.org/markup-compatibility/2006">
+    <mc:Choice xmlns:p14="http://schemas.microsoft.com/office/powerpoint/2010/main" Requires="p14">
+      <p:transition p14:dur="250">
+        <p:fade/>
+      </p:transition>
+    </mc:Choice>
+    <mc:Fallback>
+      <p:transition>
+        <p:fade/>
+      </p:transition>
+    </mc:Fallback>
+  </mc:AlternateContent>
 </p:sldLayout>
 </file>
 
@@ -2222,7 +2395,7 @@
           <a:p>
             <a:fld id="{F66A90CE-C256-4169-9CD7-E7275130769D}" type="datetimeFigureOut">
               <a:rPr lang="en-US" smtClean="0"/>
-              <a:t>6/20/2011</a:t>
+              <a:t>6/21/2011</a:t>
             </a:fld>
             <a:endParaRPr lang="en-US"/>
           </a:p>
@@ -2280,6 +2453,18 @@
   <p:clrMapOvr>
     <a:masterClrMapping/>
   </p:clrMapOvr>
+  <mc:AlternateContent xmlns:mc="http://schemas.openxmlformats.org/markup-compatibility/2006">
+    <mc:Choice xmlns:p14="http://schemas.microsoft.com/office/powerpoint/2010/main" Requires="p14">
+      <p:transition p14:dur="250">
+        <p:fade/>
+      </p:transition>
+    </mc:Choice>
+    <mc:Fallback>
+      <p:transition>
+        <p:fade/>
+      </p:transition>
+    </mc:Fallback>
+  </mc:AlternateContent>
 </p:sldLayout>
 </file>
 
@@ -2340,7 +2525,7 @@
           <a:p>
             <a:fld id="{F66A90CE-C256-4169-9CD7-E7275130769D}" type="datetimeFigureOut">
               <a:rPr lang="en-US" smtClean="0"/>
-              <a:t>6/20/2011</a:t>
+              <a:t>6/21/2011</a:t>
             </a:fld>
             <a:endParaRPr lang="en-US"/>
           </a:p>
@@ -2398,6 +2583,18 @@
   <p:clrMapOvr>
     <a:masterClrMapping/>
   </p:clrMapOvr>
+  <mc:AlternateContent xmlns:mc="http://schemas.openxmlformats.org/markup-compatibility/2006">
+    <mc:Choice xmlns:p14="http://schemas.microsoft.com/office/powerpoint/2010/main" Requires="p14">
+      <p:transition p14:dur="250">
+        <p:fade/>
+      </p:transition>
+    </mc:Choice>
+    <mc:Fallback>
+      <p:transition>
+        <p:fade/>
+      </p:transition>
+    </mc:Fallback>
+  </mc:AlternateContent>
 </p:sldLayout>
 </file>
 
@@ -2435,7 +2632,7 @@
           <a:p>
             <a:fld id="{F66A90CE-C256-4169-9CD7-E7275130769D}" type="datetimeFigureOut">
               <a:rPr lang="en-US" smtClean="0"/>
-              <a:t>6/20/2011</a:t>
+              <a:t>6/21/2011</a:t>
             </a:fld>
             <a:endParaRPr lang="en-US"/>
           </a:p>
@@ -2493,6 +2690,18 @@
   <p:clrMapOvr>
     <a:masterClrMapping/>
   </p:clrMapOvr>
+  <mc:AlternateContent xmlns:mc="http://schemas.openxmlformats.org/markup-compatibility/2006">
+    <mc:Choice xmlns:p14="http://schemas.microsoft.com/office/powerpoint/2010/main" Requires="p14">
+      <p:transition p14:dur="250">
+        <p:fade/>
+      </p:transition>
+    </mc:Choice>
+    <mc:Fallback>
+      <p:transition>
+        <p:fade/>
+      </p:transition>
+    </mc:Fallback>
+  </mc:AlternateContent>
 </p:sldLayout>
 </file>
 
@@ -2712,7 +2921,7 @@
           <a:p>
             <a:fld id="{F66A90CE-C256-4169-9CD7-E7275130769D}" type="datetimeFigureOut">
               <a:rPr lang="en-US" smtClean="0"/>
-              <a:t>6/20/2011</a:t>
+              <a:t>6/21/2011</a:t>
             </a:fld>
             <a:endParaRPr lang="en-US"/>
           </a:p>
@@ -2770,6 +2979,18 @@
   <p:clrMapOvr>
     <a:masterClrMapping/>
   </p:clrMapOvr>
+  <mc:AlternateContent xmlns:mc="http://schemas.openxmlformats.org/markup-compatibility/2006">
+    <mc:Choice xmlns:p14="http://schemas.microsoft.com/office/powerpoint/2010/main" Requires="p14">
+      <p:transition p14:dur="250">
+        <p:fade/>
+      </p:transition>
+    </mc:Choice>
+    <mc:Fallback>
+      <p:transition>
+        <p:fade/>
+      </p:transition>
+    </mc:Fallback>
+  </mc:AlternateContent>
 </p:sldLayout>
 </file>
 
@@ -2965,7 +3186,7 @@
           <a:p>
             <a:fld id="{F66A90CE-C256-4169-9CD7-E7275130769D}" type="datetimeFigureOut">
               <a:rPr lang="en-US" smtClean="0"/>
-              <a:t>6/20/2011</a:t>
+              <a:t>6/21/2011</a:t>
             </a:fld>
             <a:endParaRPr lang="en-US"/>
           </a:p>
@@ -3023,6 +3244,18 @@
   <p:clrMapOvr>
     <a:masterClrMapping/>
   </p:clrMapOvr>
+  <mc:AlternateContent xmlns:mc="http://schemas.openxmlformats.org/markup-compatibility/2006">
+    <mc:Choice xmlns:p14="http://schemas.microsoft.com/office/powerpoint/2010/main" Requires="p14">
+      <p:transition p14:dur="250">
+        <p:fade/>
+      </p:transition>
+    </mc:Choice>
+    <mc:Fallback>
+      <p:transition>
+        <p:fade/>
+      </p:transition>
+    </mc:Fallback>
+  </mc:AlternateContent>
 </p:sldLayout>
 </file>
 
@@ -3180,7 +3413,7 @@
             <a:fld id="{F66A90CE-C256-4169-9CD7-E7275130769D}" type="datetimeFigureOut">
               <a:rPr lang="en-US" smtClean="0"/>
               <a:pPr/>
-              <a:t>6/20/2011</a:t>
+              <a:t>6/21/2011</a:t>
             </a:fld>
             <a:endParaRPr lang="en-US" dirty="0"/>
           </a:p>
@@ -3288,6 +3521,18 @@
     <p:sldLayoutId id="2147483658" r:id="rId10"/>
     <p:sldLayoutId id="2147483659" r:id="rId11"/>
   </p:sldLayoutIdLst>
+  <mc:AlternateContent xmlns:mc="http://schemas.openxmlformats.org/markup-compatibility/2006">
+    <mc:Choice xmlns:p14="http://schemas.microsoft.com/office/powerpoint/2010/main" Requires="p14">
+      <p:transition p14:dur="250">
+        <p:fade/>
+      </p:transition>
+    </mc:Choice>
+    <mc:Fallback>
+      <p:transition>
+        <p:fade/>
+      </p:transition>
+    </mc:Fallback>
+  </mc:AlternateContent>
   <p:txStyles>
     <p:titleStyle>
       <a:lvl1pPr algn="ctr" defTabSz="914400" rtl="0" eaLnBrk="1" latinLnBrk="0" hangingPunct="1">
@@ -3643,6 +3888,18 @@
   <p:clrMapOvr>
     <a:masterClrMapping/>
   </p:clrMapOvr>
+  <mc:AlternateContent xmlns:mc="http://schemas.openxmlformats.org/markup-compatibility/2006">
+    <mc:Choice xmlns:p14="http://schemas.microsoft.com/office/powerpoint/2010/main" Requires="p14">
+      <p:transition p14:dur="250">
+        <p:fade/>
+      </p:transition>
+    </mc:Choice>
+    <mc:Fallback>
+      <p:transition>
+        <p:fade/>
+      </p:transition>
+    </mc:Fallback>
+  </mc:AlternateContent>
   <p:timing>
     <p:tnLst>
       <p:par>
@@ -3719,6 +3976,18 @@
   <p:clrMapOvr>
     <a:masterClrMapping/>
   </p:clrMapOvr>
+  <mc:AlternateContent xmlns:mc="http://schemas.openxmlformats.org/markup-compatibility/2006">
+    <mc:Choice xmlns:p14="http://schemas.microsoft.com/office/powerpoint/2010/main" Requires="p14">
+      <p:transition p14:dur="250">
+        <p:fade/>
+      </p:transition>
+    </mc:Choice>
+    <mc:Fallback>
+      <p:transition>
+        <p:fade/>
+      </p:transition>
+    </mc:Fallback>
+  </mc:AlternateContent>
   <p:timing>
     <p:tnLst>
       <p:par>
@@ -3939,158 +4208,173 @@
           </a:p>
         </p:txBody>
       </p:sp>
-      <p:cxnSp>
-        <p:nvCxnSpPr>
-          <p:cNvPr id="9" name="Rak 8"/>
-          <p:cNvCxnSpPr/>
+      <p:grpSp>
+        <p:nvGrpSpPr>
+          <p:cNvPr id="22" name="Grupp 21"/>
+          <p:cNvGrpSpPr/>
           <p:nvPr/>
-        </p:nvCxnSpPr>
-        <p:spPr>
+        </p:nvGrpSpPr>
+        <p:grpSpPr>
           <a:xfrm>
-            <a:off x="4254818" y="4289710"/>
-            <a:ext cx="0" cy="648072"/>
-          </a:xfrm>
-          <a:prstGeom prst="line">
-            <a:avLst/>
-          </a:prstGeom>
-          <a:ln w="19050">
-            <a:solidFill>
-              <a:schemeClr val="tx1">
-                <a:lumMod val="65000"/>
-                <a:lumOff val="35000"/>
-              </a:schemeClr>
-            </a:solidFill>
-          </a:ln>
-        </p:spPr>
-        <p:style>
-          <a:lnRef idx="1">
-            <a:schemeClr val="accent1"/>
-          </a:lnRef>
-          <a:fillRef idx="0">
-            <a:schemeClr val="accent1"/>
-          </a:fillRef>
-          <a:effectRef idx="0">
-            <a:schemeClr val="accent1"/>
-          </a:effectRef>
-          <a:fontRef idx="minor">
-            <a:schemeClr val="tx1"/>
-          </a:fontRef>
-        </p:style>
-      </p:cxnSp>
-      <p:cxnSp>
-        <p:nvCxnSpPr>
-          <p:cNvPr id="10" name="Rak 9"/>
-          <p:cNvCxnSpPr/>
-          <p:nvPr/>
-        </p:nvCxnSpPr>
-        <p:spPr>
-          <a:xfrm>
-            <a:off x="4355976" y="4287329"/>
-            <a:ext cx="0" cy="648072"/>
-          </a:xfrm>
-          <a:prstGeom prst="line">
-            <a:avLst/>
-          </a:prstGeom>
-          <a:ln w="19050">
-            <a:solidFill>
-              <a:schemeClr val="tx1">
-                <a:lumMod val="65000"/>
-                <a:lumOff val="35000"/>
-              </a:schemeClr>
-            </a:solidFill>
-          </a:ln>
-        </p:spPr>
-        <p:style>
-          <a:lnRef idx="1">
-            <a:schemeClr val="accent1"/>
-          </a:lnRef>
-          <a:fillRef idx="0">
-            <a:schemeClr val="accent1"/>
-          </a:fillRef>
-          <a:effectRef idx="0">
-            <a:schemeClr val="accent1"/>
-          </a:effectRef>
-          <a:fontRef idx="minor">
-            <a:schemeClr val="tx1"/>
-          </a:fontRef>
-        </p:style>
-      </p:cxnSp>
-      <p:cxnSp>
-        <p:nvCxnSpPr>
-          <p:cNvPr id="12" name="Rak 11"/>
-          <p:cNvCxnSpPr/>
-          <p:nvPr/>
-        </p:nvCxnSpPr>
-        <p:spPr>
-          <a:xfrm>
-            <a:off x="4173785" y="4901922"/>
-            <a:ext cx="131892" cy="216024"/>
-          </a:xfrm>
-          <a:prstGeom prst="line">
-            <a:avLst/>
-          </a:prstGeom>
-          <a:ln w="19050">
-            <a:solidFill>
-              <a:schemeClr val="tx1">
-                <a:lumMod val="65000"/>
-                <a:lumOff val="35000"/>
-              </a:schemeClr>
-            </a:solidFill>
-          </a:ln>
-        </p:spPr>
-        <p:style>
-          <a:lnRef idx="1">
-            <a:schemeClr val="accent1"/>
-          </a:lnRef>
-          <a:fillRef idx="0">
-            <a:schemeClr val="accent1"/>
-          </a:fillRef>
-          <a:effectRef idx="0">
-            <a:schemeClr val="accent1"/>
-          </a:effectRef>
-          <a:fontRef idx="minor">
-            <a:schemeClr val="tx1"/>
-          </a:fontRef>
-        </p:style>
-      </p:cxnSp>
-      <p:cxnSp>
-        <p:nvCxnSpPr>
-          <p:cNvPr id="14" name="Rak 13"/>
-          <p:cNvCxnSpPr/>
-          <p:nvPr/>
-        </p:nvCxnSpPr>
-        <p:spPr>
-          <a:xfrm flipH="1">
-            <a:off x="4299759" y="4902258"/>
-            <a:ext cx="131892" cy="216024"/>
-          </a:xfrm>
-          <a:prstGeom prst="line">
-            <a:avLst/>
-          </a:prstGeom>
-          <a:ln w="19050">
-            <a:solidFill>
-              <a:schemeClr val="tx1">
-                <a:lumMod val="65000"/>
-                <a:lumOff val="35000"/>
-              </a:schemeClr>
-            </a:solidFill>
-          </a:ln>
-        </p:spPr>
-        <p:style>
-          <a:lnRef idx="1">
-            <a:schemeClr val="accent1"/>
-          </a:lnRef>
-          <a:fillRef idx="0">
-            <a:schemeClr val="accent1"/>
-          </a:fillRef>
-          <a:effectRef idx="0">
-            <a:schemeClr val="accent1"/>
-          </a:effectRef>
-          <a:fontRef idx="minor">
-            <a:schemeClr val="tx1"/>
-          </a:fontRef>
-        </p:style>
-      </p:cxnSp>
+            <a:off x="4139952" y="3645024"/>
+            <a:ext cx="257866" cy="1944216"/>
+            <a:chOff x="4139952" y="3645024"/>
+            <a:chExt cx="257866" cy="1944216"/>
+          </a:xfrm>
+        </p:grpSpPr>
+        <p:cxnSp>
+          <p:nvCxnSpPr>
+            <p:cNvPr id="9" name="Rak 8"/>
+            <p:cNvCxnSpPr/>
+            <p:nvPr/>
+          </p:nvCxnSpPr>
+          <p:spPr>
+            <a:xfrm>
+              <a:off x="4220985" y="3645024"/>
+              <a:ext cx="0" cy="1763716"/>
+            </a:xfrm>
+            <a:prstGeom prst="line">
+              <a:avLst/>
+            </a:prstGeom>
+            <a:ln w="19050">
+              <a:solidFill>
+                <a:schemeClr val="tx1">
+                  <a:lumMod val="65000"/>
+                  <a:lumOff val="35000"/>
+                </a:schemeClr>
+              </a:solidFill>
+            </a:ln>
+          </p:spPr>
+          <p:style>
+            <a:lnRef idx="1">
+              <a:schemeClr val="accent1"/>
+            </a:lnRef>
+            <a:fillRef idx="0">
+              <a:schemeClr val="accent1"/>
+            </a:fillRef>
+            <a:effectRef idx="0">
+              <a:schemeClr val="accent1"/>
+            </a:effectRef>
+            <a:fontRef idx="minor">
+              <a:schemeClr val="tx1"/>
+            </a:fontRef>
+          </p:style>
+        </p:cxnSp>
+        <p:cxnSp>
+          <p:nvCxnSpPr>
+            <p:cNvPr id="10" name="Rak 9"/>
+            <p:cNvCxnSpPr/>
+            <p:nvPr/>
+          </p:nvCxnSpPr>
+          <p:spPr>
+            <a:xfrm>
+              <a:off x="4322143" y="3645024"/>
+              <a:ext cx="0" cy="1761335"/>
+            </a:xfrm>
+            <a:prstGeom prst="line">
+              <a:avLst/>
+            </a:prstGeom>
+            <a:ln w="19050">
+              <a:solidFill>
+                <a:schemeClr val="tx1">
+                  <a:lumMod val="65000"/>
+                  <a:lumOff val="35000"/>
+                </a:schemeClr>
+              </a:solidFill>
+            </a:ln>
+          </p:spPr>
+          <p:style>
+            <a:lnRef idx="1">
+              <a:schemeClr val="accent1"/>
+            </a:lnRef>
+            <a:fillRef idx="0">
+              <a:schemeClr val="accent1"/>
+            </a:fillRef>
+            <a:effectRef idx="0">
+              <a:schemeClr val="accent1"/>
+            </a:effectRef>
+            <a:fontRef idx="minor">
+              <a:schemeClr val="tx1"/>
+            </a:fontRef>
+          </p:style>
+        </p:cxnSp>
+        <p:cxnSp>
+          <p:nvCxnSpPr>
+            <p:cNvPr id="12" name="Rak 11"/>
+            <p:cNvCxnSpPr/>
+            <p:nvPr/>
+          </p:nvCxnSpPr>
+          <p:spPr>
+            <a:xfrm>
+              <a:off x="4139952" y="5372880"/>
+              <a:ext cx="131892" cy="216024"/>
+            </a:xfrm>
+            <a:prstGeom prst="line">
+              <a:avLst/>
+            </a:prstGeom>
+            <a:ln w="19050">
+              <a:solidFill>
+                <a:schemeClr val="tx1">
+                  <a:lumMod val="65000"/>
+                  <a:lumOff val="35000"/>
+                </a:schemeClr>
+              </a:solidFill>
+            </a:ln>
+          </p:spPr>
+          <p:style>
+            <a:lnRef idx="1">
+              <a:schemeClr val="accent1"/>
+            </a:lnRef>
+            <a:fillRef idx="0">
+              <a:schemeClr val="accent1"/>
+            </a:fillRef>
+            <a:effectRef idx="0">
+              <a:schemeClr val="accent1"/>
+            </a:effectRef>
+            <a:fontRef idx="minor">
+              <a:schemeClr val="tx1"/>
+            </a:fontRef>
+          </p:style>
+        </p:cxnSp>
+        <p:cxnSp>
+          <p:nvCxnSpPr>
+            <p:cNvPr id="14" name="Rak 13"/>
+            <p:cNvCxnSpPr/>
+            <p:nvPr/>
+          </p:nvCxnSpPr>
+          <p:spPr>
+            <a:xfrm flipH="1">
+              <a:off x="4265926" y="5373216"/>
+              <a:ext cx="131892" cy="216024"/>
+            </a:xfrm>
+            <a:prstGeom prst="line">
+              <a:avLst/>
+            </a:prstGeom>
+            <a:ln w="19050">
+              <a:solidFill>
+                <a:schemeClr val="tx1">
+                  <a:lumMod val="65000"/>
+                  <a:lumOff val="35000"/>
+                </a:schemeClr>
+              </a:solidFill>
+            </a:ln>
+          </p:spPr>
+          <p:style>
+            <a:lnRef idx="1">
+              <a:schemeClr val="accent1"/>
+            </a:lnRef>
+            <a:fillRef idx="0">
+              <a:schemeClr val="accent1"/>
+            </a:fillRef>
+            <a:effectRef idx="0">
+              <a:schemeClr val="accent1"/>
+            </a:effectRef>
+            <a:fontRef idx="minor">
+              <a:schemeClr val="tx1"/>
+            </a:fontRef>
+          </p:style>
+        </p:cxnSp>
+      </p:grpSp>
       <p:sp>
         <p:nvSpPr>
           <p:cNvPr id="15" name="textruta 14"/>
@@ -4099,7 +4383,7 @@
         </p:nvSpPr>
         <p:spPr>
           <a:xfrm>
-            <a:off x="2411760" y="5805264"/>
+            <a:off x="1737141" y="6011996"/>
             <a:ext cx="5035353" cy="369332"/>
           </a:xfrm>
           <a:prstGeom prst="rect">
@@ -4567,8 +4851,8 @@
           <a:lstStyle/>
           <a:p>
             <a:pPr algn="ctr"/>
-            <a:endParaRPr lang="en-US">
-              <a:latin typeface="Mia's Scribblings ~" pitchFamily="2" charset="0"/>
+            <a:endParaRPr lang="en-US" dirty="0">
+              <a:latin typeface="Hand Of Sean" pitchFamily="2" charset="-128"/>
             </a:endParaRPr>
           </a:p>
         </p:txBody>
@@ -4615,8 +4899,8 @@
           <a:lstStyle/>
           <a:p>
             <a:pPr algn="ctr"/>
-            <a:endParaRPr lang="en-US">
-              <a:latin typeface="Mia's Scribblings ~" pitchFamily="2" charset="0"/>
+            <a:endParaRPr lang="en-US" dirty="0">
+              <a:latin typeface="Hand Of Sean" pitchFamily="2" charset="-128"/>
             </a:endParaRPr>
           </a:p>
         </p:txBody>
@@ -4736,12 +5020,798 @@
   <p:clrMapOvr>
     <a:masterClrMapping/>
   </p:clrMapOvr>
+  <mc:AlternateContent xmlns:mc="http://schemas.openxmlformats.org/markup-compatibility/2006">
+    <mc:Choice xmlns:p14="http://schemas.microsoft.com/office/powerpoint/2010/main" Requires="p14">
+      <p:transition p14:dur="250">
+        <p:fade/>
+      </p:transition>
+    </mc:Choice>
+    <mc:Fallback>
+      <p:transition>
+        <p:fade/>
+      </p:transition>
+    </mc:Fallback>
+  </mc:AlternateContent>
   <p:timing>
     <p:tnLst>
       <p:par>
-        <p:cTn id="1" dur="indefinite" restart="never" nodeType="tmRoot"/>
+        <p:cTn id="1" dur="indefinite" restart="never" nodeType="tmRoot">
+          <p:childTnLst>
+            <p:seq concurrent="1" nextAc="seek">
+              <p:cTn id="2" dur="indefinite" nodeType="mainSeq">
+                <p:childTnLst>
+                  <p:par>
+                    <p:cTn id="3" fill="hold">
+                      <p:stCondLst>
+                        <p:cond delay="indefinite"/>
+                      </p:stCondLst>
+                      <p:childTnLst>
+                        <p:par>
+                          <p:cTn id="4" fill="hold">
+                            <p:stCondLst>
+                              <p:cond delay="0"/>
+                            </p:stCondLst>
+                            <p:childTnLst>
+                              <p:par>
+                                <p:cTn id="5" presetID="10" presetClass="entr" presetSubtype="0" fill="hold" grpId="0" nodeType="clickEffect">
+                                  <p:stCondLst>
+                                    <p:cond delay="0"/>
+                                  </p:stCondLst>
+                                  <p:childTnLst>
+                                    <p:set>
+                                      <p:cBhvr>
+                                        <p:cTn id="6" dur="1" fill="hold">
+                                          <p:stCondLst>
+                                            <p:cond delay="0"/>
+                                          </p:stCondLst>
+                                        </p:cTn>
+                                        <p:tgtEl>
+                                          <p:spTgt spid="3"/>
+                                        </p:tgtEl>
+                                        <p:attrNameLst>
+                                          <p:attrName>style.visibility</p:attrName>
+                                        </p:attrNameLst>
+                                      </p:cBhvr>
+                                      <p:to>
+                                        <p:strVal val="visible"/>
+                                      </p:to>
+                                    </p:set>
+                                    <p:animEffect transition="in" filter="fade">
+                                      <p:cBhvr>
+                                        <p:cTn id="7" dur="500"/>
+                                        <p:tgtEl>
+                                          <p:spTgt spid="3"/>
+                                        </p:tgtEl>
+                                      </p:cBhvr>
+                                    </p:animEffect>
+                                  </p:childTnLst>
+                                </p:cTn>
+                              </p:par>
+                              <p:par>
+                                <p:cTn id="8" presetID="10" presetClass="entr" presetSubtype="0" fill="hold" grpId="0" nodeType="withEffect">
+                                  <p:stCondLst>
+                                    <p:cond delay="0"/>
+                                  </p:stCondLst>
+                                  <p:childTnLst>
+                                    <p:set>
+                                      <p:cBhvr>
+                                        <p:cTn id="9" dur="1" fill="hold">
+                                          <p:stCondLst>
+                                            <p:cond delay="0"/>
+                                          </p:stCondLst>
+                                        </p:cTn>
+                                        <p:tgtEl>
+                                          <p:spTgt spid="4"/>
+                                        </p:tgtEl>
+                                        <p:attrNameLst>
+                                          <p:attrName>style.visibility</p:attrName>
+                                        </p:attrNameLst>
+                                      </p:cBhvr>
+                                      <p:to>
+                                        <p:strVal val="visible"/>
+                                      </p:to>
+                                    </p:set>
+                                    <p:animEffect transition="in" filter="fade">
+                                      <p:cBhvr>
+                                        <p:cTn id="10" dur="500"/>
+                                        <p:tgtEl>
+                                          <p:spTgt spid="4"/>
+                                        </p:tgtEl>
+                                      </p:cBhvr>
+                                    </p:animEffect>
+                                  </p:childTnLst>
+                                </p:cTn>
+                              </p:par>
+                              <p:par>
+                                <p:cTn id="11" presetID="10" presetClass="entr" presetSubtype="0" fill="hold" grpId="0" nodeType="withEffect">
+                                  <p:stCondLst>
+                                    <p:cond delay="0"/>
+                                  </p:stCondLst>
+                                  <p:childTnLst>
+                                    <p:set>
+                                      <p:cBhvr>
+                                        <p:cTn id="12" dur="1" fill="hold">
+                                          <p:stCondLst>
+                                            <p:cond delay="0"/>
+                                          </p:stCondLst>
+                                        </p:cTn>
+                                        <p:tgtEl>
+                                          <p:spTgt spid="5"/>
+                                        </p:tgtEl>
+                                        <p:attrNameLst>
+                                          <p:attrName>style.visibility</p:attrName>
+                                        </p:attrNameLst>
+                                      </p:cBhvr>
+                                      <p:to>
+                                        <p:strVal val="visible"/>
+                                      </p:to>
+                                    </p:set>
+                                    <p:animEffect transition="in" filter="fade">
+                                      <p:cBhvr>
+                                        <p:cTn id="13" dur="500"/>
+                                        <p:tgtEl>
+                                          <p:spTgt spid="5"/>
+                                        </p:tgtEl>
+                                      </p:cBhvr>
+                                    </p:animEffect>
+                                  </p:childTnLst>
+                                </p:cTn>
+                              </p:par>
+                              <p:par>
+                                <p:cTn id="14" presetID="10" presetClass="entr" presetSubtype="0" fill="hold" grpId="0" nodeType="withEffect">
+                                  <p:stCondLst>
+                                    <p:cond delay="0"/>
+                                  </p:stCondLst>
+                                  <p:childTnLst>
+                                    <p:set>
+                                      <p:cBhvr>
+                                        <p:cTn id="15" dur="1" fill="hold">
+                                          <p:stCondLst>
+                                            <p:cond delay="0"/>
+                                          </p:stCondLst>
+                                        </p:cTn>
+                                        <p:tgtEl>
+                                          <p:spTgt spid="6"/>
+                                        </p:tgtEl>
+                                        <p:attrNameLst>
+                                          <p:attrName>style.visibility</p:attrName>
+                                        </p:attrNameLst>
+                                      </p:cBhvr>
+                                      <p:to>
+                                        <p:strVal val="visible"/>
+                                      </p:to>
+                                    </p:set>
+                                    <p:animEffect transition="in" filter="fade">
+                                      <p:cBhvr>
+                                        <p:cTn id="16" dur="500"/>
+                                        <p:tgtEl>
+                                          <p:spTgt spid="6"/>
+                                        </p:tgtEl>
+                                      </p:cBhvr>
+                                    </p:animEffect>
+                                  </p:childTnLst>
+                                </p:cTn>
+                              </p:par>
+                              <p:par>
+                                <p:cTn id="17" presetID="10" presetClass="entr" presetSubtype="0" fill="hold" grpId="0" nodeType="withEffect">
+                                  <p:stCondLst>
+                                    <p:cond delay="0"/>
+                                  </p:stCondLst>
+                                  <p:childTnLst>
+                                    <p:set>
+                                      <p:cBhvr>
+                                        <p:cTn id="18" dur="1" fill="hold">
+                                          <p:stCondLst>
+                                            <p:cond delay="0"/>
+                                          </p:stCondLst>
+                                        </p:cTn>
+                                        <p:tgtEl>
+                                          <p:spTgt spid="7"/>
+                                        </p:tgtEl>
+                                        <p:attrNameLst>
+                                          <p:attrName>style.visibility</p:attrName>
+                                        </p:attrNameLst>
+                                      </p:cBhvr>
+                                      <p:to>
+                                        <p:strVal val="visible"/>
+                                      </p:to>
+                                    </p:set>
+                                    <p:animEffect transition="in" filter="fade">
+                                      <p:cBhvr>
+                                        <p:cTn id="19" dur="500"/>
+                                        <p:tgtEl>
+                                          <p:spTgt spid="7"/>
+                                        </p:tgtEl>
+                                      </p:cBhvr>
+                                    </p:animEffect>
+                                  </p:childTnLst>
+                                </p:cTn>
+                              </p:par>
+                              <p:par>
+                                <p:cTn id="20" presetID="10" presetClass="entr" presetSubtype="0" fill="hold" grpId="0" nodeType="withEffect">
+                                  <p:stCondLst>
+                                    <p:cond delay="0"/>
+                                  </p:stCondLst>
+                                  <p:childTnLst>
+                                    <p:set>
+                                      <p:cBhvr>
+                                        <p:cTn id="21" dur="1" fill="hold">
+                                          <p:stCondLst>
+                                            <p:cond delay="0"/>
+                                          </p:stCondLst>
+                                        </p:cTn>
+                                        <p:tgtEl>
+                                          <p:spTgt spid="16"/>
+                                        </p:tgtEl>
+                                        <p:attrNameLst>
+                                          <p:attrName>style.visibility</p:attrName>
+                                        </p:attrNameLst>
+                                      </p:cBhvr>
+                                      <p:to>
+                                        <p:strVal val="visible"/>
+                                      </p:to>
+                                    </p:set>
+                                    <p:animEffect transition="in" filter="fade">
+                                      <p:cBhvr>
+                                        <p:cTn id="22" dur="500"/>
+                                        <p:tgtEl>
+                                          <p:spTgt spid="16"/>
+                                        </p:tgtEl>
+                                      </p:cBhvr>
+                                    </p:animEffect>
+                                  </p:childTnLst>
+                                </p:cTn>
+                              </p:par>
+                              <p:par>
+                                <p:cTn id="23" presetID="10" presetClass="entr" presetSubtype="0" fill="hold" grpId="0" nodeType="withEffect">
+                                  <p:stCondLst>
+                                    <p:cond delay="0"/>
+                                  </p:stCondLst>
+                                  <p:childTnLst>
+                                    <p:set>
+                                      <p:cBhvr>
+                                        <p:cTn id="24" dur="1" fill="hold">
+                                          <p:stCondLst>
+                                            <p:cond delay="0"/>
+                                          </p:stCondLst>
+                                        </p:cTn>
+                                        <p:tgtEl>
+                                          <p:spTgt spid="17"/>
+                                        </p:tgtEl>
+                                        <p:attrNameLst>
+                                          <p:attrName>style.visibility</p:attrName>
+                                        </p:attrNameLst>
+                                      </p:cBhvr>
+                                      <p:to>
+                                        <p:strVal val="visible"/>
+                                      </p:to>
+                                    </p:set>
+                                    <p:animEffect transition="in" filter="fade">
+                                      <p:cBhvr>
+                                        <p:cTn id="25" dur="500"/>
+                                        <p:tgtEl>
+                                          <p:spTgt spid="17"/>
+                                        </p:tgtEl>
+                                      </p:cBhvr>
+                                    </p:animEffect>
+                                  </p:childTnLst>
+                                </p:cTn>
+                              </p:par>
+                              <p:par>
+                                <p:cTn id="26" presetID="10" presetClass="entr" presetSubtype="0" fill="hold" grpId="0" nodeType="withEffect">
+                                  <p:stCondLst>
+                                    <p:cond delay="0"/>
+                                  </p:stCondLst>
+                                  <p:childTnLst>
+                                    <p:set>
+                                      <p:cBhvr>
+                                        <p:cTn id="27" dur="1" fill="hold">
+                                          <p:stCondLst>
+                                            <p:cond delay="0"/>
+                                          </p:stCondLst>
+                                        </p:cTn>
+                                        <p:tgtEl>
+                                          <p:spTgt spid="18"/>
+                                        </p:tgtEl>
+                                        <p:attrNameLst>
+                                          <p:attrName>style.visibility</p:attrName>
+                                        </p:attrNameLst>
+                                      </p:cBhvr>
+                                      <p:to>
+                                        <p:strVal val="visible"/>
+                                      </p:to>
+                                    </p:set>
+                                    <p:animEffect transition="in" filter="fade">
+                                      <p:cBhvr>
+                                        <p:cTn id="28" dur="500"/>
+                                        <p:tgtEl>
+                                          <p:spTgt spid="18"/>
+                                        </p:tgtEl>
+                                      </p:cBhvr>
+                                    </p:animEffect>
+                                  </p:childTnLst>
+                                </p:cTn>
+                              </p:par>
+                              <p:par>
+                                <p:cTn id="29" presetID="10" presetClass="entr" presetSubtype="0" fill="hold" grpId="0" nodeType="withEffect">
+                                  <p:stCondLst>
+                                    <p:cond delay="0"/>
+                                  </p:stCondLst>
+                                  <p:childTnLst>
+                                    <p:set>
+                                      <p:cBhvr>
+                                        <p:cTn id="30" dur="1" fill="hold">
+                                          <p:stCondLst>
+                                            <p:cond delay="0"/>
+                                          </p:stCondLst>
+                                        </p:cTn>
+                                        <p:tgtEl>
+                                          <p:spTgt spid="19"/>
+                                        </p:tgtEl>
+                                        <p:attrNameLst>
+                                          <p:attrName>style.visibility</p:attrName>
+                                        </p:attrNameLst>
+                                      </p:cBhvr>
+                                      <p:to>
+                                        <p:strVal val="visible"/>
+                                      </p:to>
+                                    </p:set>
+                                    <p:animEffect transition="in" filter="fade">
+                                      <p:cBhvr>
+                                        <p:cTn id="31" dur="500"/>
+                                        <p:tgtEl>
+                                          <p:spTgt spid="19"/>
+                                        </p:tgtEl>
+                                      </p:cBhvr>
+                                    </p:animEffect>
+                                  </p:childTnLst>
+                                </p:cTn>
+                              </p:par>
+                              <p:par>
+                                <p:cTn id="32" presetID="10" presetClass="entr" presetSubtype="0" fill="hold" grpId="0" nodeType="withEffect">
+                                  <p:stCondLst>
+                                    <p:cond delay="0"/>
+                                  </p:stCondLst>
+                                  <p:childTnLst>
+                                    <p:set>
+                                      <p:cBhvr>
+                                        <p:cTn id="33" dur="1" fill="hold">
+                                          <p:stCondLst>
+                                            <p:cond delay="0"/>
+                                          </p:stCondLst>
+                                        </p:cTn>
+                                        <p:tgtEl>
+                                          <p:spTgt spid="20"/>
+                                        </p:tgtEl>
+                                        <p:attrNameLst>
+                                          <p:attrName>style.visibility</p:attrName>
+                                        </p:attrNameLst>
+                                      </p:cBhvr>
+                                      <p:to>
+                                        <p:strVal val="visible"/>
+                                      </p:to>
+                                    </p:set>
+                                    <p:animEffect transition="in" filter="fade">
+                                      <p:cBhvr>
+                                        <p:cTn id="34" dur="500"/>
+                                        <p:tgtEl>
+                                          <p:spTgt spid="20"/>
+                                        </p:tgtEl>
+                                      </p:cBhvr>
+                                    </p:animEffect>
+                                  </p:childTnLst>
+                                </p:cTn>
+                              </p:par>
+                              <p:par>
+                                <p:cTn id="35" presetID="10" presetClass="entr" presetSubtype="0" fill="hold" nodeType="withEffect">
+                                  <p:stCondLst>
+                                    <p:cond delay="0"/>
+                                  </p:stCondLst>
+                                  <p:childTnLst>
+                                    <p:set>
+                                      <p:cBhvr>
+                                        <p:cTn id="36" dur="1" fill="hold">
+                                          <p:stCondLst>
+                                            <p:cond delay="0"/>
+                                          </p:stCondLst>
+                                        </p:cTn>
+                                        <p:tgtEl>
+                                          <p:spTgt spid="40"/>
+                                        </p:tgtEl>
+                                        <p:attrNameLst>
+                                          <p:attrName>style.visibility</p:attrName>
+                                        </p:attrNameLst>
+                                      </p:cBhvr>
+                                      <p:to>
+                                        <p:strVal val="visible"/>
+                                      </p:to>
+                                    </p:set>
+                                    <p:animEffect transition="in" filter="fade">
+                                      <p:cBhvr>
+                                        <p:cTn id="37" dur="500"/>
+                                        <p:tgtEl>
+                                          <p:spTgt spid="40"/>
+                                        </p:tgtEl>
+                                      </p:cBhvr>
+                                    </p:animEffect>
+                                  </p:childTnLst>
+                                </p:cTn>
+                              </p:par>
+                              <p:par>
+                                <p:cTn id="38" presetID="10" presetClass="entr" presetSubtype="0" fill="hold" nodeType="withEffect">
+                                  <p:stCondLst>
+                                    <p:cond delay="0"/>
+                                  </p:stCondLst>
+                                  <p:childTnLst>
+                                    <p:set>
+                                      <p:cBhvr>
+                                        <p:cTn id="39" dur="1" fill="hold">
+                                          <p:stCondLst>
+                                            <p:cond delay="0"/>
+                                          </p:stCondLst>
+                                        </p:cTn>
+                                        <p:tgtEl>
+                                          <p:spTgt spid="41"/>
+                                        </p:tgtEl>
+                                        <p:attrNameLst>
+                                          <p:attrName>style.visibility</p:attrName>
+                                        </p:attrNameLst>
+                                      </p:cBhvr>
+                                      <p:to>
+                                        <p:strVal val="visible"/>
+                                      </p:to>
+                                    </p:set>
+                                    <p:animEffect transition="in" filter="fade">
+                                      <p:cBhvr>
+                                        <p:cTn id="40" dur="500"/>
+                                        <p:tgtEl>
+                                          <p:spTgt spid="41"/>
+                                        </p:tgtEl>
+                                      </p:cBhvr>
+                                    </p:animEffect>
+                                  </p:childTnLst>
+                                </p:cTn>
+                              </p:par>
+                              <p:par>
+                                <p:cTn id="41" presetID="10" presetClass="entr" presetSubtype="0" fill="hold" nodeType="withEffect">
+                                  <p:stCondLst>
+                                    <p:cond delay="0"/>
+                                  </p:stCondLst>
+                                  <p:childTnLst>
+                                    <p:set>
+                                      <p:cBhvr>
+                                        <p:cTn id="42" dur="1" fill="hold">
+                                          <p:stCondLst>
+                                            <p:cond delay="0"/>
+                                          </p:stCondLst>
+                                        </p:cTn>
+                                        <p:tgtEl>
+                                          <p:spTgt spid="43"/>
+                                        </p:tgtEl>
+                                        <p:attrNameLst>
+                                          <p:attrName>style.visibility</p:attrName>
+                                        </p:attrNameLst>
+                                      </p:cBhvr>
+                                      <p:to>
+                                        <p:strVal val="visible"/>
+                                      </p:to>
+                                    </p:set>
+                                    <p:animEffect transition="in" filter="fade">
+                                      <p:cBhvr>
+                                        <p:cTn id="43" dur="500"/>
+                                        <p:tgtEl>
+                                          <p:spTgt spid="43"/>
+                                        </p:tgtEl>
+                                      </p:cBhvr>
+                                    </p:animEffect>
+                                  </p:childTnLst>
+                                </p:cTn>
+                              </p:par>
+                              <p:par>
+                                <p:cTn id="44" presetID="10" presetClass="entr" presetSubtype="0" fill="hold" nodeType="withEffect">
+                                  <p:stCondLst>
+                                    <p:cond delay="0"/>
+                                  </p:stCondLst>
+                                  <p:childTnLst>
+                                    <p:set>
+                                      <p:cBhvr>
+                                        <p:cTn id="45" dur="1" fill="hold">
+                                          <p:stCondLst>
+                                            <p:cond delay="0"/>
+                                          </p:stCondLst>
+                                        </p:cTn>
+                                        <p:tgtEl>
+                                          <p:spTgt spid="47"/>
+                                        </p:tgtEl>
+                                        <p:attrNameLst>
+                                          <p:attrName>style.visibility</p:attrName>
+                                        </p:attrNameLst>
+                                      </p:cBhvr>
+                                      <p:to>
+                                        <p:strVal val="visible"/>
+                                      </p:to>
+                                    </p:set>
+                                    <p:animEffect transition="in" filter="fade">
+                                      <p:cBhvr>
+                                        <p:cTn id="46" dur="500"/>
+                                        <p:tgtEl>
+                                          <p:spTgt spid="47"/>
+                                        </p:tgtEl>
+                                      </p:cBhvr>
+                                    </p:animEffect>
+                                  </p:childTnLst>
+                                </p:cTn>
+                              </p:par>
+                              <p:par>
+                                <p:cTn id="47" presetID="10" presetClass="entr" presetSubtype="0" fill="hold" grpId="0" nodeType="withEffect">
+                                  <p:stCondLst>
+                                    <p:cond delay="0"/>
+                                  </p:stCondLst>
+                                  <p:childTnLst>
+                                    <p:set>
+                                      <p:cBhvr>
+                                        <p:cTn id="48" dur="1" fill="hold">
+                                          <p:stCondLst>
+                                            <p:cond delay="0"/>
+                                          </p:stCondLst>
+                                        </p:cTn>
+                                        <p:tgtEl>
+                                          <p:spTgt spid="48"/>
+                                        </p:tgtEl>
+                                        <p:attrNameLst>
+                                          <p:attrName>style.visibility</p:attrName>
+                                        </p:attrNameLst>
+                                      </p:cBhvr>
+                                      <p:to>
+                                        <p:strVal val="visible"/>
+                                      </p:to>
+                                    </p:set>
+                                    <p:animEffect transition="in" filter="fade">
+                                      <p:cBhvr>
+                                        <p:cTn id="49" dur="500"/>
+                                        <p:tgtEl>
+                                          <p:spTgt spid="48"/>
+                                        </p:tgtEl>
+                                      </p:cBhvr>
+                                    </p:animEffect>
+                                  </p:childTnLst>
+                                </p:cTn>
+                              </p:par>
+                              <p:par>
+                                <p:cTn id="50" presetID="10" presetClass="entr" presetSubtype="0" fill="hold" grpId="0" nodeType="withEffect">
+                                  <p:stCondLst>
+                                    <p:cond delay="0"/>
+                                  </p:stCondLst>
+                                  <p:childTnLst>
+                                    <p:set>
+                                      <p:cBhvr>
+                                        <p:cTn id="51" dur="1" fill="hold">
+                                          <p:stCondLst>
+                                            <p:cond delay="0"/>
+                                          </p:stCondLst>
+                                        </p:cTn>
+                                        <p:tgtEl>
+                                          <p:spTgt spid="50"/>
+                                        </p:tgtEl>
+                                        <p:attrNameLst>
+                                          <p:attrName>style.visibility</p:attrName>
+                                        </p:attrNameLst>
+                                      </p:cBhvr>
+                                      <p:to>
+                                        <p:strVal val="visible"/>
+                                      </p:to>
+                                    </p:set>
+                                    <p:animEffect transition="in" filter="fade">
+                                      <p:cBhvr>
+                                        <p:cTn id="52" dur="500"/>
+                                        <p:tgtEl>
+                                          <p:spTgt spid="50"/>
+                                        </p:tgtEl>
+                                      </p:cBhvr>
+                                    </p:animEffect>
+                                  </p:childTnLst>
+                                </p:cTn>
+                              </p:par>
+                              <p:par>
+                                <p:cTn id="53" presetID="10" presetClass="entr" presetSubtype="0" fill="hold" nodeType="withEffect">
+                                  <p:stCondLst>
+                                    <p:cond delay="0"/>
+                                  </p:stCondLst>
+                                  <p:childTnLst>
+                                    <p:set>
+                                      <p:cBhvr>
+                                        <p:cTn id="54" dur="1" fill="hold">
+                                          <p:stCondLst>
+                                            <p:cond delay="0"/>
+                                          </p:stCondLst>
+                                        </p:cTn>
+                                        <p:tgtEl>
+                                          <p:spTgt spid="6146"/>
+                                        </p:tgtEl>
+                                        <p:attrNameLst>
+                                          <p:attrName>style.visibility</p:attrName>
+                                        </p:attrNameLst>
+                                      </p:cBhvr>
+                                      <p:to>
+                                        <p:strVal val="visible"/>
+                                      </p:to>
+                                    </p:set>
+                                    <p:animEffect transition="in" filter="fade">
+                                      <p:cBhvr>
+                                        <p:cTn id="55" dur="500"/>
+                                        <p:tgtEl>
+                                          <p:spTgt spid="6146"/>
+                                        </p:tgtEl>
+                                      </p:cBhvr>
+                                    </p:animEffect>
+                                  </p:childTnLst>
+                                </p:cTn>
+                              </p:par>
+                              <p:par>
+                                <p:cTn id="56" presetID="10" presetClass="entr" presetSubtype="0" fill="hold" nodeType="withEffect">
+                                  <p:stCondLst>
+                                    <p:cond delay="0"/>
+                                  </p:stCondLst>
+                                  <p:childTnLst>
+                                    <p:set>
+                                      <p:cBhvr>
+                                        <p:cTn id="57" dur="1" fill="hold">
+                                          <p:stCondLst>
+                                            <p:cond delay="0"/>
+                                          </p:stCondLst>
+                                        </p:cTn>
+                                        <p:tgtEl>
+                                          <p:spTgt spid="6150"/>
+                                        </p:tgtEl>
+                                        <p:attrNameLst>
+                                          <p:attrName>style.visibility</p:attrName>
+                                        </p:attrNameLst>
+                                      </p:cBhvr>
+                                      <p:to>
+                                        <p:strVal val="visible"/>
+                                      </p:to>
+                                    </p:set>
+                                    <p:animEffect transition="in" filter="fade">
+                                      <p:cBhvr>
+                                        <p:cTn id="58" dur="500"/>
+                                        <p:tgtEl>
+                                          <p:spTgt spid="6150"/>
+                                        </p:tgtEl>
+                                      </p:cBhvr>
+                                    </p:animEffect>
+                                  </p:childTnLst>
+                                </p:cTn>
+                              </p:par>
+                            </p:childTnLst>
+                          </p:cTn>
+                        </p:par>
+                      </p:childTnLst>
+                    </p:cTn>
+                  </p:par>
+                  <p:par>
+                    <p:cTn id="59" fill="hold">
+                      <p:stCondLst>
+                        <p:cond delay="indefinite"/>
+                      </p:stCondLst>
+                      <p:childTnLst>
+                        <p:par>
+                          <p:cTn id="60" fill="hold">
+                            <p:stCondLst>
+                              <p:cond delay="0"/>
+                            </p:stCondLst>
+                            <p:childTnLst>
+                              <p:par>
+                                <p:cTn id="61" presetID="10" presetClass="entr" presetSubtype="0" fill="hold" nodeType="clickEffect">
+                                  <p:stCondLst>
+                                    <p:cond delay="0"/>
+                                  </p:stCondLst>
+                                  <p:childTnLst>
+                                    <p:set>
+                                      <p:cBhvr>
+                                        <p:cTn id="62" dur="1" fill="hold">
+                                          <p:stCondLst>
+                                            <p:cond delay="0"/>
+                                          </p:stCondLst>
+                                        </p:cTn>
+                                        <p:tgtEl>
+                                          <p:spTgt spid="22"/>
+                                        </p:tgtEl>
+                                        <p:attrNameLst>
+                                          <p:attrName>style.visibility</p:attrName>
+                                        </p:attrNameLst>
+                                      </p:cBhvr>
+                                      <p:to>
+                                        <p:strVal val="visible"/>
+                                      </p:to>
+                                    </p:set>
+                                    <p:animEffect transition="in" filter="fade">
+                                      <p:cBhvr>
+                                        <p:cTn id="63" dur="500"/>
+                                        <p:tgtEl>
+                                          <p:spTgt spid="22"/>
+                                        </p:tgtEl>
+                                      </p:cBhvr>
+                                    </p:animEffect>
+                                  </p:childTnLst>
+                                </p:cTn>
+                              </p:par>
+                              <p:par>
+                                <p:cTn id="64" presetID="10" presetClass="entr" presetSubtype="0" fill="hold" grpId="0" nodeType="withEffect">
+                                  <p:stCondLst>
+                                    <p:cond delay="0"/>
+                                  </p:stCondLst>
+                                  <p:childTnLst>
+                                    <p:set>
+                                      <p:cBhvr>
+                                        <p:cTn id="65" dur="1" fill="hold">
+                                          <p:stCondLst>
+                                            <p:cond delay="0"/>
+                                          </p:stCondLst>
+                                        </p:cTn>
+                                        <p:tgtEl>
+                                          <p:spTgt spid="15"/>
+                                        </p:tgtEl>
+                                        <p:attrNameLst>
+                                          <p:attrName>style.visibility</p:attrName>
+                                        </p:attrNameLst>
+                                      </p:cBhvr>
+                                      <p:to>
+                                        <p:strVal val="visible"/>
+                                      </p:to>
+                                    </p:set>
+                                    <p:animEffect transition="in" filter="fade">
+                                      <p:cBhvr>
+                                        <p:cTn id="66" dur="500"/>
+                                        <p:tgtEl>
+                                          <p:spTgt spid="15"/>
+                                        </p:tgtEl>
+                                      </p:cBhvr>
+                                    </p:animEffect>
+                                  </p:childTnLst>
+                                </p:cTn>
+                              </p:par>
+                            </p:childTnLst>
+                          </p:cTn>
+                        </p:par>
+                      </p:childTnLst>
+                    </p:cTn>
+                  </p:par>
+                </p:childTnLst>
+              </p:cTn>
+              <p:prevCondLst>
+                <p:cond evt="onPrev" delay="0">
+                  <p:tgtEl>
+                    <p:sldTgt/>
+                  </p:tgtEl>
+                </p:cond>
+              </p:prevCondLst>
+              <p:nextCondLst>
+                <p:cond evt="onNext" delay="0">
+                  <p:tgtEl>
+                    <p:sldTgt/>
+                  </p:tgtEl>
+                </p:cond>
+              </p:nextCondLst>
+            </p:seq>
+          </p:childTnLst>
+        </p:cTn>
       </p:par>
     </p:tnLst>
+    <p:bldLst>
+      <p:bldP spid="3" grpId="0"/>
+      <p:bldP spid="4" grpId="0"/>
+      <p:bldP spid="5" grpId="0"/>
+      <p:bldP spid="6" grpId="0"/>
+      <p:bldP spid="7" grpId="0"/>
+      <p:bldP spid="15" grpId="0"/>
+      <p:bldP spid="16" grpId="0" animBg="1"/>
+      <p:bldP spid="17" grpId="0" animBg="1"/>
+      <p:bldP spid="18" grpId="0" animBg="1"/>
+      <p:bldP spid="19" grpId="0" animBg="1"/>
+      <p:bldP spid="20" grpId="0" animBg="1"/>
+      <p:bldP spid="48" grpId="0" animBg="1"/>
+      <p:bldP spid="50" grpId="0" animBg="1"/>
+    </p:bldLst>
   </p:timing>
 </p:sld>
 </file>
@@ -4813,6 +5883,18 @@
   <p:clrMapOvr>
     <a:masterClrMapping/>
   </p:clrMapOvr>
+  <mc:AlternateContent xmlns:mc="http://schemas.openxmlformats.org/markup-compatibility/2006">
+    <mc:Choice xmlns:p14="http://schemas.microsoft.com/office/powerpoint/2010/main" Requires="p14">
+      <p:transition p14:dur="250">
+        <p:fade/>
+      </p:transition>
+    </mc:Choice>
+    <mc:Fallback>
+      <p:transition>
+        <p:fade/>
+      </p:transition>
+    </mc:Fallback>
+  </mc:AlternateContent>
   <p:timing>
     <p:tnLst>
       <p:par>
@@ -4984,6 +6066,18 @@
   <p:clrMapOvr>
     <a:masterClrMapping/>
   </p:clrMapOvr>
+  <mc:AlternateContent xmlns:mc="http://schemas.openxmlformats.org/markup-compatibility/2006">
+    <mc:Choice xmlns:p14="http://schemas.microsoft.com/office/powerpoint/2010/main" Requires="p14">
+      <p:transition p14:dur="250">
+        <p:fade/>
+      </p:transition>
+    </mc:Choice>
+    <mc:Fallback>
+      <p:transition>
+        <p:fade/>
+      </p:transition>
+    </mc:Fallback>
+  </mc:AlternateContent>
   <p:timing>
     <p:tnLst>
       <p:par>
@@ -5061,6 +6155,18 @@
   <p:clrMapOvr>
     <a:masterClrMapping/>
   </p:clrMapOvr>
+  <mc:AlternateContent xmlns:mc="http://schemas.openxmlformats.org/markup-compatibility/2006">
+    <mc:Choice xmlns:p14="http://schemas.microsoft.com/office/powerpoint/2010/main" Requires="p14">
+      <p:transition p14:dur="250">
+        <p:fade/>
+      </p:transition>
+    </mc:Choice>
+    <mc:Fallback>
+      <p:transition>
+        <p:fade/>
+      </p:transition>
+    </mc:Fallback>
+  </mc:AlternateContent>
   <p:timing>
     <p:tnLst>
       <p:par>
@@ -5098,7 +6204,12 @@
             <p:ph type="ctrTitle"/>
           </p:nvPr>
         </p:nvSpPr>
-        <p:spPr/>
+        <p:spPr>
+          <a:xfrm>
+            <a:off x="685800" y="2481173"/>
+            <a:ext cx="7772400" cy="1470025"/>
+          </a:xfrm>
+        </p:spPr>
         <p:txBody>
           <a:bodyPr/>
           <a:lstStyle/>
@@ -5111,7 +6222,6 @@
               <a:rPr lang="en-US" dirty="0"/>
               <a:t>to mix?</a:t>
             </a:r>
-            <a:endParaRPr lang="en-US" dirty="0"/>
           </a:p>
         </p:txBody>
       </p:sp>
@@ -5123,7 +6233,7 @@
         </p:nvSpPr>
         <p:spPr>
           <a:xfrm>
-            <a:off x="4959026" y="4355812"/>
+            <a:off x="4959026" y="4706560"/>
             <a:ext cx="1579278" cy="369332"/>
           </a:xfrm>
           <a:prstGeom prst="rect">
@@ -5141,13 +6251,7 @@
               <a:rPr lang="en-US" dirty="0" smtClean="0">
                 <a:latin typeface="Hand Of Sean" pitchFamily="2" charset="-128"/>
               </a:rPr>
-              <a:t>on the </a:t>
-            </a:r>
-            <a:r>
-              <a:rPr lang="en-US" dirty="0" smtClean="0">
-                <a:latin typeface="Hand Of Sean" pitchFamily="2" charset="-128"/>
-              </a:rPr>
-              <a:t>object</a:t>
+              <a:t>on the object</a:t>
             </a:r>
             <a:endParaRPr lang="en-US" dirty="0">
               <a:latin typeface="Hand Of Sean" pitchFamily="2" charset="-128"/>
@@ -5163,7 +6267,7 @@
         </p:nvSpPr>
         <p:spPr>
           <a:xfrm>
-            <a:off x="611559" y="1359389"/>
+            <a:off x="611559" y="1710137"/>
             <a:ext cx="2856872" cy="369332"/>
           </a:xfrm>
           <a:prstGeom prst="rect">
@@ -5197,7 +6301,7 @@
         </p:nvSpPr>
         <p:spPr>
           <a:xfrm>
-            <a:off x="5292080" y="991670"/>
+            <a:off x="5292080" y="1342418"/>
             <a:ext cx="2600392" cy="369332"/>
           </a:xfrm>
           <a:prstGeom prst="rect">
@@ -5231,7 +6335,7 @@
         </p:nvSpPr>
         <p:spPr>
           <a:xfrm>
-            <a:off x="606281" y="4437112"/>
+            <a:off x="393338" y="5661248"/>
             <a:ext cx="2795958" cy="369332"/>
           </a:xfrm>
           <a:prstGeom prst="rect">
@@ -5269,9 +6373,6 @@
               </a:rPr>
               <a:t>needs</a:t>
             </a:r>
-            <a:endParaRPr lang="en-US" dirty="0" smtClean="0">
-              <a:latin typeface="Hand Of Sean" pitchFamily="2" charset="-128"/>
-            </a:endParaRPr>
           </a:p>
         </p:txBody>
       </p:sp>
@@ -5283,7 +6384,7 @@
         </p:nvSpPr>
         <p:spPr>
           <a:xfrm>
-            <a:off x="3407222" y="1544055"/>
+            <a:off x="3407222" y="1894803"/>
             <a:ext cx="372690" cy="1596913"/>
           </a:xfrm>
           <a:prstGeom prst="arc">
@@ -5331,7 +6432,7 @@
         </p:nvSpPr>
         <p:spPr>
           <a:xfrm flipH="1">
-            <a:off x="4932040" y="1176336"/>
+            <a:off x="4932040" y="1527084"/>
             <a:ext cx="576064" cy="2540696"/>
           </a:xfrm>
           <a:prstGeom prst="arc">
@@ -5379,56 +6480,8 @@
         </p:nvSpPr>
         <p:spPr>
           <a:xfrm flipH="1" flipV="1">
-            <a:off x="4703221" y="1950908"/>
+            <a:off x="4703221" y="2301656"/>
             <a:ext cx="504056" cy="2592288"/>
-          </a:xfrm>
-          <a:prstGeom prst="arc">
-            <a:avLst/>
-          </a:prstGeom>
-          <a:ln w="19050">
-            <a:solidFill>
-              <a:schemeClr val="tx1">
-                <a:lumMod val="65000"/>
-                <a:lumOff val="35000"/>
-              </a:schemeClr>
-            </a:solidFill>
-          </a:ln>
-        </p:spPr>
-        <p:style>
-          <a:lnRef idx="1">
-            <a:schemeClr val="accent1"/>
-          </a:lnRef>
-          <a:fillRef idx="0">
-            <a:schemeClr val="accent1"/>
-          </a:fillRef>
-          <a:effectRef idx="0">
-            <a:schemeClr val="accent1"/>
-          </a:effectRef>
-          <a:fontRef idx="minor">
-            <a:schemeClr val="tx1"/>
-          </a:fontRef>
-        </p:style>
-        <p:txBody>
-          <a:bodyPr rtlCol="0" anchor="ctr"/>
-          <a:lstStyle/>
-          <a:p>
-            <a:pPr algn="ctr"/>
-            <a:endParaRPr lang="en-US" dirty="0">
-              <a:latin typeface="Hand Of Sean" pitchFamily="2" charset="-128"/>
-            </a:endParaRPr>
-          </a:p>
-        </p:txBody>
-      </p:sp>
-      <p:sp>
-        <p:nvSpPr>
-          <p:cNvPr id="10" name="Båge 9"/>
-          <p:cNvSpPr/>
-          <p:nvPr/>
-        </p:nvSpPr>
-        <p:spPr>
-          <a:xfrm flipV="1">
-            <a:off x="3414583" y="2132856"/>
-            <a:ext cx="357968" cy="2376264"/>
           </a:xfrm>
           <a:prstGeom prst="arc">
             <a:avLst/>
@@ -5490,7 +6543,7 @@
         </p:blipFill>
         <p:spPr bwMode="auto">
           <a:xfrm>
-            <a:off x="179512" y="1268760"/>
+            <a:off x="179512" y="1619508"/>
             <a:ext cx="427653" cy="427653"/>
           </a:xfrm>
           <a:prstGeom prst="rect">
@@ -5531,7 +6584,7 @@
         </p:blipFill>
         <p:spPr bwMode="auto">
           <a:xfrm>
-            <a:off x="7870874" y="988526"/>
+            <a:off x="7870874" y="1339274"/>
             <a:ext cx="427300" cy="324036"/>
           </a:xfrm>
           <a:prstGeom prst="rect">
@@ -5549,6 +6602,173 @@
           </a:extLst>
         </p:spPr>
       </p:pic>
+      <p:grpSp>
+        <p:nvGrpSpPr>
+          <p:cNvPr id="11" name="Grupp 10"/>
+          <p:cNvGrpSpPr/>
+          <p:nvPr/>
+        </p:nvGrpSpPr>
+        <p:grpSpPr>
+          <a:xfrm rot="1282299">
+            <a:off x="2685137" y="3617520"/>
+            <a:ext cx="257866" cy="1944216"/>
+            <a:chOff x="4139952" y="3645024"/>
+            <a:chExt cx="257866" cy="1944216"/>
+          </a:xfrm>
+        </p:grpSpPr>
+        <p:cxnSp>
+          <p:nvCxnSpPr>
+            <p:cNvPr id="13" name="Rak 12"/>
+            <p:cNvCxnSpPr/>
+            <p:nvPr/>
+          </p:nvCxnSpPr>
+          <p:spPr>
+            <a:xfrm>
+              <a:off x="4220985" y="3645024"/>
+              <a:ext cx="0" cy="1763716"/>
+            </a:xfrm>
+            <a:prstGeom prst="line">
+              <a:avLst/>
+            </a:prstGeom>
+            <a:ln w="19050">
+              <a:solidFill>
+                <a:schemeClr val="tx1">
+                  <a:lumMod val="65000"/>
+                  <a:lumOff val="35000"/>
+                </a:schemeClr>
+              </a:solidFill>
+            </a:ln>
+          </p:spPr>
+          <p:style>
+            <a:lnRef idx="1">
+              <a:schemeClr val="accent1"/>
+            </a:lnRef>
+            <a:fillRef idx="0">
+              <a:schemeClr val="accent1"/>
+            </a:fillRef>
+            <a:effectRef idx="0">
+              <a:schemeClr val="accent1"/>
+            </a:effectRef>
+            <a:fontRef idx="minor">
+              <a:schemeClr val="tx1"/>
+            </a:fontRef>
+          </p:style>
+        </p:cxnSp>
+        <p:cxnSp>
+          <p:nvCxnSpPr>
+            <p:cNvPr id="14" name="Rak 13"/>
+            <p:cNvCxnSpPr/>
+            <p:nvPr/>
+          </p:nvCxnSpPr>
+          <p:spPr>
+            <a:xfrm>
+              <a:off x="4322143" y="3645024"/>
+              <a:ext cx="0" cy="1761335"/>
+            </a:xfrm>
+            <a:prstGeom prst="line">
+              <a:avLst/>
+            </a:prstGeom>
+            <a:ln w="19050">
+              <a:solidFill>
+                <a:schemeClr val="tx1">
+                  <a:lumMod val="65000"/>
+                  <a:lumOff val="35000"/>
+                </a:schemeClr>
+              </a:solidFill>
+            </a:ln>
+          </p:spPr>
+          <p:style>
+            <a:lnRef idx="1">
+              <a:schemeClr val="accent1"/>
+            </a:lnRef>
+            <a:fillRef idx="0">
+              <a:schemeClr val="accent1"/>
+            </a:fillRef>
+            <a:effectRef idx="0">
+              <a:schemeClr val="accent1"/>
+            </a:effectRef>
+            <a:fontRef idx="minor">
+              <a:schemeClr val="tx1"/>
+            </a:fontRef>
+          </p:style>
+        </p:cxnSp>
+        <p:cxnSp>
+          <p:nvCxnSpPr>
+            <p:cNvPr id="15" name="Rak 14"/>
+            <p:cNvCxnSpPr/>
+            <p:nvPr/>
+          </p:nvCxnSpPr>
+          <p:spPr>
+            <a:xfrm>
+              <a:off x="4139952" y="5372880"/>
+              <a:ext cx="131892" cy="216024"/>
+            </a:xfrm>
+            <a:prstGeom prst="line">
+              <a:avLst/>
+            </a:prstGeom>
+            <a:ln w="19050">
+              <a:solidFill>
+                <a:schemeClr val="tx1">
+                  <a:lumMod val="65000"/>
+                  <a:lumOff val="35000"/>
+                </a:schemeClr>
+              </a:solidFill>
+            </a:ln>
+          </p:spPr>
+          <p:style>
+            <a:lnRef idx="1">
+              <a:schemeClr val="accent1"/>
+            </a:lnRef>
+            <a:fillRef idx="0">
+              <a:schemeClr val="accent1"/>
+            </a:fillRef>
+            <a:effectRef idx="0">
+              <a:schemeClr val="accent1"/>
+            </a:effectRef>
+            <a:fontRef idx="minor">
+              <a:schemeClr val="tx1"/>
+            </a:fontRef>
+          </p:style>
+        </p:cxnSp>
+        <p:cxnSp>
+          <p:nvCxnSpPr>
+            <p:cNvPr id="16" name="Rak 15"/>
+            <p:cNvCxnSpPr/>
+            <p:nvPr/>
+          </p:nvCxnSpPr>
+          <p:spPr>
+            <a:xfrm flipH="1">
+              <a:off x="4265926" y="5373216"/>
+              <a:ext cx="131892" cy="216024"/>
+            </a:xfrm>
+            <a:prstGeom prst="line">
+              <a:avLst/>
+            </a:prstGeom>
+            <a:ln w="19050">
+              <a:solidFill>
+                <a:schemeClr val="tx1">
+                  <a:lumMod val="65000"/>
+                  <a:lumOff val="35000"/>
+                </a:schemeClr>
+              </a:solidFill>
+            </a:ln>
+          </p:spPr>
+          <p:style>
+            <a:lnRef idx="1">
+              <a:schemeClr val="accent1"/>
+            </a:lnRef>
+            <a:fillRef idx="0">
+              <a:schemeClr val="accent1"/>
+            </a:fillRef>
+            <a:effectRef idx="0">
+              <a:schemeClr val="accent1"/>
+            </a:effectRef>
+            <a:fontRef idx="minor">
+              <a:schemeClr val="tx1"/>
+            </a:fontRef>
+          </p:style>
+        </p:cxnSp>
+      </p:grpSp>
     </p:spTree>
     <p:extLst>
       <p:ext uri="{BB962C8B-B14F-4D97-AF65-F5344CB8AC3E}">
@@ -5559,12 +6779,442 @@
   <p:clrMapOvr>
     <a:masterClrMapping/>
   </p:clrMapOvr>
+  <mc:AlternateContent xmlns:mc="http://schemas.openxmlformats.org/markup-compatibility/2006">
+    <mc:Choice xmlns:p14="http://schemas.microsoft.com/office/powerpoint/2010/main" Requires="p14">
+      <p:transition p14:dur="250">
+        <p:fade/>
+      </p:transition>
+    </mc:Choice>
+    <mc:Fallback>
+      <p:transition>
+        <p:fade/>
+      </p:transition>
+    </mc:Fallback>
+  </mc:AlternateContent>
   <p:timing>
     <p:tnLst>
       <p:par>
-        <p:cTn id="1" dur="indefinite" restart="never" nodeType="tmRoot"/>
+        <p:cTn id="1" dur="indefinite" restart="never" nodeType="tmRoot">
+          <p:childTnLst>
+            <p:seq concurrent="1" nextAc="seek">
+              <p:cTn id="2" dur="indefinite" nodeType="mainSeq">
+                <p:childTnLst>
+                  <p:par>
+                    <p:cTn id="3" fill="hold">
+                      <p:stCondLst>
+                        <p:cond delay="indefinite"/>
+                      </p:stCondLst>
+                      <p:childTnLst>
+                        <p:par>
+                          <p:cTn id="4" fill="hold">
+                            <p:stCondLst>
+                              <p:cond delay="0"/>
+                            </p:stCondLst>
+                            <p:childTnLst>
+                              <p:par>
+                                <p:cTn id="5" presetID="10" presetClass="entr" presetSubtype="0" fill="hold" grpId="0" nodeType="clickEffect">
+                                  <p:stCondLst>
+                                    <p:cond delay="0"/>
+                                  </p:stCondLst>
+                                  <p:childTnLst>
+                                    <p:set>
+                                      <p:cBhvr>
+                                        <p:cTn id="6" dur="1" fill="hold">
+                                          <p:stCondLst>
+                                            <p:cond delay="0"/>
+                                          </p:stCondLst>
+                                        </p:cTn>
+                                        <p:tgtEl>
+                                          <p:spTgt spid="3"/>
+                                        </p:tgtEl>
+                                        <p:attrNameLst>
+                                          <p:attrName>style.visibility</p:attrName>
+                                        </p:attrNameLst>
+                                      </p:cBhvr>
+                                      <p:to>
+                                        <p:strVal val="visible"/>
+                                      </p:to>
+                                    </p:set>
+                                    <p:animEffect transition="in" filter="fade">
+                                      <p:cBhvr>
+                                        <p:cTn id="7" dur="500"/>
+                                        <p:tgtEl>
+                                          <p:spTgt spid="3"/>
+                                        </p:tgtEl>
+                                      </p:cBhvr>
+                                    </p:animEffect>
+                                  </p:childTnLst>
+                                </p:cTn>
+                              </p:par>
+                              <p:par>
+                                <p:cTn id="8" presetID="10" presetClass="entr" presetSubtype="0" fill="hold" grpId="0" nodeType="withEffect">
+                                  <p:stCondLst>
+                                    <p:cond delay="0"/>
+                                  </p:stCondLst>
+                                  <p:childTnLst>
+                                    <p:set>
+                                      <p:cBhvr>
+                                        <p:cTn id="9" dur="1" fill="hold">
+                                          <p:stCondLst>
+                                            <p:cond delay="0"/>
+                                          </p:stCondLst>
+                                        </p:cTn>
+                                        <p:tgtEl>
+                                          <p:spTgt spid="4"/>
+                                        </p:tgtEl>
+                                        <p:attrNameLst>
+                                          <p:attrName>style.visibility</p:attrName>
+                                        </p:attrNameLst>
+                                      </p:cBhvr>
+                                      <p:to>
+                                        <p:strVal val="visible"/>
+                                      </p:to>
+                                    </p:set>
+                                    <p:animEffect transition="in" filter="fade">
+                                      <p:cBhvr>
+                                        <p:cTn id="10" dur="500"/>
+                                        <p:tgtEl>
+                                          <p:spTgt spid="4"/>
+                                        </p:tgtEl>
+                                      </p:cBhvr>
+                                    </p:animEffect>
+                                  </p:childTnLst>
+                                </p:cTn>
+                              </p:par>
+                              <p:par>
+                                <p:cTn id="11" presetID="10" presetClass="entr" presetSubtype="0" fill="hold" grpId="0" nodeType="withEffect">
+                                  <p:stCondLst>
+                                    <p:cond delay="0"/>
+                                  </p:stCondLst>
+                                  <p:childTnLst>
+                                    <p:set>
+                                      <p:cBhvr>
+                                        <p:cTn id="12" dur="1" fill="hold">
+                                          <p:stCondLst>
+                                            <p:cond delay="0"/>
+                                          </p:stCondLst>
+                                        </p:cTn>
+                                        <p:tgtEl>
+                                          <p:spTgt spid="5"/>
+                                        </p:tgtEl>
+                                        <p:attrNameLst>
+                                          <p:attrName>style.visibility</p:attrName>
+                                        </p:attrNameLst>
+                                      </p:cBhvr>
+                                      <p:to>
+                                        <p:strVal val="visible"/>
+                                      </p:to>
+                                    </p:set>
+                                    <p:animEffect transition="in" filter="fade">
+                                      <p:cBhvr>
+                                        <p:cTn id="13" dur="500"/>
+                                        <p:tgtEl>
+                                          <p:spTgt spid="5"/>
+                                        </p:tgtEl>
+                                      </p:cBhvr>
+                                    </p:animEffect>
+                                  </p:childTnLst>
+                                </p:cTn>
+                              </p:par>
+                              <p:par>
+                                <p:cTn id="14" presetID="10" presetClass="entr" presetSubtype="0" fill="hold" grpId="0" nodeType="withEffect">
+                                  <p:stCondLst>
+                                    <p:cond delay="0"/>
+                                  </p:stCondLst>
+                                  <p:childTnLst>
+                                    <p:set>
+                                      <p:cBhvr>
+                                        <p:cTn id="15" dur="1" fill="hold">
+                                          <p:stCondLst>
+                                            <p:cond delay="0"/>
+                                          </p:stCondLst>
+                                        </p:cTn>
+                                        <p:tgtEl>
+                                          <p:spTgt spid="7"/>
+                                        </p:tgtEl>
+                                        <p:attrNameLst>
+                                          <p:attrName>style.visibility</p:attrName>
+                                        </p:attrNameLst>
+                                      </p:cBhvr>
+                                      <p:to>
+                                        <p:strVal val="visible"/>
+                                      </p:to>
+                                    </p:set>
+                                    <p:animEffect transition="in" filter="fade">
+                                      <p:cBhvr>
+                                        <p:cTn id="16" dur="500"/>
+                                        <p:tgtEl>
+                                          <p:spTgt spid="7"/>
+                                        </p:tgtEl>
+                                      </p:cBhvr>
+                                    </p:animEffect>
+                                  </p:childTnLst>
+                                </p:cTn>
+                              </p:par>
+                              <p:par>
+                                <p:cTn id="17" presetID="10" presetClass="entr" presetSubtype="0" fill="hold" grpId="0" nodeType="withEffect">
+                                  <p:stCondLst>
+                                    <p:cond delay="0"/>
+                                  </p:stCondLst>
+                                  <p:childTnLst>
+                                    <p:set>
+                                      <p:cBhvr>
+                                        <p:cTn id="18" dur="1" fill="hold">
+                                          <p:stCondLst>
+                                            <p:cond delay="0"/>
+                                          </p:stCondLst>
+                                        </p:cTn>
+                                        <p:tgtEl>
+                                          <p:spTgt spid="8"/>
+                                        </p:tgtEl>
+                                        <p:attrNameLst>
+                                          <p:attrName>style.visibility</p:attrName>
+                                        </p:attrNameLst>
+                                      </p:cBhvr>
+                                      <p:to>
+                                        <p:strVal val="visible"/>
+                                      </p:to>
+                                    </p:set>
+                                    <p:animEffect transition="in" filter="fade">
+                                      <p:cBhvr>
+                                        <p:cTn id="19" dur="500"/>
+                                        <p:tgtEl>
+                                          <p:spTgt spid="8"/>
+                                        </p:tgtEl>
+                                      </p:cBhvr>
+                                    </p:animEffect>
+                                  </p:childTnLst>
+                                </p:cTn>
+                              </p:par>
+                              <p:par>
+                                <p:cTn id="20" presetID="10" presetClass="entr" presetSubtype="0" fill="hold" grpId="0" nodeType="withEffect">
+                                  <p:stCondLst>
+                                    <p:cond delay="0"/>
+                                  </p:stCondLst>
+                                  <p:childTnLst>
+                                    <p:set>
+                                      <p:cBhvr>
+                                        <p:cTn id="21" dur="1" fill="hold">
+                                          <p:stCondLst>
+                                            <p:cond delay="0"/>
+                                          </p:stCondLst>
+                                        </p:cTn>
+                                        <p:tgtEl>
+                                          <p:spTgt spid="9"/>
+                                        </p:tgtEl>
+                                        <p:attrNameLst>
+                                          <p:attrName>style.visibility</p:attrName>
+                                        </p:attrNameLst>
+                                      </p:cBhvr>
+                                      <p:to>
+                                        <p:strVal val="visible"/>
+                                      </p:to>
+                                    </p:set>
+                                    <p:animEffect transition="in" filter="fade">
+                                      <p:cBhvr>
+                                        <p:cTn id="22" dur="500"/>
+                                        <p:tgtEl>
+                                          <p:spTgt spid="9"/>
+                                        </p:tgtEl>
+                                      </p:cBhvr>
+                                    </p:animEffect>
+                                  </p:childTnLst>
+                                </p:cTn>
+                              </p:par>
+                              <p:par>
+                                <p:cTn id="23" presetID="10" presetClass="entr" presetSubtype="0" fill="hold" nodeType="withEffect">
+                                  <p:stCondLst>
+                                    <p:cond delay="0"/>
+                                  </p:stCondLst>
+                                  <p:childTnLst>
+                                    <p:set>
+                                      <p:cBhvr>
+                                        <p:cTn id="24" dur="1" fill="hold">
+                                          <p:stCondLst>
+                                            <p:cond delay="0"/>
+                                          </p:stCondLst>
+                                        </p:cTn>
+                                        <p:tgtEl>
+                                          <p:spTgt spid="12290"/>
+                                        </p:tgtEl>
+                                        <p:attrNameLst>
+                                          <p:attrName>style.visibility</p:attrName>
+                                        </p:attrNameLst>
+                                      </p:cBhvr>
+                                      <p:to>
+                                        <p:strVal val="visible"/>
+                                      </p:to>
+                                    </p:set>
+                                    <p:animEffect transition="in" filter="fade">
+                                      <p:cBhvr>
+                                        <p:cTn id="25" dur="500"/>
+                                        <p:tgtEl>
+                                          <p:spTgt spid="12290"/>
+                                        </p:tgtEl>
+                                      </p:cBhvr>
+                                    </p:animEffect>
+                                  </p:childTnLst>
+                                </p:cTn>
+                              </p:par>
+                              <p:par>
+                                <p:cTn id="26" presetID="10" presetClass="entr" presetSubtype="0" fill="hold" nodeType="withEffect">
+                                  <p:stCondLst>
+                                    <p:cond delay="0"/>
+                                  </p:stCondLst>
+                                  <p:childTnLst>
+                                    <p:set>
+                                      <p:cBhvr>
+                                        <p:cTn id="27" dur="1" fill="hold">
+                                          <p:stCondLst>
+                                            <p:cond delay="0"/>
+                                          </p:stCondLst>
+                                        </p:cTn>
+                                        <p:tgtEl>
+                                          <p:spTgt spid="12295"/>
+                                        </p:tgtEl>
+                                        <p:attrNameLst>
+                                          <p:attrName>style.visibility</p:attrName>
+                                        </p:attrNameLst>
+                                      </p:cBhvr>
+                                      <p:to>
+                                        <p:strVal val="visible"/>
+                                      </p:to>
+                                    </p:set>
+                                    <p:animEffect transition="in" filter="fade">
+                                      <p:cBhvr>
+                                        <p:cTn id="28" dur="500"/>
+                                        <p:tgtEl>
+                                          <p:spTgt spid="12295"/>
+                                        </p:tgtEl>
+                                      </p:cBhvr>
+                                    </p:animEffect>
+                                  </p:childTnLst>
+                                </p:cTn>
+                              </p:par>
+                            </p:childTnLst>
+                          </p:cTn>
+                        </p:par>
+                      </p:childTnLst>
+                    </p:cTn>
+                  </p:par>
+                  <p:par>
+                    <p:cTn id="29" fill="hold">
+                      <p:stCondLst>
+                        <p:cond delay="indefinite"/>
+                      </p:stCondLst>
+                      <p:childTnLst>
+                        <p:par>
+                          <p:cTn id="30" fill="hold">
+                            <p:stCondLst>
+                              <p:cond delay="0"/>
+                            </p:stCondLst>
+                            <p:childTnLst>
+                              <p:par>
+                                <p:cTn id="31" presetID="10" presetClass="entr" presetSubtype="0" fill="hold" nodeType="clickEffect">
+                                  <p:stCondLst>
+                                    <p:cond delay="0"/>
+                                  </p:stCondLst>
+                                  <p:childTnLst>
+                                    <p:set>
+                                      <p:cBhvr>
+                                        <p:cTn id="32" dur="1" fill="hold">
+                                          <p:stCondLst>
+                                            <p:cond delay="0"/>
+                                          </p:stCondLst>
+                                        </p:cTn>
+                                        <p:tgtEl>
+                                          <p:spTgt spid="11"/>
+                                        </p:tgtEl>
+                                        <p:attrNameLst>
+                                          <p:attrName>style.visibility</p:attrName>
+                                        </p:attrNameLst>
+                                      </p:cBhvr>
+                                      <p:to>
+                                        <p:strVal val="visible"/>
+                                      </p:to>
+                                    </p:set>
+                                    <p:animEffect transition="in" filter="fade">
+                                      <p:cBhvr>
+                                        <p:cTn id="33" dur="500"/>
+                                        <p:tgtEl>
+                                          <p:spTgt spid="11"/>
+                                        </p:tgtEl>
+                                      </p:cBhvr>
+                                    </p:animEffect>
+                                  </p:childTnLst>
+                                </p:cTn>
+                              </p:par>
+                              <p:par>
+                                <p:cTn id="34" presetID="10" presetClass="entr" presetSubtype="0" fill="hold" grpId="0" nodeType="withEffect">
+                                  <p:stCondLst>
+                                    <p:cond delay="0"/>
+                                  </p:stCondLst>
+                                  <p:childTnLst>
+                                    <p:set>
+                                      <p:cBhvr>
+                                        <p:cTn id="35" dur="1" fill="hold">
+                                          <p:stCondLst>
+                                            <p:cond delay="0"/>
+                                          </p:stCondLst>
+                                        </p:cTn>
+                                        <p:tgtEl>
+                                          <p:spTgt spid="6"/>
+                                        </p:tgtEl>
+                                        <p:attrNameLst>
+                                          <p:attrName>style.visibility</p:attrName>
+                                        </p:attrNameLst>
+                                      </p:cBhvr>
+                                      <p:to>
+                                        <p:strVal val="visible"/>
+                                      </p:to>
+                                    </p:set>
+                                    <p:animEffect transition="in" filter="fade">
+                                      <p:cBhvr>
+                                        <p:cTn id="36" dur="500"/>
+                                        <p:tgtEl>
+                                          <p:spTgt spid="6"/>
+                                        </p:tgtEl>
+                                      </p:cBhvr>
+                                    </p:animEffect>
+                                  </p:childTnLst>
+                                </p:cTn>
+                              </p:par>
+                            </p:childTnLst>
+                          </p:cTn>
+                        </p:par>
+                      </p:childTnLst>
+                    </p:cTn>
+                  </p:par>
+                </p:childTnLst>
+              </p:cTn>
+              <p:prevCondLst>
+                <p:cond evt="onPrev" delay="0">
+                  <p:tgtEl>
+                    <p:sldTgt/>
+                  </p:tgtEl>
+                </p:cond>
+              </p:prevCondLst>
+              <p:nextCondLst>
+                <p:cond evt="onNext" delay="0">
+                  <p:tgtEl>
+                    <p:sldTgt/>
+                  </p:tgtEl>
+                </p:cond>
+              </p:nextCondLst>
+            </p:seq>
+          </p:childTnLst>
+        </p:cTn>
       </p:par>
     </p:tnLst>
+    <p:bldLst>
+      <p:bldP spid="3" grpId="0"/>
+      <p:bldP spid="4" grpId="0"/>
+      <p:bldP spid="5" grpId="0"/>
+      <p:bldP spid="6" grpId="0"/>
+      <p:bldP spid="7" grpId="0" animBg="1"/>
+      <p:bldP spid="8" grpId="0" animBg="1"/>
+      <p:bldP spid="9" grpId="0" animBg="1"/>
+    </p:bldLst>
   </p:timing>
 </p:sld>
 </file>
@@ -5609,7 +7259,7 @@
         </p:blipFill>
         <p:spPr bwMode="auto">
           <a:xfrm>
-            <a:off x="4788482" y="994466"/>
+            <a:off x="4788482" y="1317021"/>
             <a:ext cx="504056" cy="504056"/>
           </a:xfrm>
           <a:prstGeom prst="rect">
@@ -5637,7 +7287,12 @@
             <p:ph type="ctrTitle"/>
           </p:nvPr>
         </p:nvSpPr>
-        <p:spPr/>
+        <p:spPr>
+          <a:xfrm>
+            <a:off x="685800" y="2452980"/>
+            <a:ext cx="7772400" cy="1470025"/>
+          </a:xfrm>
+        </p:spPr>
         <p:txBody>
           <a:bodyPr/>
           <a:lstStyle/>
@@ -5662,7 +7317,7 @@
         </p:nvCxnSpPr>
         <p:spPr>
           <a:xfrm>
-            <a:off x="4821960" y="1028070"/>
+            <a:off x="4821960" y="1350625"/>
             <a:ext cx="445232" cy="436848"/>
           </a:xfrm>
           <a:prstGeom prst="line">
@@ -5700,7 +7355,7 @@
         </p:nvCxnSpPr>
         <p:spPr>
           <a:xfrm flipV="1">
-            <a:off x="4819535" y="1028070"/>
+            <a:off x="4819535" y="1350625"/>
             <a:ext cx="447657" cy="484714"/>
           </a:xfrm>
           <a:prstGeom prst="line">
@@ -5738,7 +7393,7 @@
         </p:nvSpPr>
         <p:spPr>
           <a:xfrm>
-            <a:off x="2555776" y="4427820"/>
+            <a:off x="2555776" y="4750375"/>
             <a:ext cx="1120820" cy="369332"/>
           </a:xfrm>
           <a:prstGeom prst="rect">
@@ -5772,7 +7427,7 @@
         </p:nvSpPr>
         <p:spPr>
           <a:xfrm>
-            <a:off x="1547664" y="1464918"/>
+            <a:off x="1547664" y="1787473"/>
             <a:ext cx="1301959" cy="369332"/>
           </a:xfrm>
           <a:prstGeom prst="rect">
@@ -5790,13 +7445,7 @@
               <a:rPr lang="en-US" dirty="0" smtClean="0">
                 <a:latin typeface="Hand Of Sean" pitchFamily="2" charset="-128"/>
               </a:rPr>
-              <a:t>fails </a:t>
-            </a:r>
-            <a:r>
-              <a:rPr lang="en-US" dirty="0" smtClean="0">
-                <a:latin typeface="Hand Of Sean" pitchFamily="2" charset="-128"/>
-              </a:rPr>
-              <a:t>loudly</a:t>
+              <a:t>fails loudly</a:t>
             </a:r>
             <a:endParaRPr lang="en-US" dirty="0">
               <a:latin typeface="Hand Of Sean" pitchFamily="2" charset="-128"/>
@@ -5812,7 +7461,7 @@
         </p:nvSpPr>
         <p:spPr>
           <a:xfrm>
-            <a:off x="5354034" y="1094150"/>
+            <a:off x="5354034" y="1416705"/>
             <a:ext cx="1497526" cy="369332"/>
           </a:xfrm>
           <a:prstGeom prst="rect">
@@ -5830,13 +7479,7 @@
               <a:rPr lang="en-US" dirty="0" smtClean="0">
                 <a:latin typeface="Hand Of Sean" pitchFamily="2" charset="-128"/>
               </a:rPr>
-              <a:t>fails </a:t>
-            </a:r>
-            <a:r>
-              <a:rPr lang="en-US" dirty="0" smtClean="0">
-                <a:latin typeface="Hand Of Sean" pitchFamily="2" charset="-128"/>
-              </a:rPr>
-              <a:t>silently</a:t>
+              <a:t>fails silently</a:t>
             </a:r>
             <a:endParaRPr lang="en-US" dirty="0">
               <a:latin typeface="Hand Of Sean" pitchFamily="2" charset="-128"/>
@@ -5852,7 +7495,7 @@
         </p:nvSpPr>
         <p:spPr>
           <a:xfrm flipH="1">
-            <a:off x="5508104" y="1512784"/>
+            <a:off x="5508104" y="1835339"/>
             <a:ext cx="236892" cy="1700192"/>
           </a:xfrm>
           <a:prstGeom prst="arc">
@@ -5900,7 +7543,7 @@
         </p:nvSpPr>
         <p:spPr>
           <a:xfrm rot="715259">
-            <a:off x="2544958" y="1726971"/>
+            <a:off x="2544958" y="2049526"/>
             <a:ext cx="360040" cy="1022112"/>
           </a:xfrm>
           <a:prstGeom prst="arc">
@@ -5948,7 +7591,7 @@
         </p:nvSpPr>
         <p:spPr>
           <a:xfrm rot="11236215">
-            <a:off x="2278711" y="2313338"/>
+            <a:off x="2278711" y="2635893"/>
             <a:ext cx="703514" cy="2232248"/>
           </a:xfrm>
           <a:prstGeom prst="arc">
@@ -6011,7 +7654,7 @@
         </p:blipFill>
         <p:spPr bwMode="auto">
           <a:xfrm>
-            <a:off x="2679619" y="4831674"/>
+            <a:off x="2679619" y="5154229"/>
             <a:ext cx="712063" cy="507019"/>
           </a:xfrm>
           <a:prstGeom prst="rect">
@@ -6052,7 +7695,7 @@
         </p:blipFill>
         <p:spPr bwMode="auto">
           <a:xfrm>
-            <a:off x="1068438" y="1330194"/>
+            <a:off x="1068438" y="1652749"/>
             <a:ext cx="504056" cy="504056"/>
           </a:xfrm>
           <a:prstGeom prst="rect">
@@ -6080,12 +7723,494 @@
   <p:clrMapOvr>
     <a:masterClrMapping/>
   </p:clrMapOvr>
+  <mc:AlternateContent xmlns:mc="http://schemas.openxmlformats.org/markup-compatibility/2006">
+    <mc:Choice xmlns:p14="http://schemas.microsoft.com/office/powerpoint/2010/main" Requires="p14">
+      <p:transition p14:dur="250">
+        <p:fade/>
+      </p:transition>
+    </mc:Choice>
+    <mc:Fallback>
+      <p:transition>
+        <p:fade/>
+      </p:transition>
+    </mc:Fallback>
+  </mc:AlternateContent>
   <p:timing>
     <p:tnLst>
       <p:par>
-        <p:cTn id="1" dur="indefinite" restart="never" nodeType="tmRoot"/>
+        <p:cTn id="1" dur="indefinite" restart="never" nodeType="tmRoot">
+          <p:childTnLst>
+            <p:seq concurrent="1" nextAc="seek">
+              <p:cTn id="2" dur="indefinite" nodeType="mainSeq">
+                <p:childTnLst>
+                  <p:par>
+                    <p:cTn id="3" fill="hold">
+                      <p:stCondLst>
+                        <p:cond delay="indefinite"/>
+                      </p:stCondLst>
+                      <p:childTnLst>
+                        <p:par>
+                          <p:cTn id="4" fill="hold">
+                            <p:stCondLst>
+                              <p:cond delay="0"/>
+                            </p:stCondLst>
+                            <p:childTnLst>
+                              <p:par>
+                                <p:cTn id="5" presetID="10" presetClass="entr" presetSubtype="0" fill="hold" grpId="0" nodeType="clickEffect">
+                                  <p:stCondLst>
+                                    <p:cond delay="0"/>
+                                  </p:stCondLst>
+                                  <p:childTnLst>
+                                    <p:set>
+                                      <p:cBhvr>
+                                        <p:cTn id="6" dur="1" fill="hold">
+                                          <p:stCondLst>
+                                            <p:cond delay="0"/>
+                                          </p:stCondLst>
+                                        </p:cTn>
+                                        <p:tgtEl>
+                                          <p:spTgt spid="13"/>
+                                        </p:tgtEl>
+                                        <p:attrNameLst>
+                                          <p:attrName>style.visibility</p:attrName>
+                                        </p:attrNameLst>
+                                      </p:cBhvr>
+                                      <p:to>
+                                        <p:strVal val="visible"/>
+                                      </p:to>
+                                    </p:set>
+                                    <p:animEffect transition="in" filter="fade">
+                                      <p:cBhvr>
+                                        <p:cTn id="7" dur="500"/>
+                                        <p:tgtEl>
+                                          <p:spTgt spid="13"/>
+                                        </p:tgtEl>
+                                      </p:cBhvr>
+                                    </p:animEffect>
+                                  </p:childTnLst>
+                                </p:cTn>
+                              </p:par>
+                              <p:par>
+                                <p:cTn id="8" presetID="10" presetClass="entr" presetSubtype="0" fill="hold" nodeType="withEffect">
+                                  <p:stCondLst>
+                                    <p:cond delay="0"/>
+                                  </p:stCondLst>
+                                  <p:childTnLst>
+                                    <p:set>
+                                      <p:cBhvr>
+                                        <p:cTn id="9" dur="1" fill="hold">
+                                          <p:stCondLst>
+                                            <p:cond delay="0"/>
+                                          </p:stCondLst>
+                                        </p:cTn>
+                                        <p:tgtEl>
+                                          <p:spTgt spid="4104"/>
+                                        </p:tgtEl>
+                                        <p:attrNameLst>
+                                          <p:attrName>style.visibility</p:attrName>
+                                        </p:attrNameLst>
+                                      </p:cBhvr>
+                                      <p:to>
+                                        <p:strVal val="visible"/>
+                                      </p:to>
+                                    </p:set>
+                                    <p:animEffect transition="in" filter="fade">
+                                      <p:cBhvr>
+                                        <p:cTn id="10" dur="500"/>
+                                        <p:tgtEl>
+                                          <p:spTgt spid="4104"/>
+                                        </p:tgtEl>
+                                      </p:cBhvr>
+                                    </p:animEffect>
+                                  </p:childTnLst>
+                                </p:cTn>
+                              </p:par>
+                              <p:par>
+                                <p:cTn id="11" presetID="10" presetClass="entr" presetSubtype="0" fill="hold" grpId="0" nodeType="withEffect">
+                                  <p:stCondLst>
+                                    <p:cond delay="0"/>
+                                  </p:stCondLst>
+                                  <p:childTnLst>
+                                    <p:set>
+                                      <p:cBhvr>
+                                        <p:cTn id="12" dur="1" fill="hold">
+                                          <p:stCondLst>
+                                            <p:cond delay="0"/>
+                                          </p:stCondLst>
+                                        </p:cTn>
+                                        <p:tgtEl>
+                                          <p:spTgt spid="11"/>
+                                        </p:tgtEl>
+                                        <p:attrNameLst>
+                                          <p:attrName>style.visibility</p:attrName>
+                                        </p:attrNameLst>
+                                      </p:cBhvr>
+                                      <p:to>
+                                        <p:strVal val="visible"/>
+                                      </p:to>
+                                    </p:set>
+                                    <p:animEffect transition="in" filter="fade">
+                                      <p:cBhvr>
+                                        <p:cTn id="13" dur="500"/>
+                                        <p:tgtEl>
+                                          <p:spTgt spid="11"/>
+                                        </p:tgtEl>
+                                      </p:cBhvr>
+                                    </p:animEffect>
+                                  </p:childTnLst>
+                                </p:cTn>
+                              </p:par>
+                            </p:childTnLst>
+                          </p:cTn>
+                        </p:par>
+                      </p:childTnLst>
+                    </p:cTn>
+                  </p:par>
+                  <p:par>
+                    <p:cTn id="14" fill="hold">
+                      <p:stCondLst>
+                        <p:cond delay="indefinite"/>
+                      </p:stCondLst>
+                      <p:childTnLst>
+                        <p:par>
+                          <p:cTn id="15" fill="hold">
+                            <p:stCondLst>
+                              <p:cond delay="0"/>
+                            </p:stCondLst>
+                            <p:childTnLst>
+                              <p:par>
+                                <p:cTn id="16" presetID="10" presetClass="entr" presetSubtype="0" fill="hold" nodeType="clickEffect">
+                                  <p:stCondLst>
+                                    <p:cond delay="0"/>
+                                  </p:stCondLst>
+                                  <p:childTnLst>
+                                    <p:set>
+                                      <p:cBhvr>
+                                        <p:cTn id="17" dur="1" fill="hold">
+                                          <p:stCondLst>
+                                            <p:cond delay="0"/>
+                                          </p:stCondLst>
+                                        </p:cTn>
+                                        <p:tgtEl>
+                                          <p:spTgt spid="20"/>
+                                        </p:tgtEl>
+                                        <p:attrNameLst>
+                                          <p:attrName>style.visibility</p:attrName>
+                                        </p:attrNameLst>
+                                      </p:cBhvr>
+                                      <p:to>
+                                        <p:strVal val="visible"/>
+                                      </p:to>
+                                    </p:set>
+                                    <p:animEffect transition="in" filter="fade">
+                                      <p:cBhvr>
+                                        <p:cTn id="18" dur="500"/>
+                                        <p:tgtEl>
+                                          <p:spTgt spid="20"/>
+                                        </p:tgtEl>
+                                      </p:cBhvr>
+                                    </p:animEffect>
+                                  </p:childTnLst>
+                                </p:cTn>
+                              </p:par>
+                              <p:par>
+                                <p:cTn id="19" presetID="10" presetClass="entr" presetSubtype="0" fill="hold" nodeType="withEffect">
+                                  <p:stCondLst>
+                                    <p:cond delay="0"/>
+                                  </p:stCondLst>
+                                  <p:childTnLst>
+                                    <p:set>
+                                      <p:cBhvr>
+                                        <p:cTn id="20" dur="1" fill="hold">
+                                          <p:stCondLst>
+                                            <p:cond delay="0"/>
+                                          </p:stCondLst>
+                                        </p:cTn>
+                                        <p:tgtEl>
+                                          <p:spTgt spid="4"/>
+                                        </p:tgtEl>
+                                        <p:attrNameLst>
+                                          <p:attrName>style.visibility</p:attrName>
+                                        </p:attrNameLst>
+                                      </p:cBhvr>
+                                      <p:to>
+                                        <p:strVal val="visible"/>
+                                      </p:to>
+                                    </p:set>
+                                    <p:animEffect transition="in" filter="fade">
+                                      <p:cBhvr>
+                                        <p:cTn id="21" dur="500"/>
+                                        <p:tgtEl>
+                                          <p:spTgt spid="4"/>
+                                        </p:tgtEl>
+                                      </p:cBhvr>
+                                    </p:animEffect>
+                                  </p:childTnLst>
+                                </p:cTn>
+                              </p:par>
+                              <p:par>
+                                <p:cTn id="22" presetID="10" presetClass="entr" presetSubtype="0" fill="hold" nodeType="withEffect">
+                                  <p:stCondLst>
+                                    <p:cond delay="0"/>
+                                  </p:stCondLst>
+                                  <p:childTnLst>
+                                    <p:set>
+                                      <p:cBhvr>
+                                        <p:cTn id="23" dur="1" fill="hold">
+                                          <p:stCondLst>
+                                            <p:cond delay="0"/>
+                                          </p:stCondLst>
+                                        </p:cTn>
+                                        <p:tgtEl>
+                                          <p:spTgt spid="9"/>
+                                        </p:tgtEl>
+                                        <p:attrNameLst>
+                                          <p:attrName>style.visibility</p:attrName>
+                                        </p:attrNameLst>
+                                      </p:cBhvr>
+                                      <p:to>
+                                        <p:strVal val="visible"/>
+                                      </p:to>
+                                    </p:set>
+                                    <p:animEffect transition="in" filter="fade">
+                                      <p:cBhvr>
+                                        <p:cTn id="24" dur="500"/>
+                                        <p:tgtEl>
+                                          <p:spTgt spid="9"/>
+                                        </p:tgtEl>
+                                      </p:cBhvr>
+                                    </p:animEffect>
+                                  </p:childTnLst>
+                                </p:cTn>
+                              </p:par>
+                              <p:par>
+                                <p:cTn id="25" presetID="10" presetClass="entr" presetSubtype="0" fill="hold" grpId="0" nodeType="withEffect">
+                                  <p:stCondLst>
+                                    <p:cond delay="0"/>
+                                  </p:stCondLst>
+                                  <p:childTnLst>
+                                    <p:set>
+                                      <p:cBhvr>
+                                        <p:cTn id="26" dur="1" fill="hold">
+                                          <p:stCondLst>
+                                            <p:cond delay="0"/>
+                                          </p:stCondLst>
+                                        </p:cTn>
+                                        <p:tgtEl>
+                                          <p:spTgt spid="14"/>
+                                        </p:tgtEl>
+                                        <p:attrNameLst>
+                                          <p:attrName>style.visibility</p:attrName>
+                                        </p:attrNameLst>
+                                      </p:cBhvr>
+                                      <p:to>
+                                        <p:strVal val="visible"/>
+                                      </p:to>
+                                    </p:set>
+                                    <p:animEffect transition="in" filter="fade">
+                                      <p:cBhvr>
+                                        <p:cTn id="27" dur="500"/>
+                                        <p:tgtEl>
+                                          <p:spTgt spid="14"/>
+                                        </p:tgtEl>
+                                      </p:cBhvr>
+                                    </p:animEffect>
+                                  </p:childTnLst>
+                                </p:cTn>
+                              </p:par>
+                              <p:par>
+                                <p:cTn id="28" presetID="10" presetClass="entr" presetSubtype="0" fill="hold" grpId="0" nodeType="withEffect">
+                                  <p:stCondLst>
+                                    <p:cond delay="0"/>
+                                  </p:stCondLst>
+                                  <p:childTnLst>
+                                    <p:set>
+                                      <p:cBhvr>
+                                        <p:cTn id="29" dur="1" fill="hold">
+                                          <p:stCondLst>
+                                            <p:cond delay="0"/>
+                                          </p:stCondLst>
+                                        </p:cTn>
+                                        <p:tgtEl>
+                                          <p:spTgt spid="10"/>
+                                        </p:tgtEl>
+                                        <p:attrNameLst>
+                                          <p:attrName>style.visibility</p:attrName>
+                                        </p:attrNameLst>
+                                      </p:cBhvr>
+                                      <p:to>
+                                        <p:strVal val="visible"/>
+                                      </p:to>
+                                    </p:set>
+                                    <p:animEffect transition="in" filter="fade">
+                                      <p:cBhvr>
+                                        <p:cTn id="30" dur="500"/>
+                                        <p:tgtEl>
+                                          <p:spTgt spid="10"/>
+                                        </p:tgtEl>
+                                      </p:cBhvr>
+                                    </p:animEffect>
+                                  </p:childTnLst>
+                                </p:cTn>
+                              </p:par>
+                            </p:childTnLst>
+                          </p:cTn>
+                        </p:par>
+                      </p:childTnLst>
+                    </p:cTn>
+                  </p:par>
+                  <p:par>
+                    <p:cTn id="31" fill="hold">
+                      <p:stCondLst>
+                        <p:cond delay="indefinite"/>
+                      </p:stCondLst>
+                      <p:childTnLst>
+                        <p:par>
+                          <p:cTn id="32" fill="hold">
+                            <p:stCondLst>
+                              <p:cond delay="0"/>
+                            </p:stCondLst>
+                            <p:childTnLst>
+                              <p:par>
+                                <p:cTn id="33" presetID="10" presetClass="entr" presetSubtype="0" fill="hold" grpId="0" nodeType="clickEffect">
+                                  <p:stCondLst>
+                                    <p:cond delay="0"/>
+                                  </p:stCondLst>
+                                  <p:childTnLst>
+                                    <p:set>
+                                      <p:cBhvr>
+                                        <p:cTn id="34" dur="1" fill="hold">
+                                          <p:stCondLst>
+                                            <p:cond delay="0"/>
+                                          </p:stCondLst>
+                                        </p:cTn>
+                                        <p:tgtEl>
+                                          <p:spTgt spid="12"/>
+                                        </p:tgtEl>
+                                        <p:attrNameLst>
+                                          <p:attrName>style.visibility</p:attrName>
+                                        </p:attrNameLst>
+                                      </p:cBhvr>
+                                      <p:to>
+                                        <p:strVal val="visible"/>
+                                      </p:to>
+                                    </p:set>
+                                    <p:animEffect transition="in" filter="fade">
+                                      <p:cBhvr>
+                                        <p:cTn id="35" dur="500"/>
+                                        <p:tgtEl>
+                                          <p:spTgt spid="12"/>
+                                        </p:tgtEl>
+                                      </p:cBhvr>
+                                    </p:animEffect>
+                                  </p:childTnLst>
+                                </p:cTn>
+                              </p:par>
+                              <p:par>
+                                <p:cTn id="36" presetID="10" presetClass="entr" presetSubtype="0" fill="hold" nodeType="withEffect">
+                                  <p:stCondLst>
+                                    <p:cond delay="0"/>
+                                  </p:stCondLst>
+                                  <p:childTnLst>
+                                    <p:set>
+                                      <p:cBhvr>
+                                        <p:cTn id="37" dur="1" fill="hold">
+                                          <p:stCondLst>
+                                            <p:cond delay="0"/>
+                                          </p:stCondLst>
+                                        </p:cTn>
+                                        <p:tgtEl>
+                                          <p:spTgt spid="4102"/>
+                                        </p:tgtEl>
+                                        <p:attrNameLst>
+                                          <p:attrName>style.visibility</p:attrName>
+                                        </p:attrNameLst>
+                                      </p:cBhvr>
+                                      <p:to>
+                                        <p:strVal val="visible"/>
+                                      </p:to>
+                                    </p:set>
+                                    <p:animEffect transition="in" filter="fade">
+                                      <p:cBhvr>
+                                        <p:cTn id="38" dur="500"/>
+                                        <p:tgtEl>
+                                          <p:spTgt spid="4102"/>
+                                        </p:tgtEl>
+                                      </p:cBhvr>
+                                    </p:animEffect>
+                                  </p:childTnLst>
+                                </p:cTn>
+                              </p:par>
+                              <p:par>
+                                <p:cTn id="39" presetID="10" presetClass="entr" presetSubtype="0" fill="hold" grpId="0" nodeType="withEffect">
+                                  <p:stCondLst>
+                                    <p:cond delay="0"/>
+                                  </p:stCondLst>
+                                  <p:childTnLst>
+                                    <p:set>
+                                      <p:cBhvr>
+                                        <p:cTn id="40" dur="1" fill="hold">
+                                          <p:stCondLst>
+                                            <p:cond delay="0"/>
+                                          </p:stCondLst>
+                                        </p:cTn>
+                                        <p:tgtEl>
+                                          <p:spTgt spid="15"/>
+                                        </p:tgtEl>
+                                        <p:attrNameLst>
+                                          <p:attrName>style.visibility</p:attrName>
+                                        </p:attrNameLst>
+                                      </p:cBhvr>
+                                      <p:to>
+                                        <p:strVal val="visible"/>
+                                      </p:to>
+                                    </p:set>
+                                    <p:animEffect transition="in" filter="fade">
+                                      <p:cBhvr>
+                                        <p:cTn id="41" dur="500"/>
+                                        <p:tgtEl>
+                                          <p:spTgt spid="15"/>
+                                        </p:tgtEl>
+                                      </p:cBhvr>
+                                    </p:animEffect>
+                                  </p:childTnLst>
+                                </p:cTn>
+                              </p:par>
+                            </p:childTnLst>
+                          </p:cTn>
+                        </p:par>
+                      </p:childTnLst>
+                    </p:cTn>
+                  </p:par>
+                </p:childTnLst>
+              </p:cTn>
+              <p:prevCondLst>
+                <p:cond evt="onPrev" delay="0">
+                  <p:tgtEl>
+                    <p:sldTgt/>
+                  </p:tgtEl>
+                </p:cond>
+              </p:prevCondLst>
+              <p:nextCondLst>
+                <p:cond evt="onNext" delay="0">
+                  <p:tgtEl>
+                    <p:sldTgt/>
+                  </p:tgtEl>
+                </p:cond>
+              </p:nextCondLst>
+            </p:seq>
+          </p:childTnLst>
+        </p:cTn>
       </p:par>
     </p:tnLst>
+    <p:bldLst>
+      <p:bldP spid="12" grpId="0"/>
+      <p:bldP spid="13" grpId="0"/>
+      <p:bldP spid="14" grpId="0"/>
+      <p:bldP spid="10" grpId="0" animBg="1"/>
+      <p:bldP spid="11" grpId="0" animBg="1"/>
+      <p:bldP spid="15" grpId="0" animBg="1"/>
+    </p:bldLst>
   </p:timing>
 </p:sld>
 </file>
@@ -6117,7 +8242,12 @@
             <p:ph type="ctrTitle"/>
           </p:nvPr>
         </p:nvSpPr>
-        <p:spPr/>
+        <p:spPr>
+          <a:xfrm>
+            <a:off x="685800" y="2455798"/>
+            <a:ext cx="7772400" cy="1470025"/>
+          </a:xfrm>
+        </p:spPr>
         <p:txBody>
           <a:bodyPr/>
           <a:lstStyle/>
@@ -6150,7 +8280,7 @@
         </p:nvSpPr>
         <p:spPr>
           <a:xfrm rot="273063" flipH="1">
-            <a:off x="4911976" y="1000471"/>
+            <a:off x="4911976" y="1325844"/>
             <a:ext cx="887554" cy="2567820"/>
           </a:xfrm>
           <a:prstGeom prst="arc">
@@ -6201,7 +8331,7 @@
         </p:nvSpPr>
         <p:spPr>
           <a:xfrm rot="10613920" flipH="1">
-            <a:off x="1756993" y="1821005"/>
+            <a:off x="1756993" y="2146378"/>
             <a:ext cx="887554" cy="2438492"/>
           </a:xfrm>
           <a:prstGeom prst="arc">
@@ -6252,7 +8382,7 @@
         </p:nvSpPr>
         <p:spPr>
           <a:xfrm>
-            <a:off x="5364087" y="784641"/>
+            <a:off x="5364087" y="1110014"/>
             <a:ext cx="2435282" cy="369332"/>
           </a:xfrm>
           <a:prstGeom prst="rect">
@@ -6286,7 +8416,7 @@
         </p:nvSpPr>
         <p:spPr>
           <a:xfrm>
-            <a:off x="980206" y="3860723"/>
+            <a:off x="980206" y="4186096"/>
             <a:ext cx="1569660" cy="646331"/>
           </a:xfrm>
           <a:prstGeom prst="rect">
@@ -6328,7 +8458,7 @@
         </p:nvSpPr>
         <p:spPr>
           <a:xfrm>
-            <a:off x="1763688" y="1052736"/>
+            <a:off x="1763688" y="1378109"/>
             <a:ext cx="576064" cy="576064"/>
           </a:xfrm>
           <a:prstGeom prst="ellipse">
@@ -6376,7 +8506,7 @@
         </p:nvSpPr>
         <p:spPr>
           <a:xfrm>
-            <a:off x="1967121" y="1359243"/>
+            <a:off x="1967121" y="1684616"/>
             <a:ext cx="195663" cy="195663"/>
           </a:xfrm>
           <a:prstGeom prst="ellipse">
@@ -6432,7 +8562,7 @@
         </p:nvSpPr>
         <p:spPr>
           <a:xfrm>
-            <a:off x="1114871" y="1242936"/>
+            <a:off x="1114871" y="1568309"/>
             <a:ext cx="195663" cy="195663"/>
           </a:xfrm>
           <a:prstGeom prst="ellipse">
@@ -6488,7 +8618,7 @@
         </p:nvCxnSpPr>
         <p:spPr>
           <a:xfrm flipH="1" flipV="1">
-            <a:off x="1401434" y="1359243"/>
+            <a:off x="1401434" y="1684616"/>
             <a:ext cx="290246" cy="1"/>
           </a:xfrm>
           <a:prstGeom prst="line">
@@ -6528,7 +8658,7 @@
         </p:nvSpPr>
         <p:spPr>
           <a:xfrm>
-            <a:off x="6660232" y="4039731"/>
+            <a:off x="6660232" y="4365104"/>
             <a:ext cx="576064" cy="576064"/>
           </a:xfrm>
           <a:prstGeom prst="ellipse">
@@ -6576,7 +8706,7 @@
         </p:nvSpPr>
         <p:spPr>
           <a:xfrm>
-            <a:off x="6109246" y="4086058"/>
+            <a:off x="6109246" y="4411431"/>
             <a:ext cx="195663" cy="195663"/>
           </a:xfrm>
           <a:prstGeom prst="ellipse">
@@ -6632,7 +8762,7 @@
         </p:nvSpPr>
         <p:spPr>
           <a:xfrm rot="18354180">
-            <a:off x="6335902" y="3986845"/>
+            <a:off x="6335902" y="4312218"/>
             <a:ext cx="406611" cy="360040"/>
           </a:xfrm>
           <a:prstGeom prst="arc">
@@ -6682,7 +8812,7 @@
         </p:nvSpPr>
         <p:spPr>
           <a:xfrm>
-            <a:off x="2098858" y="1311525"/>
+            <a:off x="2098858" y="1636898"/>
             <a:ext cx="664703" cy="1613419"/>
           </a:xfrm>
           <a:prstGeom prst="arc">
@@ -6733,7 +8863,7 @@
         </p:nvSpPr>
         <p:spPr>
           <a:xfrm rot="19635860">
-            <a:off x="5841646" y="3378223"/>
+            <a:off x="5841646" y="3703596"/>
             <a:ext cx="288032" cy="1104915"/>
           </a:xfrm>
           <a:prstGeom prst="arc">
@@ -6786,12 +8916,534 @@
   <p:clrMapOvr>
     <a:masterClrMapping/>
   </p:clrMapOvr>
+  <mc:AlternateContent xmlns:mc="http://schemas.openxmlformats.org/markup-compatibility/2006">
+    <mc:Choice xmlns:p14="http://schemas.microsoft.com/office/powerpoint/2010/main" Requires="p14">
+      <p:transition p14:dur="250">
+        <p:fade/>
+      </p:transition>
+    </mc:Choice>
+    <mc:Fallback>
+      <p:transition>
+        <p:fade/>
+      </p:transition>
+    </mc:Fallback>
+  </mc:AlternateContent>
   <p:timing>
     <p:tnLst>
       <p:par>
-        <p:cTn id="1" dur="indefinite" restart="never" nodeType="tmRoot"/>
+        <p:cTn id="1" dur="indefinite" restart="never" nodeType="tmRoot">
+          <p:childTnLst>
+            <p:seq concurrent="1" nextAc="seek">
+              <p:cTn id="2" dur="indefinite" nodeType="mainSeq">
+                <p:childTnLst>
+                  <p:par>
+                    <p:cTn id="3" fill="hold">
+                      <p:stCondLst>
+                        <p:cond delay="indefinite"/>
+                      </p:stCondLst>
+                      <p:childTnLst>
+                        <p:par>
+                          <p:cTn id="4" fill="hold">
+                            <p:stCondLst>
+                              <p:cond delay="0"/>
+                            </p:stCondLst>
+                            <p:childTnLst>
+                              <p:par>
+                                <p:cTn id="5" presetID="10" presetClass="entr" presetSubtype="0" fill="hold" grpId="0" nodeType="clickEffect">
+                                  <p:stCondLst>
+                                    <p:cond delay="0"/>
+                                  </p:stCondLst>
+                                  <p:childTnLst>
+                                    <p:set>
+                                      <p:cBhvr>
+                                        <p:cTn id="6" dur="1" fill="hold">
+                                          <p:stCondLst>
+                                            <p:cond delay="0"/>
+                                          </p:stCondLst>
+                                        </p:cTn>
+                                        <p:tgtEl>
+                                          <p:spTgt spid="4"/>
+                                        </p:tgtEl>
+                                        <p:attrNameLst>
+                                          <p:attrName>style.visibility</p:attrName>
+                                        </p:attrNameLst>
+                                      </p:cBhvr>
+                                      <p:to>
+                                        <p:strVal val="visible"/>
+                                      </p:to>
+                                    </p:set>
+                                    <p:animEffect transition="in" filter="fade">
+                                      <p:cBhvr>
+                                        <p:cTn id="7" dur="500"/>
+                                        <p:tgtEl>
+                                          <p:spTgt spid="4"/>
+                                        </p:tgtEl>
+                                      </p:cBhvr>
+                                    </p:animEffect>
+                                  </p:childTnLst>
+                                </p:cTn>
+                              </p:par>
+                              <p:par>
+                                <p:cTn id="8" presetID="10" presetClass="entr" presetSubtype="0" fill="hold" grpId="0" nodeType="withEffect">
+                                  <p:stCondLst>
+                                    <p:cond delay="0"/>
+                                  </p:stCondLst>
+                                  <p:childTnLst>
+                                    <p:set>
+                                      <p:cBhvr>
+                                        <p:cTn id="9" dur="1" fill="hold">
+                                          <p:stCondLst>
+                                            <p:cond delay="0"/>
+                                          </p:stCondLst>
+                                        </p:cTn>
+                                        <p:tgtEl>
+                                          <p:spTgt spid="5"/>
+                                        </p:tgtEl>
+                                        <p:attrNameLst>
+                                          <p:attrName>style.visibility</p:attrName>
+                                        </p:attrNameLst>
+                                      </p:cBhvr>
+                                      <p:to>
+                                        <p:strVal val="visible"/>
+                                      </p:to>
+                                    </p:set>
+                                    <p:animEffect transition="in" filter="fade">
+                                      <p:cBhvr>
+                                        <p:cTn id="10" dur="500"/>
+                                        <p:tgtEl>
+                                          <p:spTgt spid="5"/>
+                                        </p:tgtEl>
+                                      </p:cBhvr>
+                                    </p:animEffect>
+                                  </p:childTnLst>
+                                </p:cTn>
+                              </p:par>
+                              <p:par>
+                                <p:cTn id="11" presetID="10" presetClass="entr" presetSubtype="0" fill="hold" grpId="0" nodeType="withEffect">
+                                  <p:stCondLst>
+                                    <p:cond delay="0"/>
+                                  </p:stCondLst>
+                                  <p:childTnLst>
+                                    <p:set>
+                                      <p:cBhvr>
+                                        <p:cTn id="12" dur="1" fill="hold">
+                                          <p:stCondLst>
+                                            <p:cond delay="0"/>
+                                          </p:stCondLst>
+                                        </p:cTn>
+                                        <p:tgtEl>
+                                          <p:spTgt spid="6"/>
+                                        </p:tgtEl>
+                                        <p:attrNameLst>
+                                          <p:attrName>style.visibility</p:attrName>
+                                        </p:attrNameLst>
+                                      </p:cBhvr>
+                                      <p:to>
+                                        <p:strVal val="visible"/>
+                                      </p:to>
+                                    </p:set>
+                                    <p:animEffect transition="in" filter="fade">
+                                      <p:cBhvr>
+                                        <p:cTn id="13" dur="500"/>
+                                        <p:tgtEl>
+                                          <p:spTgt spid="6"/>
+                                        </p:tgtEl>
+                                      </p:cBhvr>
+                                    </p:animEffect>
+                                  </p:childTnLst>
+                                </p:cTn>
+                              </p:par>
+                              <p:par>
+                                <p:cTn id="14" presetID="10" presetClass="entr" presetSubtype="0" fill="hold" grpId="0" nodeType="withEffect">
+                                  <p:stCondLst>
+                                    <p:cond delay="0"/>
+                                  </p:stCondLst>
+                                  <p:childTnLst>
+                                    <p:set>
+                                      <p:cBhvr>
+                                        <p:cTn id="15" dur="1" fill="hold">
+                                          <p:stCondLst>
+                                            <p:cond delay="0"/>
+                                          </p:stCondLst>
+                                        </p:cTn>
+                                        <p:tgtEl>
+                                          <p:spTgt spid="7"/>
+                                        </p:tgtEl>
+                                        <p:attrNameLst>
+                                          <p:attrName>style.visibility</p:attrName>
+                                        </p:attrNameLst>
+                                      </p:cBhvr>
+                                      <p:to>
+                                        <p:strVal val="visible"/>
+                                      </p:to>
+                                    </p:set>
+                                    <p:animEffect transition="in" filter="fade">
+                                      <p:cBhvr>
+                                        <p:cTn id="16" dur="500"/>
+                                        <p:tgtEl>
+                                          <p:spTgt spid="7"/>
+                                        </p:tgtEl>
+                                      </p:cBhvr>
+                                    </p:animEffect>
+                                  </p:childTnLst>
+                                </p:cTn>
+                              </p:par>
+                              <p:par>
+                                <p:cTn id="17" presetID="10" presetClass="entr" presetSubtype="0" fill="hold" grpId="0" nodeType="withEffect">
+                                  <p:stCondLst>
+                                    <p:cond delay="0"/>
+                                  </p:stCondLst>
+                                  <p:childTnLst>
+                                    <p:set>
+                                      <p:cBhvr>
+                                        <p:cTn id="18" dur="1" fill="hold">
+                                          <p:stCondLst>
+                                            <p:cond delay="0"/>
+                                          </p:stCondLst>
+                                        </p:cTn>
+                                        <p:tgtEl>
+                                          <p:spTgt spid="9"/>
+                                        </p:tgtEl>
+                                        <p:attrNameLst>
+                                          <p:attrName>style.visibility</p:attrName>
+                                        </p:attrNameLst>
+                                      </p:cBhvr>
+                                      <p:to>
+                                        <p:strVal val="visible"/>
+                                      </p:to>
+                                    </p:set>
+                                    <p:animEffect transition="in" filter="fade">
+                                      <p:cBhvr>
+                                        <p:cTn id="19" dur="500"/>
+                                        <p:tgtEl>
+                                          <p:spTgt spid="9"/>
+                                        </p:tgtEl>
+                                      </p:cBhvr>
+                                    </p:animEffect>
+                                  </p:childTnLst>
+                                </p:cTn>
+                              </p:par>
+                              <p:par>
+                                <p:cTn id="20" presetID="10" presetClass="entr" presetSubtype="0" fill="hold" grpId="0" nodeType="withEffect">
+                                  <p:stCondLst>
+                                    <p:cond delay="0"/>
+                                  </p:stCondLst>
+                                  <p:childTnLst>
+                                    <p:set>
+                                      <p:cBhvr>
+                                        <p:cTn id="21" dur="1" fill="hold">
+                                          <p:stCondLst>
+                                            <p:cond delay="0"/>
+                                          </p:stCondLst>
+                                        </p:cTn>
+                                        <p:tgtEl>
+                                          <p:spTgt spid="10"/>
+                                        </p:tgtEl>
+                                        <p:attrNameLst>
+                                          <p:attrName>style.visibility</p:attrName>
+                                        </p:attrNameLst>
+                                      </p:cBhvr>
+                                      <p:to>
+                                        <p:strVal val="visible"/>
+                                      </p:to>
+                                    </p:set>
+                                    <p:animEffect transition="in" filter="fade">
+                                      <p:cBhvr>
+                                        <p:cTn id="22" dur="500"/>
+                                        <p:tgtEl>
+                                          <p:spTgt spid="10"/>
+                                        </p:tgtEl>
+                                      </p:cBhvr>
+                                    </p:animEffect>
+                                  </p:childTnLst>
+                                </p:cTn>
+                              </p:par>
+                              <p:par>
+                                <p:cTn id="23" presetID="10" presetClass="entr" presetSubtype="0" fill="hold" grpId="0" nodeType="withEffect">
+                                  <p:stCondLst>
+                                    <p:cond delay="0"/>
+                                  </p:stCondLst>
+                                  <p:childTnLst>
+                                    <p:set>
+                                      <p:cBhvr>
+                                        <p:cTn id="24" dur="1" fill="hold">
+                                          <p:stCondLst>
+                                            <p:cond delay="0"/>
+                                          </p:stCondLst>
+                                        </p:cTn>
+                                        <p:tgtEl>
+                                          <p:spTgt spid="11"/>
+                                        </p:tgtEl>
+                                        <p:attrNameLst>
+                                          <p:attrName>style.visibility</p:attrName>
+                                        </p:attrNameLst>
+                                      </p:cBhvr>
+                                      <p:to>
+                                        <p:strVal val="visible"/>
+                                      </p:to>
+                                    </p:set>
+                                    <p:animEffect transition="in" filter="fade">
+                                      <p:cBhvr>
+                                        <p:cTn id="25" dur="500"/>
+                                        <p:tgtEl>
+                                          <p:spTgt spid="11"/>
+                                        </p:tgtEl>
+                                      </p:cBhvr>
+                                    </p:animEffect>
+                                  </p:childTnLst>
+                                </p:cTn>
+                              </p:par>
+                              <p:par>
+                                <p:cTn id="26" presetID="10" presetClass="entr" presetSubtype="0" fill="hold" nodeType="withEffect">
+                                  <p:stCondLst>
+                                    <p:cond delay="0"/>
+                                  </p:stCondLst>
+                                  <p:childTnLst>
+                                    <p:set>
+                                      <p:cBhvr>
+                                        <p:cTn id="27" dur="1" fill="hold">
+                                          <p:stCondLst>
+                                            <p:cond delay="0"/>
+                                          </p:stCondLst>
+                                        </p:cTn>
+                                        <p:tgtEl>
+                                          <p:spTgt spid="12"/>
+                                        </p:tgtEl>
+                                        <p:attrNameLst>
+                                          <p:attrName>style.visibility</p:attrName>
+                                        </p:attrNameLst>
+                                      </p:cBhvr>
+                                      <p:to>
+                                        <p:strVal val="visible"/>
+                                      </p:to>
+                                    </p:set>
+                                    <p:animEffect transition="in" filter="fade">
+                                      <p:cBhvr>
+                                        <p:cTn id="28" dur="500"/>
+                                        <p:tgtEl>
+                                          <p:spTgt spid="12"/>
+                                        </p:tgtEl>
+                                      </p:cBhvr>
+                                    </p:animEffect>
+                                  </p:childTnLst>
+                                </p:cTn>
+                              </p:par>
+                              <p:par>
+                                <p:cTn id="29" presetID="10" presetClass="entr" presetSubtype="0" fill="hold" grpId="0" nodeType="withEffect">
+                                  <p:stCondLst>
+                                    <p:cond delay="0"/>
+                                  </p:stCondLst>
+                                  <p:childTnLst>
+                                    <p:set>
+                                      <p:cBhvr>
+                                        <p:cTn id="30" dur="1" fill="hold">
+                                          <p:stCondLst>
+                                            <p:cond delay="0"/>
+                                          </p:stCondLst>
+                                        </p:cTn>
+                                        <p:tgtEl>
+                                          <p:spTgt spid="17"/>
+                                        </p:tgtEl>
+                                        <p:attrNameLst>
+                                          <p:attrName>style.visibility</p:attrName>
+                                        </p:attrNameLst>
+                                      </p:cBhvr>
+                                      <p:to>
+                                        <p:strVal val="visible"/>
+                                      </p:to>
+                                    </p:set>
+                                    <p:animEffect transition="in" filter="fade">
+                                      <p:cBhvr>
+                                        <p:cTn id="31" dur="500"/>
+                                        <p:tgtEl>
+                                          <p:spTgt spid="17"/>
+                                        </p:tgtEl>
+                                      </p:cBhvr>
+                                    </p:animEffect>
+                                  </p:childTnLst>
+                                </p:cTn>
+                              </p:par>
+                              <p:par>
+                                <p:cTn id="32" presetID="10" presetClass="entr" presetSubtype="0" fill="hold" grpId="0" nodeType="withEffect">
+                                  <p:stCondLst>
+                                    <p:cond delay="0"/>
+                                  </p:stCondLst>
+                                  <p:childTnLst>
+                                    <p:set>
+                                      <p:cBhvr>
+                                        <p:cTn id="33" dur="1" fill="hold">
+                                          <p:stCondLst>
+                                            <p:cond delay="0"/>
+                                          </p:stCondLst>
+                                        </p:cTn>
+                                        <p:tgtEl>
+                                          <p:spTgt spid="19"/>
+                                        </p:tgtEl>
+                                        <p:attrNameLst>
+                                          <p:attrName>style.visibility</p:attrName>
+                                        </p:attrNameLst>
+                                      </p:cBhvr>
+                                      <p:to>
+                                        <p:strVal val="visible"/>
+                                      </p:to>
+                                    </p:set>
+                                    <p:animEffect transition="in" filter="fade">
+                                      <p:cBhvr>
+                                        <p:cTn id="34" dur="500"/>
+                                        <p:tgtEl>
+                                          <p:spTgt spid="19"/>
+                                        </p:tgtEl>
+                                      </p:cBhvr>
+                                    </p:animEffect>
+                                  </p:childTnLst>
+                                </p:cTn>
+                              </p:par>
+                              <p:par>
+                                <p:cTn id="35" presetID="10" presetClass="entr" presetSubtype="0" fill="hold" grpId="0" nodeType="withEffect">
+                                  <p:stCondLst>
+                                    <p:cond delay="0"/>
+                                  </p:stCondLst>
+                                  <p:childTnLst>
+                                    <p:set>
+                                      <p:cBhvr>
+                                        <p:cTn id="36" dur="1" fill="hold">
+                                          <p:stCondLst>
+                                            <p:cond delay="0"/>
+                                          </p:stCondLst>
+                                        </p:cTn>
+                                        <p:tgtEl>
+                                          <p:spTgt spid="21"/>
+                                        </p:tgtEl>
+                                        <p:attrNameLst>
+                                          <p:attrName>style.visibility</p:attrName>
+                                        </p:attrNameLst>
+                                      </p:cBhvr>
+                                      <p:to>
+                                        <p:strVal val="visible"/>
+                                      </p:to>
+                                    </p:set>
+                                    <p:animEffect transition="in" filter="fade">
+                                      <p:cBhvr>
+                                        <p:cTn id="37" dur="500"/>
+                                        <p:tgtEl>
+                                          <p:spTgt spid="21"/>
+                                        </p:tgtEl>
+                                      </p:cBhvr>
+                                    </p:animEffect>
+                                  </p:childTnLst>
+                                </p:cTn>
+                              </p:par>
+                              <p:par>
+                                <p:cTn id="38" presetID="10" presetClass="entr" presetSubtype="0" fill="hold" grpId="0" nodeType="withEffect">
+                                  <p:stCondLst>
+                                    <p:cond delay="0"/>
+                                  </p:stCondLst>
+                                  <p:childTnLst>
+                                    <p:set>
+                                      <p:cBhvr>
+                                        <p:cTn id="39" dur="1" fill="hold">
+                                          <p:stCondLst>
+                                            <p:cond delay="0"/>
+                                          </p:stCondLst>
+                                        </p:cTn>
+                                        <p:tgtEl>
+                                          <p:spTgt spid="22"/>
+                                        </p:tgtEl>
+                                        <p:attrNameLst>
+                                          <p:attrName>style.visibility</p:attrName>
+                                        </p:attrNameLst>
+                                      </p:cBhvr>
+                                      <p:to>
+                                        <p:strVal val="visible"/>
+                                      </p:to>
+                                    </p:set>
+                                    <p:animEffect transition="in" filter="fade">
+                                      <p:cBhvr>
+                                        <p:cTn id="40" dur="500"/>
+                                        <p:tgtEl>
+                                          <p:spTgt spid="22"/>
+                                        </p:tgtEl>
+                                      </p:cBhvr>
+                                    </p:animEffect>
+                                  </p:childTnLst>
+                                </p:cTn>
+                              </p:par>
+                              <p:par>
+                                <p:cTn id="41" presetID="10" presetClass="entr" presetSubtype="0" fill="hold" grpId="0" nodeType="withEffect">
+                                  <p:stCondLst>
+                                    <p:cond delay="0"/>
+                                  </p:stCondLst>
+                                  <p:childTnLst>
+                                    <p:set>
+                                      <p:cBhvr>
+                                        <p:cTn id="42" dur="1" fill="hold">
+                                          <p:stCondLst>
+                                            <p:cond delay="0"/>
+                                          </p:stCondLst>
+                                        </p:cTn>
+                                        <p:tgtEl>
+                                          <p:spTgt spid="23"/>
+                                        </p:tgtEl>
+                                        <p:attrNameLst>
+                                          <p:attrName>style.visibility</p:attrName>
+                                        </p:attrNameLst>
+                                      </p:cBhvr>
+                                      <p:to>
+                                        <p:strVal val="visible"/>
+                                      </p:to>
+                                    </p:set>
+                                    <p:animEffect transition="in" filter="fade">
+                                      <p:cBhvr>
+                                        <p:cTn id="43" dur="500"/>
+                                        <p:tgtEl>
+                                          <p:spTgt spid="23"/>
+                                        </p:tgtEl>
+                                      </p:cBhvr>
+                                    </p:animEffect>
+                                  </p:childTnLst>
+                                </p:cTn>
+                              </p:par>
+                            </p:childTnLst>
+                          </p:cTn>
+                        </p:par>
+                      </p:childTnLst>
+                    </p:cTn>
+                  </p:par>
+                </p:childTnLst>
+              </p:cTn>
+              <p:prevCondLst>
+                <p:cond evt="onPrev" delay="0">
+                  <p:tgtEl>
+                    <p:sldTgt/>
+                  </p:tgtEl>
+                </p:cond>
+              </p:prevCondLst>
+              <p:nextCondLst>
+                <p:cond evt="onNext" delay="0">
+                  <p:tgtEl>
+                    <p:sldTgt/>
+                  </p:tgtEl>
+                </p:cond>
+              </p:nextCondLst>
+            </p:seq>
+          </p:childTnLst>
+        </p:cTn>
       </p:par>
     </p:tnLst>
+    <p:bldLst>
+      <p:bldP spid="4" grpId="0" animBg="1"/>
+      <p:bldP spid="5" grpId="0" animBg="1"/>
+      <p:bldP spid="6" grpId="0"/>
+      <p:bldP spid="7" grpId="0"/>
+      <p:bldP spid="9" grpId="0" animBg="1"/>
+      <p:bldP spid="10" grpId="0" animBg="1"/>
+      <p:bldP spid="11" grpId="0" animBg="1"/>
+      <p:bldP spid="17" grpId="0" animBg="1"/>
+      <p:bldP spid="19" grpId="0" animBg="1"/>
+      <p:bldP spid="21" grpId="0" animBg="1"/>
+      <p:bldP spid="22" grpId="0" animBg="1"/>
+      <p:bldP spid="23" grpId="0" animBg="1"/>
+    </p:bldLst>
   </p:timing>
 </p:sld>
 </file>
@@ -6823,7 +9475,12 @@
             <p:ph type="ctrTitle"/>
           </p:nvPr>
         </p:nvSpPr>
-        <p:spPr/>
+        <p:spPr>
+          <a:xfrm>
+            <a:off x="685800" y="2319015"/>
+            <a:ext cx="7772400" cy="1470025"/>
+          </a:xfrm>
+        </p:spPr>
         <p:txBody>
           <a:bodyPr>
             <a:normAutofit fontScale="90000"/>
@@ -6910,6 +9567,18 @@
   <p:clrMapOvr>
     <a:masterClrMapping/>
   </p:clrMapOvr>
+  <mc:AlternateContent xmlns:mc="http://schemas.openxmlformats.org/markup-compatibility/2006">
+    <mc:Choice xmlns:p14="http://schemas.microsoft.com/office/powerpoint/2010/main" Requires="p14">
+      <p:transition p14:dur="250">
+        <p:fade/>
+      </p:transition>
+    </mc:Choice>
+    <mc:Fallback>
+      <p:transition>
+        <p:fade/>
+      </p:transition>
+    </mc:Fallback>
+  </mc:AlternateContent>
   <p:timing>
     <p:tnLst>
       <p:par>
@@ -6947,7 +9616,12 @@
             <p:ph type="ctrTitle"/>
           </p:nvPr>
         </p:nvSpPr>
-        <p:spPr/>
+        <p:spPr>
+          <a:xfrm>
+            <a:off x="685800" y="2317541"/>
+            <a:ext cx="7772400" cy="1470025"/>
+          </a:xfrm>
+        </p:spPr>
         <p:txBody>
           <a:bodyPr/>
           <a:lstStyle/>
@@ -6968,7 +9642,7 @@
         </p:nvSpPr>
         <p:spPr>
           <a:xfrm>
-            <a:off x="3604790" y="1519124"/>
+            <a:off x="3604790" y="1706240"/>
             <a:ext cx="792088" cy="1477828"/>
           </a:xfrm>
           <a:prstGeom prst="arc">
@@ -7016,7 +9690,7 @@
         </p:nvSpPr>
         <p:spPr>
           <a:xfrm>
-            <a:off x="1403648" y="1340768"/>
+            <a:off x="1403648" y="1527884"/>
             <a:ext cx="2597186" cy="369332"/>
           </a:xfrm>
           <a:prstGeom prst="rect">
@@ -7047,7 +9721,7 @@
         </p:nvSpPr>
         <p:spPr>
           <a:xfrm>
-            <a:off x="5428741" y="1093386"/>
+            <a:off x="5428741" y="1280502"/>
             <a:ext cx="3627916" cy="369332"/>
           </a:xfrm>
           <a:prstGeom prst="rect">
@@ -7078,7 +9752,7 @@
         </p:nvSpPr>
         <p:spPr>
           <a:xfrm rot="273063" flipH="1">
-            <a:off x="4995879" y="1260025"/>
+            <a:off x="4995879" y="1447141"/>
             <a:ext cx="887554" cy="2091219"/>
           </a:xfrm>
           <a:prstGeom prst="arc">
@@ -7129,7 +9803,7 @@
         </p:nvSpPr>
         <p:spPr>
           <a:xfrm>
-            <a:off x="1626678" y="4536569"/>
+            <a:off x="1626678" y="4723685"/>
             <a:ext cx="2448272" cy="646331"/>
           </a:xfrm>
           <a:prstGeom prst="rect">
@@ -7160,7 +9834,7 @@
         </p:nvSpPr>
         <p:spPr>
           <a:xfrm flipV="1">
-            <a:off x="1978248" y="1844824"/>
+            <a:off x="1978248" y="2031940"/>
             <a:ext cx="1702309" cy="3014910"/>
           </a:xfrm>
           <a:prstGeom prst="arc">
@@ -7211,7 +9885,7 @@
         </p:nvSpPr>
         <p:spPr>
           <a:xfrm>
-            <a:off x="2747550" y="5128597"/>
+            <a:off x="2747550" y="5315713"/>
             <a:ext cx="720080" cy="435957"/>
           </a:xfrm>
           <a:prstGeom prst="arc">
@@ -7259,7 +9933,7 @@
         </p:nvSpPr>
         <p:spPr>
           <a:xfrm>
-            <a:off x="3530766" y="5248816"/>
+            <a:off x="3530766" y="5435932"/>
             <a:ext cx="1568058" cy="369332"/>
           </a:xfrm>
           <a:prstGeom prst="rect">
@@ -7293,7 +9967,7 @@
         </p:nvSpPr>
         <p:spPr>
           <a:xfrm>
-            <a:off x="1979712" y="476672"/>
+            <a:off x="1979712" y="663788"/>
             <a:ext cx="327334" cy="369332"/>
           </a:xfrm>
           <a:prstGeom prst="rect">
@@ -7327,7 +10001,7 @@
         </p:nvSpPr>
         <p:spPr>
           <a:xfrm>
-            <a:off x="2386886" y="332656"/>
+            <a:off x="2386886" y="519772"/>
             <a:ext cx="327334" cy="369332"/>
           </a:xfrm>
           <a:prstGeom prst="rect">
@@ -7361,7 +10035,7 @@
         </p:nvSpPr>
         <p:spPr>
           <a:xfrm>
-            <a:off x="2746926" y="620688"/>
+            <a:off x="2746926" y="807804"/>
             <a:ext cx="327334" cy="369332"/>
           </a:xfrm>
           <a:prstGeom prst="rect">
@@ -7395,7 +10069,7 @@
         </p:nvSpPr>
         <p:spPr>
           <a:xfrm>
-            <a:off x="1954838" y="971436"/>
+            <a:off x="1954838" y="1158552"/>
             <a:ext cx="327334" cy="369332"/>
           </a:xfrm>
           <a:prstGeom prst="rect">
@@ -7429,7 +10103,7 @@
         </p:nvSpPr>
         <p:spPr>
           <a:xfrm>
-            <a:off x="2746926" y="1043444"/>
+            <a:off x="2746926" y="1230560"/>
             <a:ext cx="327334" cy="369332"/>
           </a:xfrm>
           <a:prstGeom prst="rect">
@@ -7463,7 +10137,7 @@
         </p:nvGrpSpPr>
         <p:grpSpPr>
           <a:xfrm>
-            <a:off x="456414" y="3596068"/>
+            <a:off x="456414" y="3783184"/>
             <a:ext cx="1512168" cy="1532529"/>
             <a:chOff x="683568" y="5229200"/>
             <a:chExt cx="1512168" cy="1532529"/>
@@ -7956,7 +10630,7 @@
           <p:nvPr/>
         </p:nvPicPr>
         <p:blipFill>
-          <a:blip r:embed="rId2">
+          <a:blip r:embed="rId3">
             <a:extLst>
               <a:ext uri="{28A0092B-C50C-407E-A947-70E740481C1C}">
                 <a14:useLocalDpi xmlns:a14="http://schemas.microsoft.com/office/drawing/2010/main" val="0"/>
@@ -7970,7 +10644,7 @@
         </p:blipFill>
         <p:spPr bwMode="auto">
           <a:xfrm>
-            <a:off x="2195736" y="692696"/>
+            <a:off x="2195736" y="879812"/>
             <a:ext cx="587750" cy="587751"/>
           </a:xfrm>
           <a:prstGeom prst="rect">
@@ -7998,12 +10672,641 @@
   <p:clrMapOvr>
     <a:masterClrMapping/>
   </p:clrMapOvr>
+  <mc:AlternateContent xmlns:mc="http://schemas.openxmlformats.org/markup-compatibility/2006">
+    <mc:Choice xmlns:p14="http://schemas.microsoft.com/office/powerpoint/2010/main" Requires="p14">
+      <p:transition p14:dur="250">
+        <p:fade/>
+      </p:transition>
+    </mc:Choice>
+    <mc:Fallback>
+      <p:transition>
+        <p:fade/>
+      </p:transition>
+    </mc:Fallback>
+  </mc:AlternateContent>
   <p:timing>
     <p:tnLst>
       <p:par>
-        <p:cTn id="1" dur="indefinite" restart="never" nodeType="tmRoot"/>
+        <p:cTn id="1" dur="indefinite" restart="never" nodeType="tmRoot">
+          <p:childTnLst>
+            <p:seq concurrent="1" nextAc="seek">
+              <p:cTn id="2" dur="indefinite" nodeType="mainSeq">
+                <p:childTnLst>
+                  <p:par>
+                    <p:cTn id="3" fill="hold">
+                      <p:stCondLst>
+                        <p:cond delay="indefinite"/>
+                      </p:stCondLst>
+                      <p:childTnLst>
+                        <p:par>
+                          <p:cTn id="4" fill="hold">
+                            <p:stCondLst>
+                              <p:cond delay="0"/>
+                            </p:stCondLst>
+                            <p:childTnLst>
+                              <p:par>
+                                <p:cTn id="5" presetID="10" presetClass="entr" presetSubtype="0" fill="hold" grpId="0" nodeType="clickEffect">
+                                  <p:stCondLst>
+                                    <p:cond delay="0"/>
+                                  </p:stCondLst>
+                                  <p:childTnLst>
+                                    <p:set>
+                                      <p:cBhvr>
+                                        <p:cTn id="6" dur="1" fill="hold">
+                                          <p:stCondLst>
+                                            <p:cond delay="0"/>
+                                          </p:stCondLst>
+                                        </p:cTn>
+                                        <p:tgtEl>
+                                          <p:spTgt spid="3"/>
+                                        </p:tgtEl>
+                                        <p:attrNameLst>
+                                          <p:attrName>style.visibility</p:attrName>
+                                        </p:attrNameLst>
+                                      </p:cBhvr>
+                                      <p:to>
+                                        <p:strVal val="visible"/>
+                                      </p:to>
+                                    </p:set>
+                                    <p:animEffect transition="in" filter="fade">
+                                      <p:cBhvr>
+                                        <p:cTn id="7" dur="500"/>
+                                        <p:tgtEl>
+                                          <p:spTgt spid="3"/>
+                                        </p:tgtEl>
+                                      </p:cBhvr>
+                                    </p:animEffect>
+                                  </p:childTnLst>
+                                </p:cTn>
+                              </p:par>
+                              <p:par>
+                                <p:cTn id="8" presetID="10" presetClass="entr" presetSubtype="0" fill="hold" grpId="0" nodeType="withEffect">
+                                  <p:stCondLst>
+                                    <p:cond delay="0"/>
+                                  </p:stCondLst>
+                                  <p:childTnLst>
+                                    <p:set>
+                                      <p:cBhvr>
+                                        <p:cTn id="9" dur="1" fill="hold">
+                                          <p:stCondLst>
+                                            <p:cond delay="0"/>
+                                          </p:stCondLst>
+                                        </p:cTn>
+                                        <p:tgtEl>
+                                          <p:spTgt spid="4"/>
+                                        </p:tgtEl>
+                                        <p:attrNameLst>
+                                          <p:attrName>style.visibility</p:attrName>
+                                        </p:attrNameLst>
+                                      </p:cBhvr>
+                                      <p:to>
+                                        <p:strVal val="visible"/>
+                                      </p:to>
+                                    </p:set>
+                                    <p:animEffect transition="in" filter="fade">
+                                      <p:cBhvr>
+                                        <p:cTn id="10" dur="500"/>
+                                        <p:tgtEl>
+                                          <p:spTgt spid="4"/>
+                                        </p:tgtEl>
+                                      </p:cBhvr>
+                                    </p:animEffect>
+                                  </p:childTnLst>
+                                </p:cTn>
+                              </p:par>
+                              <p:par>
+                                <p:cTn id="11" presetID="10" presetClass="entr" presetSubtype="0" fill="hold" grpId="0" nodeType="withEffect">
+                                  <p:stCondLst>
+                                    <p:cond delay="0"/>
+                                  </p:stCondLst>
+                                  <p:childTnLst>
+                                    <p:set>
+                                      <p:cBhvr>
+                                        <p:cTn id="12" dur="1" fill="hold">
+                                          <p:stCondLst>
+                                            <p:cond delay="0"/>
+                                          </p:stCondLst>
+                                        </p:cTn>
+                                        <p:tgtEl>
+                                          <p:spTgt spid="6"/>
+                                        </p:tgtEl>
+                                        <p:attrNameLst>
+                                          <p:attrName>style.visibility</p:attrName>
+                                        </p:attrNameLst>
+                                      </p:cBhvr>
+                                      <p:to>
+                                        <p:strVal val="visible"/>
+                                      </p:to>
+                                    </p:set>
+                                    <p:animEffect transition="in" filter="fade">
+                                      <p:cBhvr>
+                                        <p:cTn id="13" dur="500"/>
+                                        <p:tgtEl>
+                                          <p:spTgt spid="6"/>
+                                        </p:tgtEl>
+                                      </p:cBhvr>
+                                    </p:animEffect>
+                                  </p:childTnLst>
+                                </p:cTn>
+                              </p:par>
+                              <p:par>
+                                <p:cTn id="14" presetID="10" presetClass="entr" presetSubtype="0" fill="hold" grpId="0" nodeType="withEffect">
+                                  <p:stCondLst>
+                                    <p:cond delay="0"/>
+                                  </p:stCondLst>
+                                  <p:childTnLst>
+                                    <p:set>
+                                      <p:cBhvr>
+                                        <p:cTn id="15" dur="1" fill="hold">
+                                          <p:stCondLst>
+                                            <p:cond delay="0"/>
+                                          </p:stCondLst>
+                                        </p:cTn>
+                                        <p:tgtEl>
+                                          <p:spTgt spid="15"/>
+                                        </p:tgtEl>
+                                        <p:attrNameLst>
+                                          <p:attrName>style.visibility</p:attrName>
+                                        </p:attrNameLst>
+                                      </p:cBhvr>
+                                      <p:to>
+                                        <p:strVal val="visible"/>
+                                      </p:to>
+                                    </p:set>
+                                    <p:animEffect transition="in" filter="fade">
+                                      <p:cBhvr>
+                                        <p:cTn id="16" dur="500"/>
+                                        <p:tgtEl>
+                                          <p:spTgt spid="15"/>
+                                        </p:tgtEl>
+                                      </p:cBhvr>
+                                    </p:animEffect>
+                                  </p:childTnLst>
+                                </p:cTn>
+                              </p:par>
+                              <p:par>
+                                <p:cTn id="17" presetID="10" presetClass="entr" presetSubtype="0" fill="hold" grpId="0" nodeType="withEffect">
+                                  <p:stCondLst>
+                                    <p:cond delay="0"/>
+                                  </p:stCondLst>
+                                  <p:childTnLst>
+                                    <p:set>
+                                      <p:cBhvr>
+                                        <p:cTn id="18" dur="1" fill="hold">
+                                          <p:stCondLst>
+                                            <p:cond delay="0"/>
+                                          </p:stCondLst>
+                                        </p:cTn>
+                                        <p:tgtEl>
+                                          <p:spTgt spid="16"/>
+                                        </p:tgtEl>
+                                        <p:attrNameLst>
+                                          <p:attrName>style.visibility</p:attrName>
+                                        </p:attrNameLst>
+                                      </p:cBhvr>
+                                      <p:to>
+                                        <p:strVal val="visible"/>
+                                      </p:to>
+                                    </p:set>
+                                    <p:animEffect transition="in" filter="fade">
+                                      <p:cBhvr>
+                                        <p:cTn id="19" dur="500"/>
+                                        <p:tgtEl>
+                                          <p:spTgt spid="16"/>
+                                        </p:tgtEl>
+                                      </p:cBhvr>
+                                    </p:animEffect>
+                                  </p:childTnLst>
+                                </p:cTn>
+                              </p:par>
+                              <p:par>
+                                <p:cTn id="20" presetID="10" presetClass="entr" presetSubtype="0" fill="hold" grpId="0" nodeType="withEffect">
+                                  <p:stCondLst>
+                                    <p:cond delay="0"/>
+                                  </p:stCondLst>
+                                  <p:childTnLst>
+                                    <p:set>
+                                      <p:cBhvr>
+                                        <p:cTn id="21" dur="1" fill="hold">
+                                          <p:stCondLst>
+                                            <p:cond delay="0"/>
+                                          </p:stCondLst>
+                                        </p:cTn>
+                                        <p:tgtEl>
+                                          <p:spTgt spid="17"/>
+                                        </p:tgtEl>
+                                        <p:attrNameLst>
+                                          <p:attrName>style.visibility</p:attrName>
+                                        </p:attrNameLst>
+                                      </p:cBhvr>
+                                      <p:to>
+                                        <p:strVal val="visible"/>
+                                      </p:to>
+                                    </p:set>
+                                    <p:animEffect transition="in" filter="fade">
+                                      <p:cBhvr>
+                                        <p:cTn id="22" dur="500"/>
+                                        <p:tgtEl>
+                                          <p:spTgt spid="17"/>
+                                        </p:tgtEl>
+                                      </p:cBhvr>
+                                    </p:animEffect>
+                                  </p:childTnLst>
+                                </p:cTn>
+                              </p:par>
+                              <p:par>
+                                <p:cTn id="23" presetID="10" presetClass="entr" presetSubtype="0" fill="hold" grpId="0" nodeType="withEffect">
+                                  <p:stCondLst>
+                                    <p:cond delay="0"/>
+                                  </p:stCondLst>
+                                  <p:childTnLst>
+                                    <p:set>
+                                      <p:cBhvr>
+                                        <p:cTn id="24" dur="1" fill="hold">
+                                          <p:stCondLst>
+                                            <p:cond delay="0"/>
+                                          </p:stCondLst>
+                                        </p:cTn>
+                                        <p:tgtEl>
+                                          <p:spTgt spid="18"/>
+                                        </p:tgtEl>
+                                        <p:attrNameLst>
+                                          <p:attrName>style.visibility</p:attrName>
+                                        </p:attrNameLst>
+                                      </p:cBhvr>
+                                      <p:to>
+                                        <p:strVal val="visible"/>
+                                      </p:to>
+                                    </p:set>
+                                    <p:animEffect transition="in" filter="fade">
+                                      <p:cBhvr>
+                                        <p:cTn id="25" dur="500"/>
+                                        <p:tgtEl>
+                                          <p:spTgt spid="18"/>
+                                        </p:tgtEl>
+                                      </p:cBhvr>
+                                    </p:animEffect>
+                                  </p:childTnLst>
+                                </p:cTn>
+                              </p:par>
+                              <p:par>
+                                <p:cTn id="26" presetID="10" presetClass="entr" presetSubtype="0" fill="hold" nodeType="withEffect">
+                                  <p:stCondLst>
+                                    <p:cond delay="0"/>
+                                  </p:stCondLst>
+                                  <p:childTnLst>
+                                    <p:set>
+                                      <p:cBhvr>
+                                        <p:cTn id="27" dur="1" fill="hold">
+                                          <p:stCondLst>
+                                            <p:cond delay="0"/>
+                                          </p:stCondLst>
+                                        </p:cTn>
+                                        <p:tgtEl>
+                                          <p:spTgt spid="3076"/>
+                                        </p:tgtEl>
+                                        <p:attrNameLst>
+                                          <p:attrName>style.visibility</p:attrName>
+                                        </p:attrNameLst>
+                                      </p:cBhvr>
+                                      <p:to>
+                                        <p:strVal val="visible"/>
+                                      </p:to>
+                                    </p:set>
+                                    <p:animEffect transition="in" filter="fade">
+                                      <p:cBhvr>
+                                        <p:cTn id="28" dur="500"/>
+                                        <p:tgtEl>
+                                          <p:spTgt spid="3076"/>
+                                        </p:tgtEl>
+                                      </p:cBhvr>
+                                    </p:animEffect>
+                                  </p:childTnLst>
+                                </p:cTn>
+                              </p:par>
+                            </p:childTnLst>
+                          </p:cTn>
+                        </p:par>
+                      </p:childTnLst>
+                    </p:cTn>
+                  </p:par>
+                  <p:par>
+                    <p:cTn id="29" fill="hold">
+                      <p:stCondLst>
+                        <p:cond delay="indefinite"/>
+                      </p:stCondLst>
+                      <p:childTnLst>
+                        <p:par>
+                          <p:cTn id="30" fill="hold">
+                            <p:stCondLst>
+                              <p:cond delay="0"/>
+                            </p:stCondLst>
+                            <p:childTnLst>
+                              <p:par>
+                                <p:cTn id="31" presetID="10" presetClass="entr" presetSubtype="0" fill="hold" grpId="0" nodeType="clickEffect">
+                                  <p:stCondLst>
+                                    <p:cond delay="0"/>
+                                  </p:stCondLst>
+                                  <p:childTnLst>
+                                    <p:set>
+                                      <p:cBhvr>
+                                        <p:cTn id="32" dur="1" fill="hold">
+                                          <p:stCondLst>
+                                            <p:cond delay="0"/>
+                                          </p:stCondLst>
+                                        </p:cTn>
+                                        <p:tgtEl>
+                                          <p:spTgt spid="5"/>
+                                        </p:tgtEl>
+                                        <p:attrNameLst>
+                                          <p:attrName>style.visibility</p:attrName>
+                                        </p:attrNameLst>
+                                      </p:cBhvr>
+                                      <p:to>
+                                        <p:strVal val="visible"/>
+                                      </p:to>
+                                    </p:set>
+                                    <p:animEffect transition="in" filter="fade">
+                                      <p:cBhvr>
+                                        <p:cTn id="33" dur="500"/>
+                                        <p:tgtEl>
+                                          <p:spTgt spid="5"/>
+                                        </p:tgtEl>
+                                      </p:cBhvr>
+                                    </p:animEffect>
+                                  </p:childTnLst>
+                                </p:cTn>
+                              </p:par>
+                              <p:par>
+                                <p:cTn id="34" presetID="10" presetClass="entr" presetSubtype="0" fill="hold" grpId="0" nodeType="withEffect">
+                                  <p:stCondLst>
+                                    <p:cond delay="0"/>
+                                  </p:stCondLst>
+                                  <p:childTnLst>
+                                    <p:set>
+                                      <p:cBhvr>
+                                        <p:cTn id="35" dur="1" fill="hold">
+                                          <p:stCondLst>
+                                            <p:cond delay="0"/>
+                                          </p:stCondLst>
+                                        </p:cTn>
+                                        <p:tgtEl>
+                                          <p:spTgt spid="9"/>
+                                        </p:tgtEl>
+                                        <p:attrNameLst>
+                                          <p:attrName>style.visibility</p:attrName>
+                                        </p:attrNameLst>
+                                      </p:cBhvr>
+                                      <p:to>
+                                        <p:strVal val="visible"/>
+                                      </p:to>
+                                    </p:set>
+                                    <p:animEffect transition="in" filter="fade">
+                                      <p:cBhvr>
+                                        <p:cTn id="36" dur="500"/>
+                                        <p:tgtEl>
+                                          <p:spTgt spid="9"/>
+                                        </p:tgtEl>
+                                      </p:cBhvr>
+                                    </p:animEffect>
+                                  </p:childTnLst>
+                                </p:cTn>
+                              </p:par>
+                            </p:childTnLst>
+                          </p:cTn>
+                        </p:par>
+                      </p:childTnLst>
+                    </p:cTn>
+                  </p:par>
+                  <p:par>
+                    <p:cTn id="37" fill="hold">
+                      <p:stCondLst>
+                        <p:cond delay="indefinite"/>
+                      </p:stCondLst>
+                      <p:childTnLst>
+                        <p:par>
+                          <p:cTn id="38" fill="hold">
+                            <p:stCondLst>
+                              <p:cond delay="0"/>
+                            </p:stCondLst>
+                            <p:childTnLst>
+                              <p:par>
+                                <p:cTn id="39" presetID="10" presetClass="entr" presetSubtype="0" fill="hold" grpId="0" nodeType="clickEffect">
+                                  <p:stCondLst>
+                                    <p:cond delay="0"/>
+                                  </p:stCondLst>
+                                  <p:childTnLst>
+                                    <p:set>
+                                      <p:cBhvr>
+                                        <p:cTn id="40" dur="1" fill="hold">
+                                          <p:stCondLst>
+                                            <p:cond delay="0"/>
+                                          </p:stCondLst>
+                                        </p:cTn>
+                                        <p:tgtEl>
+                                          <p:spTgt spid="12"/>
+                                        </p:tgtEl>
+                                        <p:attrNameLst>
+                                          <p:attrName>style.visibility</p:attrName>
+                                        </p:attrNameLst>
+                                      </p:cBhvr>
+                                      <p:to>
+                                        <p:strVal val="visible"/>
+                                      </p:to>
+                                    </p:set>
+                                    <p:animEffect transition="in" filter="fade">
+                                      <p:cBhvr>
+                                        <p:cTn id="41" dur="500"/>
+                                        <p:tgtEl>
+                                          <p:spTgt spid="12"/>
+                                        </p:tgtEl>
+                                      </p:cBhvr>
+                                    </p:animEffect>
+                                  </p:childTnLst>
+                                </p:cTn>
+                              </p:par>
+                              <p:par>
+                                <p:cTn id="42" presetID="10" presetClass="entr" presetSubtype="0" fill="hold" grpId="0" nodeType="withEffect">
+                                  <p:stCondLst>
+                                    <p:cond delay="0"/>
+                                  </p:stCondLst>
+                                  <p:childTnLst>
+                                    <p:set>
+                                      <p:cBhvr>
+                                        <p:cTn id="43" dur="1" fill="hold">
+                                          <p:stCondLst>
+                                            <p:cond delay="0"/>
+                                          </p:stCondLst>
+                                        </p:cTn>
+                                        <p:tgtEl>
+                                          <p:spTgt spid="11"/>
+                                        </p:tgtEl>
+                                        <p:attrNameLst>
+                                          <p:attrName>style.visibility</p:attrName>
+                                        </p:attrNameLst>
+                                      </p:cBhvr>
+                                      <p:to>
+                                        <p:strVal val="visible"/>
+                                      </p:to>
+                                    </p:set>
+                                    <p:animEffect transition="in" filter="fade">
+                                      <p:cBhvr>
+                                        <p:cTn id="44" dur="500"/>
+                                        <p:tgtEl>
+                                          <p:spTgt spid="11"/>
+                                        </p:tgtEl>
+                                      </p:cBhvr>
+                                    </p:animEffect>
+                                  </p:childTnLst>
+                                </p:cTn>
+                              </p:par>
+                              <p:par>
+                                <p:cTn id="45" presetID="10" presetClass="entr" presetSubtype="0" fill="hold" grpId="0" nodeType="withEffect">
+                                  <p:stCondLst>
+                                    <p:cond delay="0"/>
+                                  </p:stCondLst>
+                                  <p:childTnLst>
+                                    <p:set>
+                                      <p:cBhvr>
+                                        <p:cTn id="46" dur="1" fill="hold">
+                                          <p:stCondLst>
+                                            <p:cond delay="0"/>
+                                          </p:stCondLst>
+                                        </p:cTn>
+                                        <p:tgtEl>
+                                          <p:spTgt spid="13"/>
+                                        </p:tgtEl>
+                                        <p:attrNameLst>
+                                          <p:attrName>style.visibility</p:attrName>
+                                        </p:attrNameLst>
+                                      </p:cBhvr>
+                                      <p:to>
+                                        <p:strVal val="visible"/>
+                                      </p:to>
+                                    </p:set>
+                                    <p:animEffect transition="in" filter="fade">
+                                      <p:cBhvr>
+                                        <p:cTn id="47" dur="500"/>
+                                        <p:tgtEl>
+                                          <p:spTgt spid="13"/>
+                                        </p:tgtEl>
+                                      </p:cBhvr>
+                                    </p:animEffect>
+                                  </p:childTnLst>
+                                </p:cTn>
+                              </p:par>
+                              <p:par>
+                                <p:cTn id="48" presetID="10" presetClass="entr" presetSubtype="0" fill="hold" grpId="0" nodeType="withEffect">
+                                  <p:stCondLst>
+                                    <p:cond delay="0"/>
+                                  </p:stCondLst>
+                                  <p:childTnLst>
+                                    <p:set>
+                                      <p:cBhvr>
+                                        <p:cTn id="49" dur="1" fill="hold">
+                                          <p:stCondLst>
+                                            <p:cond delay="0"/>
+                                          </p:stCondLst>
+                                        </p:cTn>
+                                        <p:tgtEl>
+                                          <p:spTgt spid="14"/>
+                                        </p:tgtEl>
+                                        <p:attrNameLst>
+                                          <p:attrName>style.visibility</p:attrName>
+                                        </p:attrNameLst>
+                                      </p:cBhvr>
+                                      <p:to>
+                                        <p:strVal val="visible"/>
+                                      </p:to>
+                                    </p:set>
+                                    <p:animEffect transition="in" filter="fade">
+                                      <p:cBhvr>
+                                        <p:cTn id="50" dur="500"/>
+                                        <p:tgtEl>
+                                          <p:spTgt spid="14"/>
+                                        </p:tgtEl>
+                                      </p:cBhvr>
+                                    </p:animEffect>
+                                  </p:childTnLst>
+                                </p:cTn>
+                              </p:par>
+                              <p:par>
+                                <p:cTn id="51" presetID="10" presetClass="entr" presetSubtype="0" fill="hold" nodeType="withEffect">
+                                  <p:stCondLst>
+                                    <p:cond delay="0"/>
+                                  </p:stCondLst>
+                                  <p:childTnLst>
+                                    <p:set>
+                                      <p:cBhvr>
+                                        <p:cTn id="52" dur="1" fill="hold">
+                                          <p:stCondLst>
+                                            <p:cond delay="0"/>
+                                          </p:stCondLst>
+                                        </p:cTn>
+                                        <p:tgtEl>
+                                          <p:spTgt spid="36"/>
+                                        </p:tgtEl>
+                                        <p:attrNameLst>
+                                          <p:attrName>style.visibility</p:attrName>
+                                        </p:attrNameLst>
+                                      </p:cBhvr>
+                                      <p:to>
+                                        <p:strVal val="visible"/>
+                                      </p:to>
+                                    </p:set>
+                                    <p:animEffect transition="in" filter="fade">
+                                      <p:cBhvr>
+                                        <p:cTn id="53" dur="500"/>
+                                        <p:tgtEl>
+                                          <p:spTgt spid="36"/>
+                                        </p:tgtEl>
+                                      </p:cBhvr>
+                                    </p:animEffect>
+                                  </p:childTnLst>
+                                </p:cTn>
+                              </p:par>
+                            </p:childTnLst>
+                          </p:cTn>
+                        </p:par>
+                      </p:childTnLst>
+                    </p:cTn>
+                  </p:par>
+                </p:childTnLst>
+              </p:cTn>
+              <p:prevCondLst>
+                <p:cond evt="onPrev" delay="0">
+                  <p:tgtEl>
+                    <p:sldTgt/>
+                  </p:tgtEl>
+                </p:cond>
+              </p:prevCondLst>
+              <p:nextCondLst>
+                <p:cond evt="onNext" delay="0">
+                  <p:tgtEl>
+                    <p:sldTgt/>
+                  </p:tgtEl>
+                </p:cond>
+              </p:nextCondLst>
+            </p:seq>
+          </p:childTnLst>
+        </p:cTn>
       </p:par>
     </p:tnLst>
+    <p:bldLst>
+      <p:bldP spid="3" grpId="0" animBg="1"/>
+      <p:bldP spid="4" grpId="0"/>
+      <p:bldP spid="5" grpId="0"/>
+      <p:bldP spid="9" grpId="0" animBg="1"/>
+      <p:bldP spid="11" grpId="0"/>
+      <p:bldP spid="12" grpId="0" animBg="1"/>
+      <p:bldP spid="13" grpId="0" animBg="1"/>
+      <p:bldP spid="14" grpId="0"/>
+      <p:bldP spid="6" grpId="0"/>
+      <p:bldP spid="15" grpId="0"/>
+      <p:bldP spid="16" grpId="0"/>
+      <p:bldP spid="17" grpId="0"/>
+      <p:bldP spid="18" grpId="0"/>
+    </p:bldLst>
   </p:timing>
 </p:sld>
 </file>
@@ -8035,7 +11338,12 @@
             <p:ph type="ctrTitle"/>
           </p:nvPr>
         </p:nvSpPr>
-        <p:spPr/>
+        <p:spPr>
+          <a:xfrm>
+            <a:off x="685800" y="2391023"/>
+            <a:ext cx="7772400" cy="1470025"/>
+          </a:xfrm>
+        </p:spPr>
         <p:txBody>
           <a:bodyPr>
             <a:normAutofit fontScale="90000"/>
@@ -8116,7 +11424,7 @@
         </p:blipFill>
         <p:spPr bwMode="auto">
           <a:xfrm>
-            <a:off x="3470895" y="1916832"/>
+            <a:off x="3470895" y="2144663"/>
             <a:ext cx="2181225" cy="276225"/>
           </a:xfrm>
           <a:prstGeom prst="rect">
@@ -8157,7 +11465,7 @@
         </p:blipFill>
         <p:spPr bwMode="auto">
           <a:xfrm>
-            <a:off x="1331640" y="4005064"/>
+            <a:off x="1331640" y="4293096"/>
             <a:ext cx="576064" cy="576064"/>
           </a:xfrm>
           <a:prstGeom prst="rect">
@@ -8198,7 +11506,7 @@
         </p:blipFill>
         <p:spPr bwMode="auto">
           <a:xfrm>
-            <a:off x="2623335" y="2852936"/>
+            <a:off x="2623335" y="3083004"/>
             <a:ext cx="845371" cy="634028"/>
           </a:xfrm>
           <a:prstGeom prst="rect">
@@ -8226,6 +11534,18 @@
   <p:clrMapOvr>
     <a:masterClrMapping/>
   </p:clrMapOvr>
+  <mc:AlternateContent xmlns:mc="http://schemas.openxmlformats.org/markup-compatibility/2006">
+    <mc:Choice xmlns:p14="http://schemas.microsoft.com/office/powerpoint/2010/main" Requires="p14">
+      <p:transition p14:dur="250">
+        <p:fade/>
+      </p:transition>
+    </mc:Choice>
+    <mc:Fallback>
+      <p:transition>
+        <p:fade/>
+      </p:transition>
+    </mc:Fallback>
+  </mc:AlternateContent>
   <p:timing>
     <p:tnLst>
       <p:par>
@@ -8291,9 +11611,6 @@
               </a:rPr>
               <a:t>tool and it should be in your toolbox</a:t>
             </a:r>
-            <a:endParaRPr lang="en-US" dirty="0">
-              <a:ea typeface="Hand Of Sean" pitchFamily="2" charset="-128"/>
-            </a:endParaRPr>
           </a:p>
         </p:txBody>
       </p:sp>
@@ -8371,6 +11688,18 @@
   <p:clrMapOvr>
     <a:masterClrMapping/>
   </p:clrMapOvr>
+  <mc:AlternateContent xmlns:mc="http://schemas.openxmlformats.org/markup-compatibility/2006">
+    <mc:Choice xmlns:p14="http://schemas.microsoft.com/office/powerpoint/2010/main" Requires="p14">
+      <p:transition p14:dur="250">
+        <p:fade/>
+      </p:transition>
+    </mc:Choice>
+    <mc:Fallback>
+      <p:transition>
+        <p:fade/>
+      </p:transition>
+    </mc:Fallback>
+  </mc:AlternateContent>
   <p:timing>
     <p:tnLst>
       <p:par>
@@ -8520,6 +11849,18 @@
   <p:clrMapOvr>
     <a:masterClrMapping/>
   </p:clrMapOvr>
+  <mc:AlternateContent xmlns:mc="http://schemas.openxmlformats.org/markup-compatibility/2006">
+    <mc:Choice xmlns:p14="http://schemas.microsoft.com/office/powerpoint/2010/main" Requires="p14">
+      <p:transition p14:dur="250">
+        <p:fade/>
+      </p:transition>
+    </mc:Choice>
+    <mc:Fallback>
+      <p:transition>
+        <p:fade/>
+      </p:transition>
+    </mc:Fallback>
+  </mc:AlternateContent>
   <p:timing>
     <p:tnLst>
       <p:par>
@@ -8913,13 +12254,7 @@
               <a:rPr lang="en-US" sz="800" dirty="0">
                 <a:latin typeface="Arial Narrow" pitchFamily="34" charset="0"/>
               </a:rPr>
-              <a:t>pattern - </a:t>
-            </a:r>
-            <a:r>
-              <a:rPr lang="en-US" sz="800" dirty="0">
-                <a:latin typeface="Arial Narrow" pitchFamily="34" charset="0"/>
-              </a:rPr>
-              <a:t>http://thundafunda.com/2/animals-body-texture/cheetah-skin-pattern-backgrounds-pictures-animals.php </a:t>
+              <a:t>pattern - http://thundafunda.com/2/animals-body-texture/cheetah-skin-pattern-backgrounds-pictures-animals.php </a:t>
             </a:r>
           </a:p>
           <a:p>
@@ -8935,13 +12270,7 @@
               <a:rPr lang="en-US" sz="800" dirty="0">
                 <a:latin typeface="Arial Narrow" pitchFamily="34" charset="0"/>
               </a:rPr>
-              <a:t>inheritance - </a:t>
-            </a:r>
-            <a:r>
-              <a:rPr lang="en-US" sz="800" dirty="0">
-                <a:latin typeface="Arial Narrow" pitchFamily="34" charset="0"/>
-              </a:rPr>
-              <a:t>http://www.python-course.eu/object_oriented_programming.php</a:t>
+              <a:t>inheritance - http://www.python-course.eu/object_oriented_programming.php</a:t>
             </a:r>
           </a:p>
           <a:p>
@@ -9015,6 +12344,18 @@
   <p:clrMapOvr>
     <a:masterClrMapping/>
   </p:clrMapOvr>
+  <mc:AlternateContent xmlns:mc="http://schemas.openxmlformats.org/markup-compatibility/2006">
+    <mc:Choice xmlns:p14="http://schemas.microsoft.com/office/powerpoint/2010/main" Requires="p14">
+      <p:transition p14:dur="250">
+        <p:fade/>
+      </p:transition>
+    </mc:Choice>
+    <mc:Fallback>
+      <p:transition>
+        <p:fade/>
+      </p:transition>
+    </mc:Fallback>
+  </mc:AlternateContent>
   <p:timing>
     <p:tnLst>
       <p:par>
@@ -9835,12 +13176,805 @@
   <p:clrMapOvr>
     <a:masterClrMapping/>
   </p:clrMapOvr>
+  <mc:AlternateContent xmlns:mc="http://schemas.openxmlformats.org/markup-compatibility/2006">
+    <mc:Choice xmlns:p14="http://schemas.microsoft.com/office/powerpoint/2010/main" Requires="p14">
+      <p:transition p14:dur="250">
+        <p:fade/>
+      </p:transition>
+    </mc:Choice>
+    <mc:Fallback>
+      <p:transition>
+        <p:fade/>
+      </p:transition>
+    </mc:Fallback>
+  </mc:AlternateContent>
   <p:timing>
     <p:tnLst>
       <p:par>
-        <p:cTn id="1" dur="indefinite" restart="never" nodeType="tmRoot"/>
+        <p:cTn id="1" dur="indefinite" restart="never" nodeType="tmRoot">
+          <p:childTnLst>
+            <p:seq concurrent="1" nextAc="seek">
+              <p:cTn id="2" dur="indefinite" nodeType="mainSeq">
+                <p:childTnLst>
+                  <p:par>
+                    <p:cTn id="3" fill="hold">
+                      <p:stCondLst>
+                        <p:cond delay="indefinite"/>
+                      </p:stCondLst>
+                      <p:childTnLst>
+                        <p:par>
+                          <p:cTn id="4" fill="hold">
+                            <p:stCondLst>
+                              <p:cond delay="0"/>
+                            </p:stCondLst>
+                            <p:childTnLst>
+                              <p:par>
+                                <p:cTn id="5" presetID="10" presetClass="entr" presetSubtype="0" fill="hold" grpId="0" nodeType="clickEffect">
+                                  <p:stCondLst>
+                                    <p:cond delay="0"/>
+                                  </p:stCondLst>
+                                  <p:childTnLst>
+                                    <p:set>
+                                      <p:cBhvr>
+                                        <p:cTn id="6" dur="1" fill="hold">
+                                          <p:stCondLst>
+                                            <p:cond delay="0"/>
+                                          </p:stCondLst>
+                                        </p:cTn>
+                                        <p:tgtEl>
+                                          <p:spTgt spid="5"/>
+                                        </p:tgtEl>
+                                        <p:attrNameLst>
+                                          <p:attrName>style.visibility</p:attrName>
+                                        </p:attrNameLst>
+                                      </p:cBhvr>
+                                      <p:to>
+                                        <p:strVal val="visible"/>
+                                      </p:to>
+                                    </p:set>
+                                    <p:animEffect transition="in" filter="fade">
+                                      <p:cBhvr>
+                                        <p:cTn id="7" dur="500"/>
+                                        <p:tgtEl>
+                                          <p:spTgt spid="5"/>
+                                        </p:tgtEl>
+                                      </p:cBhvr>
+                                    </p:animEffect>
+                                  </p:childTnLst>
+                                </p:cTn>
+                              </p:par>
+                              <p:par>
+                                <p:cTn id="8" presetID="10" presetClass="entr" presetSubtype="0" fill="hold" grpId="0" nodeType="withEffect">
+                                  <p:stCondLst>
+                                    <p:cond delay="0"/>
+                                  </p:stCondLst>
+                                  <p:childTnLst>
+                                    <p:set>
+                                      <p:cBhvr>
+                                        <p:cTn id="9" dur="1" fill="hold">
+                                          <p:stCondLst>
+                                            <p:cond delay="0"/>
+                                          </p:stCondLst>
+                                        </p:cTn>
+                                        <p:tgtEl>
+                                          <p:spTgt spid="3"/>
+                                        </p:tgtEl>
+                                        <p:attrNameLst>
+                                          <p:attrName>style.visibility</p:attrName>
+                                        </p:attrNameLst>
+                                      </p:cBhvr>
+                                      <p:to>
+                                        <p:strVal val="visible"/>
+                                      </p:to>
+                                    </p:set>
+                                    <p:animEffect transition="in" filter="fade">
+                                      <p:cBhvr>
+                                        <p:cTn id="10" dur="500"/>
+                                        <p:tgtEl>
+                                          <p:spTgt spid="3"/>
+                                        </p:tgtEl>
+                                      </p:cBhvr>
+                                    </p:animEffect>
+                                  </p:childTnLst>
+                                </p:cTn>
+                              </p:par>
+                            </p:childTnLst>
+                          </p:cTn>
+                        </p:par>
+                      </p:childTnLst>
+                    </p:cTn>
+                  </p:par>
+                  <p:par>
+                    <p:cTn id="11" fill="hold">
+                      <p:stCondLst>
+                        <p:cond delay="indefinite"/>
+                      </p:stCondLst>
+                      <p:childTnLst>
+                        <p:par>
+                          <p:cTn id="12" fill="hold">
+                            <p:stCondLst>
+                              <p:cond delay="0"/>
+                            </p:stCondLst>
+                            <p:childTnLst>
+                              <p:par>
+                                <p:cTn id="13" presetID="10" presetClass="entr" presetSubtype="0" fill="hold" grpId="0" nodeType="clickEffect">
+                                  <p:stCondLst>
+                                    <p:cond delay="0"/>
+                                  </p:stCondLst>
+                                  <p:childTnLst>
+                                    <p:set>
+                                      <p:cBhvr>
+                                        <p:cTn id="14" dur="1" fill="hold">
+                                          <p:stCondLst>
+                                            <p:cond delay="0"/>
+                                          </p:stCondLst>
+                                        </p:cTn>
+                                        <p:tgtEl>
+                                          <p:spTgt spid="13"/>
+                                        </p:tgtEl>
+                                        <p:attrNameLst>
+                                          <p:attrName>style.visibility</p:attrName>
+                                        </p:attrNameLst>
+                                      </p:cBhvr>
+                                      <p:to>
+                                        <p:strVal val="visible"/>
+                                      </p:to>
+                                    </p:set>
+                                    <p:animEffect transition="in" filter="fade">
+                                      <p:cBhvr>
+                                        <p:cTn id="15" dur="500"/>
+                                        <p:tgtEl>
+                                          <p:spTgt spid="13"/>
+                                        </p:tgtEl>
+                                      </p:cBhvr>
+                                    </p:animEffect>
+                                  </p:childTnLst>
+                                </p:cTn>
+                              </p:par>
+                              <p:par>
+                                <p:cTn id="16" presetID="10" presetClass="entr" presetSubtype="0" fill="hold" grpId="0" nodeType="withEffect">
+                                  <p:stCondLst>
+                                    <p:cond delay="0"/>
+                                  </p:stCondLst>
+                                  <p:childTnLst>
+                                    <p:set>
+                                      <p:cBhvr>
+                                        <p:cTn id="17" dur="1" fill="hold">
+                                          <p:stCondLst>
+                                            <p:cond delay="0"/>
+                                          </p:stCondLst>
+                                        </p:cTn>
+                                        <p:tgtEl>
+                                          <p:spTgt spid="6"/>
+                                        </p:tgtEl>
+                                        <p:attrNameLst>
+                                          <p:attrName>style.visibility</p:attrName>
+                                        </p:attrNameLst>
+                                      </p:cBhvr>
+                                      <p:to>
+                                        <p:strVal val="visible"/>
+                                      </p:to>
+                                    </p:set>
+                                    <p:animEffect transition="in" filter="fade">
+                                      <p:cBhvr>
+                                        <p:cTn id="18" dur="500"/>
+                                        <p:tgtEl>
+                                          <p:spTgt spid="6"/>
+                                        </p:tgtEl>
+                                      </p:cBhvr>
+                                    </p:animEffect>
+                                  </p:childTnLst>
+                                </p:cTn>
+                              </p:par>
+                            </p:childTnLst>
+                          </p:cTn>
+                        </p:par>
+                      </p:childTnLst>
+                    </p:cTn>
+                  </p:par>
+                  <p:par>
+                    <p:cTn id="19" fill="hold">
+                      <p:stCondLst>
+                        <p:cond delay="indefinite"/>
+                      </p:stCondLst>
+                      <p:childTnLst>
+                        <p:par>
+                          <p:cTn id="20" fill="hold">
+                            <p:stCondLst>
+                              <p:cond delay="0"/>
+                            </p:stCondLst>
+                            <p:childTnLst>
+                              <p:par>
+                                <p:cTn id="21" presetID="10" presetClass="entr" presetSubtype="0" fill="hold" grpId="0" nodeType="clickEffect">
+                                  <p:stCondLst>
+                                    <p:cond delay="0"/>
+                                  </p:stCondLst>
+                                  <p:childTnLst>
+                                    <p:set>
+                                      <p:cBhvr>
+                                        <p:cTn id="22" dur="1" fill="hold">
+                                          <p:stCondLst>
+                                            <p:cond delay="0"/>
+                                          </p:stCondLst>
+                                        </p:cTn>
+                                        <p:tgtEl>
+                                          <p:spTgt spid="14"/>
+                                        </p:tgtEl>
+                                        <p:attrNameLst>
+                                          <p:attrName>style.visibility</p:attrName>
+                                        </p:attrNameLst>
+                                      </p:cBhvr>
+                                      <p:to>
+                                        <p:strVal val="visible"/>
+                                      </p:to>
+                                    </p:set>
+                                    <p:animEffect transition="in" filter="fade">
+                                      <p:cBhvr>
+                                        <p:cTn id="23" dur="500"/>
+                                        <p:tgtEl>
+                                          <p:spTgt spid="14"/>
+                                        </p:tgtEl>
+                                      </p:cBhvr>
+                                    </p:animEffect>
+                                  </p:childTnLst>
+                                </p:cTn>
+                              </p:par>
+                              <p:par>
+                                <p:cTn id="24" presetID="10" presetClass="entr" presetSubtype="0" fill="hold" grpId="0" nodeType="withEffect">
+                                  <p:stCondLst>
+                                    <p:cond delay="0"/>
+                                  </p:stCondLst>
+                                  <p:childTnLst>
+                                    <p:set>
+                                      <p:cBhvr>
+                                        <p:cTn id="25" dur="1" fill="hold">
+                                          <p:stCondLst>
+                                            <p:cond delay="0"/>
+                                          </p:stCondLst>
+                                        </p:cTn>
+                                        <p:tgtEl>
+                                          <p:spTgt spid="7"/>
+                                        </p:tgtEl>
+                                        <p:attrNameLst>
+                                          <p:attrName>style.visibility</p:attrName>
+                                        </p:attrNameLst>
+                                      </p:cBhvr>
+                                      <p:to>
+                                        <p:strVal val="visible"/>
+                                      </p:to>
+                                    </p:set>
+                                    <p:animEffect transition="in" filter="fade">
+                                      <p:cBhvr>
+                                        <p:cTn id="26" dur="500"/>
+                                        <p:tgtEl>
+                                          <p:spTgt spid="7"/>
+                                        </p:tgtEl>
+                                      </p:cBhvr>
+                                    </p:animEffect>
+                                  </p:childTnLst>
+                                </p:cTn>
+                              </p:par>
+                            </p:childTnLst>
+                          </p:cTn>
+                        </p:par>
+                      </p:childTnLst>
+                    </p:cTn>
+                  </p:par>
+                  <p:par>
+                    <p:cTn id="27" fill="hold">
+                      <p:stCondLst>
+                        <p:cond delay="indefinite"/>
+                      </p:stCondLst>
+                      <p:childTnLst>
+                        <p:par>
+                          <p:cTn id="28" fill="hold">
+                            <p:stCondLst>
+                              <p:cond delay="0"/>
+                            </p:stCondLst>
+                            <p:childTnLst>
+                              <p:par>
+                                <p:cTn id="29" presetID="10" presetClass="entr" presetSubtype="0" fill="hold" grpId="0" nodeType="clickEffect">
+                                  <p:stCondLst>
+                                    <p:cond delay="0"/>
+                                  </p:stCondLst>
+                                  <p:childTnLst>
+                                    <p:set>
+                                      <p:cBhvr>
+                                        <p:cTn id="30" dur="1" fill="hold">
+                                          <p:stCondLst>
+                                            <p:cond delay="0"/>
+                                          </p:stCondLst>
+                                        </p:cTn>
+                                        <p:tgtEl>
+                                          <p:spTgt spid="15"/>
+                                        </p:tgtEl>
+                                        <p:attrNameLst>
+                                          <p:attrName>style.visibility</p:attrName>
+                                        </p:attrNameLst>
+                                      </p:cBhvr>
+                                      <p:to>
+                                        <p:strVal val="visible"/>
+                                      </p:to>
+                                    </p:set>
+                                    <p:animEffect transition="in" filter="fade">
+                                      <p:cBhvr>
+                                        <p:cTn id="31" dur="500"/>
+                                        <p:tgtEl>
+                                          <p:spTgt spid="15"/>
+                                        </p:tgtEl>
+                                      </p:cBhvr>
+                                    </p:animEffect>
+                                  </p:childTnLst>
+                                </p:cTn>
+                              </p:par>
+                              <p:par>
+                                <p:cTn id="32" presetID="10" presetClass="entr" presetSubtype="0" fill="hold" grpId="0" nodeType="withEffect">
+                                  <p:stCondLst>
+                                    <p:cond delay="0"/>
+                                  </p:stCondLst>
+                                  <p:childTnLst>
+                                    <p:set>
+                                      <p:cBhvr>
+                                        <p:cTn id="33" dur="1" fill="hold">
+                                          <p:stCondLst>
+                                            <p:cond delay="0"/>
+                                          </p:stCondLst>
+                                        </p:cTn>
+                                        <p:tgtEl>
+                                          <p:spTgt spid="8"/>
+                                        </p:tgtEl>
+                                        <p:attrNameLst>
+                                          <p:attrName>style.visibility</p:attrName>
+                                        </p:attrNameLst>
+                                      </p:cBhvr>
+                                      <p:to>
+                                        <p:strVal val="visible"/>
+                                      </p:to>
+                                    </p:set>
+                                    <p:animEffect transition="in" filter="fade">
+                                      <p:cBhvr>
+                                        <p:cTn id="34" dur="500"/>
+                                        <p:tgtEl>
+                                          <p:spTgt spid="8"/>
+                                        </p:tgtEl>
+                                      </p:cBhvr>
+                                    </p:animEffect>
+                                  </p:childTnLst>
+                                </p:cTn>
+                              </p:par>
+                            </p:childTnLst>
+                          </p:cTn>
+                        </p:par>
+                      </p:childTnLst>
+                    </p:cTn>
+                  </p:par>
+                  <p:par>
+                    <p:cTn id="35" fill="hold">
+                      <p:stCondLst>
+                        <p:cond delay="indefinite"/>
+                      </p:stCondLst>
+                      <p:childTnLst>
+                        <p:par>
+                          <p:cTn id="36" fill="hold">
+                            <p:stCondLst>
+                              <p:cond delay="0"/>
+                            </p:stCondLst>
+                            <p:childTnLst>
+                              <p:par>
+                                <p:cTn id="37" presetID="10" presetClass="entr" presetSubtype="0" fill="hold" grpId="0" nodeType="clickEffect">
+                                  <p:stCondLst>
+                                    <p:cond delay="0"/>
+                                  </p:stCondLst>
+                                  <p:childTnLst>
+                                    <p:set>
+                                      <p:cBhvr>
+                                        <p:cTn id="38" dur="1" fill="hold">
+                                          <p:stCondLst>
+                                            <p:cond delay="0"/>
+                                          </p:stCondLst>
+                                        </p:cTn>
+                                        <p:tgtEl>
+                                          <p:spTgt spid="16"/>
+                                        </p:tgtEl>
+                                        <p:attrNameLst>
+                                          <p:attrName>style.visibility</p:attrName>
+                                        </p:attrNameLst>
+                                      </p:cBhvr>
+                                      <p:to>
+                                        <p:strVal val="visible"/>
+                                      </p:to>
+                                    </p:set>
+                                    <p:animEffect transition="in" filter="fade">
+                                      <p:cBhvr>
+                                        <p:cTn id="39" dur="500"/>
+                                        <p:tgtEl>
+                                          <p:spTgt spid="16"/>
+                                        </p:tgtEl>
+                                      </p:cBhvr>
+                                    </p:animEffect>
+                                  </p:childTnLst>
+                                </p:cTn>
+                              </p:par>
+                              <p:par>
+                                <p:cTn id="40" presetID="10" presetClass="entr" presetSubtype="0" fill="hold" grpId="0" nodeType="withEffect">
+                                  <p:stCondLst>
+                                    <p:cond delay="0"/>
+                                  </p:stCondLst>
+                                  <p:childTnLst>
+                                    <p:set>
+                                      <p:cBhvr>
+                                        <p:cTn id="41" dur="1" fill="hold">
+                                          <p:stCondLst>
+                                            <p:cond delay="0"/>
+                                          </p:stCondLst>
+                                        </p:cTn>
+                                        <p:tgtEl>
+                                          <p:spTgt spid="9"/>
+                                        </p:tgtEl>
+                                        <p:attrNameLst>
+                                          <p:attrName>style.visibility</p:attrName>
+                                        </p:attrNameLst>
+                                      </p:cBhvr>
+                                      <p:to>
+                                        <p:strVal val="visible"/>
+                                      </p:to>
+                                    </p:set>
+                                    <p:animEffect transition="in" filter="fade">
+                                      <p:cBhvr>
+                                        <p:cTn id="42" dur="500"/>
+                                        <p:tgtEl>
+                                          <p:spTgt spid="9"/>
+                                        </p:tgtEl>
+                                      </p:cBhvr>
+                                    </p:animEffect>
+                                  </p:childTnLst>
+                                </p:cTn>
+                              </p:par>
+                            </p:childTnLst>
+                          </p:cTn>
+                        </p:par>
+                      </p:childTnLst>
+                    </p:cTn>
+                  </p:par>
+                  <p:par>
+                    <p:cTn id="43" fill="hold">
+                      <p:stCondLst>
+                        <p:cond delay="indefinite"/>
+                      </p:stCondLst>
+                      <p:childTnLst>
+                        <p:par>
+                          <p:cTn id="44" fill="hold">
+                            <p:stCondLst>
+                              <p:cond delay="0"/>
+                            </p:stCondLst>
+                            <p:childTnLst>
+                              <p:par>
+                                <p:cTn id="45" presetID="10" presetClass="entr" presetSubtype="0" fill="hold" grpId="0" nodeType="clickEffect">
+                                  <p:stCondLst>
+                                    <p:cond delay="0"/>
+                                  </p:stCondLst>
+                                  <p:childTnLst>
+                                    <p:set>
+                                      <p:cBhvr>
+                                        <p:cTn id="46" dur="1" fill="hold">
+                                          <p:stCondLst>
+                                            <p:cond delay="0"/>
+                                          </p:stCondLst>
+                                        </p:cTn>
+                                        <p:tgtEl>
+                                          <p:spTgt spid="17"/>
+                                        </p:tgtEl>
+                                        <p:attrNameLst>
+                                          <p:attrName>style.visibility</p:attrName>
+                                        </p:attrNameLst>
+                                      </p:cBhvr>
+                                      <p:to>
+                                        <p:strVal val="visible"/>
+                                      </p:to>
+                                    </p:set>
+                                    <p:animEffect transition="in" filter="fade">
+                                      <p:cBhvr>
+                                        <p:cTn id="47" dur="500"/>
+                                        <p:tgtEl>
+                                          <p:spTgt spid="17"/>
+                                        </p:tgtEl>
+                                      </p:cBhvr>
+                                    </p:animEffect>
+                                  </p:childTnLst>
+                                </p:cTn>
+                              </p:par>
+                              <p:par>
+                                <p:cTn id="48" presetID="10" presetClass="entr" presetSubtype="0" fill="hold" grpId="0" nodeType="withEffect">
+                                  <p:stCondLst>
+                                    <p:cond delay="0"/>
+                                  </p:stCondLst>
+                                  <p:childTnLst>
+                                    <p:set>
+                                      <p:cBhvr>
+                                        <p:cTn id="49" dur="1" fill="hold">
+                                          <p:stCondLst>
+                                            <p:cond delay="0"/>
+                                          </p:stCondLst>
+                                        </p:cTn>
+                                        <p:tgtEl>
+                                          <p:spTgt spid="10"/>
+                                        </p:tgtEl>
+                                        <p:attrNameLst>
+                                          <p:attrName>style.visibility</p:attrName>
+                                        </p:attrNameLst>
+                                      </p:cBhvr>
+                                      <p:to>
+                                        <p:strVal val="visible"/>
+                                      </p:to>
+                                    </p:set>
+                                    <p:animEffect transition="in" filter="fade">
+                                      <p:cBhvr>
+                                        <p:cTn id="50" dur="500"/>
+                                        <p:tgtEl>
+                                          <p:spTgt spid="10"/>
+                                        </p:tgtEl>
+                                      </p:cBhvr>
+                                    </p:animEffect>
+                                  </p:childTnLst>
+                                </p:cTn>
+                              </p:par>
+                            </p:childTnLst>
+                          </p:cTn>
+                        </p:par>
+                      </p:childTnLst>
+                    </p:cTn>
+                  </p:par>
+                  <p:par>
+                    <p:cTn id="51" fill="hold">
+                      <p:stCondLst>
+                        <p:cond delay="indefinite"/>
+                      </p:stCondLst>
+                      <p:childTnLst>
+                        <p:par>
+                          <p:cTn id="52" fill="hold">
+                            <p:stCondLst>
+                              <p:cond delay="0"/>
+                            </p:stCondLst>
+                            <p:childTnLst>
+                              <p:par>
+                                <p:cTn id="53" presetID="10" presetClass="entr" presetSubtype="0" fill="hold" grpId="0" nodeType="clickEffect">
+                                  <p:stCondLst>
+                                    <p:cond delay="0"/>
+                                  </p:stCondLst>
+                                  <p:childTnLst>
+                                    <p:set>
+                                      <p:cBhvr>
+                                        <p:cTn id="54" dur="1" fill="hold">
+                                          <p:stCondLst>
+                                            <p:cond delay="0"/>
+                                          </p:stCondLst>
+                                        </p:cTn>
+                                        <p:tgtEl>
+                                          <p:spTgt spid="18"/>
+                                        </p:tgtEl>
+                                        <p:attrNameLst>
+                                          <p:attrName>style.visibility</p:attrName>
+                                        </p:attrNameLst>
+                                      </p:cBhvr>
+                                      <p:to>
+                                        <p:strVal val="visible"/>
+                                      </p:to>
+                                    </p:set>
+                                    <p:animEffect transition="in" filter="fade">
+                                      <p:cBhvr>
+                                        <p:cTn id="55" dur="500"/>
+                                        <p:tgtEl>
+                                          <p:spTgt spid="18"/>
+                                        </p:tgtEl>
+                                      </p:cBhvr>
+                                    </p:animEffect>
+                                  </p:childTnLst>
+                                </p:cTn>
+                              </p:par>
+                              <p:par>
+                                <p:cTn id="56" presetID="10" presetClass="entr" presetSubtype="0" fill="hold" grpId="0" nodeType="withEffect">
+                                  <p:stCondLst>
+                                    <p:cond delay="0"/>
+                                  </p:stCondLst>
+                                  <p:childTnLst>
+                                    <p:set>
+                                      <p:cBhvr>
+                                        <p:cTn id="57" dur="1" fill="hold">
+                                          <p:stCondLst>
+                                            <p:cond delay="0"/>
+                                          </p:stCondLst>
+                                        </p:cTn>
+                                        <p:tgtEl>
+                                          <p:spTgt spid="11"/>
+                                        </p:tgtEl>
+                                        <p:attrNameLst>
+                                          <p:attrName>style.visibility</p:attrName>
+                                        </p:attrNameLst>
+                                      </p:cBhvr>
+                                      <p:to>
+                                        <p:strVal val="visible"/>
+                                      </p:to>
+                                    </p:set>
+                                    <p:animEffect transition="in" filter="fade">
+                                      <p:cBhvr>
+                                        <p:cTn id="58" dur="500"/>
+                                        <p:tgtEl>
+                                          <p:spTgt spid="11"/>
+                                        </p:tgtEl>
+                                      </p:cBhvr>
+                                    </p:animEffect>
+                                  </p:childTnLst>
+                                </p:cTn>
+                              </p:par>
+                            </p:childTnLst>
+                          </p:cTn>
+                        </p:par>
+                      </p:childTnLst>
+                    </p:cTn>
+                  </p:par>
+                  <p:par>
+                    <p:cTn id="59" fill="hold">
+                      <p:stCondLst>
+                        <p:cond delay="indefinite"/>
+                      </p:stCondLst>
+                      <p:childTnLst>
+                        <p:par>
+                          <p:cTn id="60" fill="hold">
+                            <p:stCondLst>
+                              <p:cond delay="0"/>
+                            </p:stCondLst>
+                            <p:childTnLst>
+                              <p:par>
+                                <p:cTn id="61" presetID="10" presetClass="entr" presetSubtype="0" fill="hold" grpId="0" nodeType="clickEffect">
+                                  <p:stCondLst>
+                                    <p:cond delay="0"/>
+                                  </p:stCondLst>
+                                  <p:childTnLst>
+                                    <p:set>
+                                      <p:cBhvr>
+                                        <p:cTn id="62" dur="1" fill="hold">
+                                          <p:stCondLst>
+                                            <p:cond delay="0"/>
+                                          </p:stCondLst>
+                                        </p:cTn>
+                                        <p:tgtEl>
+                                          <p:spTgt spid="19"/>
+                                        </p:tgtEl>
+                                        <p:attrNameLst>
+                                          <p:attrName>style.visibility</p:attrName>
+                                        </p:attrNameLst>
+                                      </p:cBhvr>
+                                      <p:to>
+                                        <p:strVal val="visible"/>
+                                      </p:to>
+                                    </p:set>
+                                    <p:animEffect transition="in" filter="fade">
+                                      <p:cBhvr>
+                                        <p:cTn id="63" dur="500"/>
+                                        <p:tgtEl>
+                                          <p:spTgt spid="19"/>
+                                        </p:tgtEl>
+                                      </p:cBhvr>
+                                    </p:animEffect>
+                                  </p:childTnLst>
+                                </p:cTn>
+                              </p:par>
+                              <p:par>
+                                <p:cTn id="64" presetID="10" presetClass="entr" presetSubtype="0" fill="hold" grpId="0" nodeType="withEffect">
+                                  <p:stCondLst>
+                                    <p:cond delay="0"/>
+                                  </p:stCondLst>
+                                  <p:childTnLst>
+                                    <p:set>
+                                      <p:cBhvr>
+                                        <p:cTn id="65" dur="1" fill="hold">
+                                          <p:stCondLst>
+                                            <p:cond delay="0"/>
+                                          </p:stCondLst>
+                                        </p:cTn>
+                                        <p:tgtEl>
+                                          <p:spTgt spid="12"/>
+                                        </p:tgtEl>
+                                        <p:attrNameLst>
+                                          <p:attrName>style.visibility</p:attrName>
+                                        </p:attrNameLst>
+                                      </p:cBhvr>
+                                      <p:to>
+                                        <p:strVal val="visible"/>
+                                      </p:to>
+                                    </p:set>
+                                    <p:animEffect transition="in" filter="fade">
+                                      <p:cBhvr>
+                                        <p:cTn id="66" dur="500"/>
+                                        <p:tgtEl>
+                                          <p:spTgt spid="12"/>
+                                        </p:tgtEl>
+                                      </p:cBhvr>
+                                    </p:animEffect>
+                                  </p:childTnLst>
+                                </p:cTn>
+                              </p:par>
+                              <p:par>
+                                <p:cTn id="67" presetID="10" presetClass="entr" presetSubtype="0" fill="hold" grpId="0" nodeType="withEffect">
+                                  <p:stCondLst>
+                                    <p:cond delay="0"/>
+                                  </p:stCondLst>
+                                  <p:childTnLst>
+                                    <p:set>
+                                      <p:cBhvr>
+                                        <p:cTn id="68" dur="1" fill="hold">
+                                          <p:stCondLst>
+                                            <p:cond delay="0"/>
+                                          </p:stCondLst>
+                                        </p:cTn>
+                                        <p:tgtEl>
+                                          <p:spTgt spid="4"/>
+                                        </p:tgtEl>
+                                        <p:attrNameLst>
+                                          <p:attrName>style.visibility</p:attrName>
+                                        </p:attrNameLst>
+                                      </p:cBhvr>
+                                      <p:to>
+                                        <p:strVal val="visible"/>
+                                      </p:to>
+                                    </p:set>
+                                    <p:animEffect transition="in" filter="fade">
+                                      <p:cBhvr>
+                                        <p:cTn id="69" dur="500"/>
+                                        <p:tgtEl>
+                                          <p:spTgt spid="4"/>
+                                        </p:tgtEl>
+                                      </p:cBhvr>
+                                    </p:animEffect>
+                                  </p:childTnLst>
+                                </p:cTn>
+                              </p:par>
+                            </p:childTnLst>
+                          </p:cTn>
+                        </p:par>
+                      </p:childTnLst>
+                    </p:cTn>
+                  </p:par>
+                </p:childTnLst>
+              </p:cTn>
+              <p:prevCondLst>
+                <p:cond evt="onPrev" delay="0">
+                  <p:tgtEl>
+                    <p:sldTgt/>
+                  </p:tgtEl>
+                </p:cond>
+              </p:prevCondLst>
+              <p:nextCondLst>
+                <p:cond evt="onNext" delay="0">
+                  <p:tgtEl>
+                    <p:sldTgt/>
+                  </p:tgtEl>
+                </p:cond>
+              </p:nextCondLst>
+            </p:seq>
+          </p:childTnLst>
+        </p:cTn>
       </p:par>
     </p:tnLst>
+    <p:bldLst>
+      <p:bldP spid="3" grpId="0" animBg="1"/>
+      <p:bldP spid="4" grpId="0"/>
+      <p:bldP spid="5" grpId="0"/>
+      <p:bldP spid="6" grpId="0"/>
+      <p:bldP spid="7" grpId="0"/>
+      <p:bldP spid="8" grpId="0"/>
+      <p:bldP spid="9" grpId="0"/>
+      <p:bldP spid="10" grpId="0"/>
+      <p:bldP spid="11" grpId="0"/>
+      <p:bldP spid="12" grpId="0"/>
+      <p:bldP spid="13" grpId="0" animBg="1"/>
+      <p:bldP spid="14" grpId="0" animBg="1"/>
+      <p:bldP spid="15" grpId="0" animBg="1"/>
+      <p:bldP spid="16" grpId="0" animBg="1"/>
+      <p:bldP spid="17" grpId="0" animBg="1"/>
+      <p:bldP spid="18" grpId="0" animBg="1"/>
+      <p:bldP spid="19" grpId="0" animBg="1"/>
+    </p:bldLst>
   </p:timing>
 </p:sld>
 </file>
@@ -9874,7 +14008,7 @@
         </p:nvSpPr>
         <p:spPr>
           <a:xfrm>
-            <a:off x="685800" y="2420888"/>
+            <a:off x="685800" y="2535039"/>
             <a:ext cx="7772400" cy="1470025"/>
           </a:xfrm>
         </p:spPr>
@@ -9886,11 +14020,19 @@
           <a:p>
             <a:r>
               <a:rPr lang="sv-SE" dirty="0" err="1"/>
-              <a:t>This</a:t>
+              <a:t>t</a:t>
+            </a:r>
+            <a:r>
+              <a:rPr lang="sv-SE" dirty="0" err="1" smtClean="0"/>
+              <a:t>his</a:t>
+            </a:r>
+            <a:r>
+              <a:rPr lang="sv-SE" dirty="0" smtClean="0"/>
+              <a:t> </a:t>
             </a:r>
             <a:r>
               <a:rPr lang="sv-SE" dirty="0"/>
-              <a:t> is </a:t>
+              <a:t>is </a:t>
             </a:r>
             <a:r>
               <a:rPr lang="sv-SE" dirty="0" err="1"/>
@@ -9997,7 +14139,6 @@
               <a:rPr lang="en-US" sz="2700" dirty="0"/>
               <a:t>language level, but it can easily be  mimic with code)</a:t>
             </a:r>
-            <a:endParaRPr lang="en-US" sz="2700" dirty="0"/>
           </a:p>
         </p:txBody>
       </p:sp>
@@ -10052,6 +14193,18 @@
   <p:clrMapOvr>
     <a:masterClrMapping/>
   </p:clrMapOvr>
+  <mc:AlternateContent xmlns:mc="http://schemas.openxmlformats.org/markup-compatibility/2006">
+    <mc:Choice xmlns:p14="http://schemas.microsoft.com/office/powerpoint/2010/main" Requires="p14">
+      <p:transition p14:dur="250">
+        <p:fade/>
+      </p:transition>
+    </mc:Choice>
+    <mc:Fallback>
+      <p:transition>
+        <p:fade/>
+      </p:transition>
+    </mc:Fallback>
+  </mc:AlternateContent>
   <p:timing>
     <p:tnLst>
       <p:par>
@@ -10089,7 +14242,12 @@
             <p:ph type="ctrTitle"/>
           </p:nvPr>
         </p:nvSpPr>
-        <p:spPr/>
+        <p:spPr>
+          <a:xfrm>
+            <a:off x="685800" y="2535039"/>
+            <a:ext cx="7772400" cy="1470025"/>
+          </a:xfrm>
+        </p:spPr>
         <p:txBody>
           <a:bodyPr/>
           <a:lstStyle/>
@@ -10123,7 +14281,7 @@
         <p:spPr>
           <a:xfrm>
             <a:off x="1259632" y="1597442"/>
-            <a:ext cx="3588803" cy="369332"/>
+            <a:ext cx="2776722" cy="646331"/>
           </a:xfrm>
           <a:prstGeom prst="rect">
             <a:avLst/>
@@ -10137,42 +14295,64 @@
           <a:lstStyle/>
           <a:p>
             <a:r>
-              <a:rPr lang="sv-SE" dirty="0" err="1" smtClean="0"/>
+              <a:rPr lang="sv-SE" dirty="0" err="1" smtClean="0">
+                <a:latin typeface="Hand Of Sean" pitchFamily="2" charset="-128"/>
+              </a:rPr>
               <a:t>pattern</a:t>
             </a:r>
             <a:r>
-              <a:rPr lang="sv-SE" dirty="0" smtClean="0"/>
+              <a:rPr lang="sv-SE" dirty="0" smtClean="0">
+                <a:latin typeface="Hand Of Sean" pitchFamily="2" charset="-128"/>
+              </a:rPr>
               <a:t> </a:t>
             </a:r>
             <a:r>
-              <a:rPr lang="sv-SE" dirty="0" err="1" smtClean="0"/>
+              <a:rPr lang="sv-SE" dirty="0" err="1" smtClean="0">
+                <a:latin typeface="Hand Of Sean" pitchFamily="2" charset="-128"/>
+              </a:rPr>
               <a:t>to</a:t>
             </a:r>
             <a:r>
-              <a:rPr lang="sv-SE" dirty="0" smtClean="0"/>
+              <a:rPr lang="sv-SE" dirty="0" smtClean="0">
+                <a:latin typeface="Hand Of Sean" pitchFamily="2" charset="-128"/>
+              </a:rPr>
               <a:t> </a:t>
             </a:r>
             <a:r>
-              <a:rPr lang="sv-SE" dirty="0" err="1" smtClean="0"/>
+              <a:rPr lang="sv-SE" dirty="0" err="1" smtClean="0">
+                <a:latin typeface="Hand Of Sean" pitchFamily="2" charset="-128"/>
+              </a:rPr>
               <a:t>reuse</a:t>
             </a:r>
             <a:r>
-              <a:rPr lang="sv-SE" dirty="0" smtClean="0"/>
+              <a:rPr lang="sv-SE" dirty="0" smtClean="0">
+                <a:latin typeface="Hand Of Sean" pitchFamily="2" charset="-128"/>
+              </a:rPr>
               <a:t> </a:t>
             </a:r>
             <a:r>
-              <a:rPr lang="sv-SE" dirty="0" err="1" smtClean="0"/>
+              <a:rPr lang="sv-SE" dirty="0" err="1" smtClean="0">
+                <a:latin typeface="Hand Of Sean" pitchFamily="2" charset="-128"/>
+              </a:rPr>
               <a:t>code</a:t>
             </a:r>
             <a:r>
-              <a:rPr lang="sv-SE" dirty="0" smtClean="0"/>
+              <a:rPr lang="sv-SE" dirty="0" smtClean="0">
+                <a:latin typeface="Hand Of Sean" pitchFamily="2" charset="-128"/>
+              </a:rPr>
               <a:t>/</a:t>
             </a:r>
-            <a:r>
-              <a:rPr lang="sv-SE" dirty="0" err="1" smtClean="0"/>
+          </a:p>
+          <a:p>
+            <a:r>
+              <a:rPr lang="sv-SE" dirty="0" err="1" smtClean="0">
+                <a:latin typeface="Hand Of Sean" pitchFamily="2" charset="-128"/>
+              </a:rPr>
               <a:t>functioniallity</a:t>
             </a:r>
-            <a:endParaRPr lang="en-US" dirty="0"/>
+            <a:endParaRPr lang="en-US" dirty="0">
+              <a:latin typeface="Hand Of Sean" pitchFamily="2" charset="-128"/>
+            </a:endParaRPr>
           </a:p>
         </p:txBody>
       </p:sp>
@@ -10185,7 +14365,7 @@
         <p:spPr>
           <a:xfrm>
             <a:off x="4444218" y="621717"/>
-            <a:ext cx="2828082" cy="369332"/>
+            <a:ext cx="3251211" cy="369332"/>
           </a:xfrm>
           <a:prstGeom prst="rect">
             <a:avLst/>
@@ -10198,18 +14378,23 @@
           <a:lstStyle/>
           <a:p>
             <a:r>
-              <a:rPr lang="en-US" dirty="0"/>
+              <a:rPr lang="en-US" dirty="0">
+                <a:latin typeface="Hand Of Sean" pitchFamily="2" charset="-128"/>
+              </a:rPr>
               <a:t>it's </a:t>
             </a:r>
             <a:r>
-              <a:rPr lang="en-US" dirty="0" smtClean="0"/>
+              <a:rPr lang="en-US" dirty="0" smtClean="0">
+                <a:latin typeface="Hand Of Sean" pitchFamily="2" charset="-128"/>
+              </a:rPr>
               <a:t>not classical </a:t>
             </a:r>
             <a:r>
-              <a:rPr lang="en-US" dirty="0"/>
+              <a:rPr lang="en-US" dirty="0">
+                <a:latin typeface="Hand Of Sean" pitchFamily="2" charset="-128"/>
+              </a:rPr>
               <a:t>inheritance!</a:t>
             </a:r>
-            <a:endParaRPr lang="en-US" dirty="0"/>
           </a:p>
         </p:txBody>
       </p:sp>
@@ -10221,8 +14406,8 @@
         </p:nvSpPr>
         <p:spPr>
           <a:xfrm>
-            <a:off x="1763688" y="4581128"/>
-            <a:ext cx="4709238" cy="369332"/>
+            <a:off x="1976571" y="4941168"/>
+            <a:ext cx="5321200" cy="369332"/>
           </a:xfrm>
           <a:prstGeom prst="rect">
             <a:avLst/>
@@ -10236,14 +14421,20 @@
           <a:lstStyle/>
           <a:p>
             <a:r>
-              <a:rPr lang="en-US" dirty="0"/>
+              <a:rPr lang="en-US" dirty="0">
+                <a:latin typeface="Hand Of Sean" pitchFamily="2" charset="-128"/>
+              </a:rPr>
               <a:t>change inner/outer behaviors from the outside</a:t>
             </a:r>
             <a:r>
-              <a:rPr lang="en-US" dirty="0" smtClean="0"/>
+              <a:rPr lang="en-US" dirty="0" smtClean="0">
+                <a:latin typeface="Hand Of Sean" pitchFamily="2" charset="-128"/>
+              </a:rPr>
               <a:t>*</a:t>
             </a:r>
-            <a:endParaRPr lang="en-US" dirty="0"/>
+            <a:endParaRPr lang="en-US" dirty="0">
+              <a:latin typeface="Hand Of Sean" pitchFamily="2" charset="-128"/>
+            </a:endParaRPr>
           </a:p>
         </p:txBody>
       </p:sp>
@@ -10255,8 +14446,8 @@
         </p:nvSpPr>
         <p:spPr>
           <a:xfrm>
-            <a:off x="5732031" y="6372036"/>
-            <a:ext cx="3442289" cy="369332"/>
+            <a:off x="5064142" y="6468142"/>
+            <a:ext cx="4041491" cy="369332"/>
           </a:xfrm>
           <a:prstGeom prst="rect">
             <a:avLst/>
@@ -10270,14 +14461,20 @@
           <a:lstStyle/>
           <a:p>
             <a:r>
-              <a:rPr lang="en-US" dirty="0"/>
+              <a:rPr lang="en-US" dirty="0">
+                <a:latin typeface="Hand Of Sean" pitchFamily="2" charset="-128"/>
+              </a:rPr>
               <a:t>* yeah, and this can get really bad</a:t>
             </a:r>
             <a:r>
-              <a:rPr lang="en-US" dirty="0" smtClean="0"/>
+              <a:rPr lang="en-US" dirty="0" smtClean="0">
+                <a:latin typeface="Hand Of Sean" pitchFamily="2" charset="-128"/>
+              </a:rPr>
               <a:t>!</a:t>
             </a:r>
-            <a:endParaRPr lang="en-US" dirty="0"/>
+            <a:endParaRPr lang="en-US" dirty="0">
+              <a:latin typeface="Hand Of Sean" pitchFamily="2" charset="-128"/>
+            </a:endParaRPr>
           </a:p>
         </p:txBody>
       </p:sp>
@@ -10304,7 +14501,7 @@
         </p:blipFill>
         <p:spPr bwMode="auto">
           <a:xfrm>
-            <a:off x="7297771" y="559000"/>
+            <a:off x="7533913" y="980728"/>
             <a:ext cx="1214551" cy="1038441"/>
           </a:xfrm>
           <a:prstGeom prst="rect">
@@ -10330,7 +14527,7 @@
         </p:nvSpPr>
         <p:spPr>
           <a:xfrm>
-            <a:off x="733510" y="1616026"/>
+            <a:off x="683568" y="1628800"/>
             <a:ext cx="526122" cy="350748"/>
           </a:xfrm>
           <a:prstGeom prst="roundRect">
@@ -10370,8 +14567,152 @@
           <a:lstStyle/>
           <a:p>
             <a:pPr algn="ctr"/>
-            <a:endParaRPr lang="en-US">
-              <a:latin typeface="Mia's Scribblings ~" pitchFamily="2" charset="0"/>
+            <a:endParaRPr lang="en-US" dirty="0">
+              <a:latin typeface="Hand Of Sean" pitchFamily="2" charset="-128"/>
+            </a:endParaRPr>
+          </a:p>
+        </p:txBody>
+      </p:sp>
+      <p:sp>
+        <p:nvSpPr>
+          <p:cNvPr id="9" name="Båge 8"/>
+          <p:cNvSpPr/>
+          <p:nvPr/>
+        </p:nvSpPr>
+        <p:spPr>
+          <a:xfrm>
+            <a:off x="3786207" y="1791400"/>
+            <a:ext cx="500294" cy="2213664"/>
+          </a:xfrm>
+          <a:prstGeom prst="arc">
+            <a:avLst/>
+          </a:prstGeom>
+          <a:ln w="19050">
+            <a:solidFill>
+              <a:schemeClr val="tx1">
+                <a:lumMod val="65000"/>
+                <a:lumOff val="35000"/>
+              </a:schemeClr>
+            </a:solidFill>
+          </a:ln>
+        </p:spPr>
+        <p:style>
+          <a:lnRef idx="1">
+            <a:schemeClr val="accent1"/>
+          </a:lnRef>
+          <a:fillRef idx="0">
+            <a:schemeClr val="accent1"/>
+          </a:fillRef>
+          <a:effectRef idx="0">
+            <a:schemeClr val="accent1"/>
+          </a:effectRef>
+          <a:fontRef idx="minor">
+            <a:schemeClr val="tx1"/>
+          </a:fontRef>
+        </p:style>
+        <p:txBody>
+          <a:bodyPr rtlCol="0" anchor="ctr"/>
+          <a:lstStyle/>
+          <a:p>
+            <a:pPr algn="ctr"/>
+            <a:endParaRPr lang="en-US" dirty="0">
+              <a:latin typeface="Hand Of Sean" pitchFamily="2" charset="-128"/>
+            </a:endParaRPr>
+          </a:p>
+        </p:txBody>
+      </p:sp>
+      <p:sp>
+        <p:nvSpPr>
+          <p:cNvPr id="10" name="Båge 9"/>
+          <p:cNvSpPr/>
+          <p:nvPr/>
+        </p:nvSpPr>
+        <p:spPr>
+          <a:xfrm flipH="1">
+            <a:off x="3923928" y="813696"/>
+            <a:ext cx="785793" cy="1167558"/>
+          </a:xfrm>
+          <a:prstGeom prst="arc">
+            <a:avLst/>
+          </a:prstGeom>
+          <a:ln w="19050">
+            <a:solidFill>
+              <a:schemeClr val="tx1">
+                <a:lumMod val="65000"/>
+                <a:lumOff val="35000"/>
+              </a:schemeClr>
+            </a:solidFill>
+          </a:ln>
+        </p:spPr>
+        <p:style>
+          <a:lnRef idx="1">
+            <a:schemeClr val="accent1"/>
+          </a:lnRef>
+          <a:fillRef idx="0">
+            <a:schemeClr val="accent1"/>
+          </a:fillRef>
+          <a:effectRef idx="0">
+            <a:schemeClr val="accent1"/>
+          </a:effectRef>
+          <a:fontRef idx="minor">
+            <a:schemeClr val="tx1"/>
+          </a:fontRef>
+        </p:style>
+        <p:txBody>
+          <a:bodyPr rtlCol="0" anchor="ctr"/>
+          <a:lstStyle/>
+          <a:p>
+            <a:pPr algn="ctr"/>
+            <a:endParaRPr lang="en-US" dirty="0">
+              <a:latin typeface="Hand Of Sean" pitchFamily="2" charset="-128"/>
+            </a:endParaRPr>
+          </a:p>
+        </p:txBody>
+      </p:sp>
+      <p:sp>
+        <p:nvSpPr>
+          <p:cNvPr id="11" name="Båge 10"/>
+          <p:cNvSpPr/>
+          <p:nvPr/>
+        </p:nvSpPr>
+        <p:spPr>
+          <a:xfrm>
+            <a:off x="4709721" y="3663608"/>
+            <a:ext cx="500294" cy="2213664"/>
+          </a:xfrm>
+          <a:prstGeom prst="arc">
+            <a:avLst/>
+          </a:prstGeom>
+          <a:ln w="19050">
+            <a:solidFill>
+              <a:schemeClr val="tx1">
+                <a:lumMod val="65000"/>
+                <a:lumOff val="35000"/>
+              </a:schemeClr>
+            </a:solidFill>
+          </a:ln>
+        </p:spPr>
+        <p:style>
+          <a:lnRef idx="1">
+            <a:schemeClr val="accent1"/>
+          </a:lnRef>
+          <a:fillRef idx="0">
+            <a:schemeClr val="accent1"/>
+          </a:fillRef>
+          <a:effectRef idx="0">
+            <a:schemeClr val="accent1"/>
+          </a:effectRef>
+          <a:fontRef idx="minor">
+            <a:schemeClr val="tx1"/>
+          </a:fontRef>
+        </p:style>
+        <p:txBody>
+          <a:bodyPr rtlCol="0" anchor="ctr"/>
+          <a:lstStyle/>
+          <a:p>
+            <a:pPr algn="ctr"/>
+            <a:endParaRPr lang="en-US" dirty="0">
+              <a:latin typeface="Hand Of Sean" pitchFamily="2" charset="-128"/>
             </a:endParaRPr>
           </a:p>
         </p:txBody>
@@ -10386,12 +14727,372 @@
   <p:clrMapOvr>
     <a:masterClrMapping/>
   </p:clrMapOvr>
+  <mc:AlternateContent xmlns:mc="http://schemas.openxmlformats.org/markup-compatibility/2006">
+    <mc:Choice xmlns:p14="http://schemas.microsoft.com/office/powerpoint/2010/main" Requires="p14">
+      <p:transition p14:dur="250">
+        <p:fade/>
+      </p:transition>
+    </mc:Choice>
+    <mc:Fallback>
+      <p:transition>
+        <p:fade/>
+      </p:transition>
+    </mc:Fallback>
+  </mc:AlternateContent>
   <p:timing>
     <p:tnLst>
       <p:par>
-        <p:cTn id="1" dur="indefinite" restart="never" nodeType="tmRoot"/>
+        <p:cTn id="1" dur="indefinite" restart="never" nodeType="tmRoot">
+          <p:childTnLst>
+            <p:seq concurrent="1" nextAc="seek">
+              <p:cTn id="2" dur="indefinite" nodeType="mainSeq">
+                <p:childTnLst>
+                  <p:par>
+                    <p:cTn id="3" fill="hold">
+                      <p:stCondLst>
+                        <p:cond delay="indefinite"/>
+                      </p:stCondLst>
+                      <p:childTnLst>
+                        <p:par>
+                          <p:cTn id="4" fill="hold">
+                            <p:stCondLst>
+                              <p:cond delay="0"/>
+                            </p:stCondLst>
+                            <p:childTnLst>
+                              <p:par>
+                                <p:cTn id="5" presetID="10" presetClass="entr" presetSubtype="0" fill="hold" grpId="0" nodeType="clickEffect">
+                                  <p:stCondLst>
+                                    <p:cond delay="0"/>
+                                  </p:stCondLst>
+                                  <p:childTnLst>
+                                    <p:set>
+                                      <p:cBhvr>
+                                        <p:cTn id="6" dur="1" fill="hold">
+                                          <p:stCondLst>
+                                            <p:cond delay="0"/>
+                                          </p:stCondLst>
+                                        </p:cTn>
+                                        <p:tgtEl>
+                                          <p:spTgt spid="9"/>
+                                        </p:tgtEl>
+                                        <p:attrNameLst>
+                                          <p:attrName>style.visibility</p:attrName>
+                                        </p:attrNameLst>
+                                      </p:cBhvr>
+                                      <p:to>
+                                        <p:strVal val="visible"/>
+                                      </p:to>
+                                    </p:set>
+                                    <p:animEffect transition="in" filter="fade">
+                                      <p:cBhvr>
+                                        <p:cTn id="7" dur="500"/>
+                                        <p:tgtEl>
+                                          <p:spTgt spid="9"/>
+                                        </p:tgtEl>
+                                      </p:cBhvr>
+                                    </p:animEffect>
+                                  </p:childTnLst>
+                                </p:cTn>
+                              </p:par>
+                              <p:par>
+                                <p:cTn id="8" presetID="10" presetClass="entr" presetSubtype="0" fill="hold" grpId="0" nodeType="withEffect">
+                                  <p:stCondLst>
+                                    <p:cond delay="0"/>
+                                  </p:stCondLst>
+                                  <p:childTnLst>
+                                    <p:set>
+                                      <p:cBhvr>
+                                        <p:cTn id="9" dur="1" fill="hold">
+                                          <p:stCondLst>
+                                            <p:cond delay="0"/>
+                                          </p:stCondLst>
+                                        </p:cTn>
+                                        <p:tgtEl>
+                                          <p:spTgt spid="3"/>
+                                        </p:tgtEl>
+                                        <p:attrNameLst>
+                                          <p:attrName>style.visibility</p:attrName>
+                                        </p:attrNameLst>
+                                      </p:cBhvr>
+                                      <p:to>
+                                        <p:strVal val="visible"/>
+                                      </p:to>
+                                    </p:set>
+                                    <p:animEffect transition="in" filter="fade">
+                                      <p:cBhvr>
+                                        <p:cTn id="10" dur="500"/>
+                                        <p:tgtEl>
+                                          <p:spTgt spid="3"/>
+                                        </p:tgtEl>
+                                      </p:cBhvr>
+                                    </p:animEffect>
+                                  </p:childTnLst>
+                                </p:cTn>
+                              </p:par>
+                              <p:par>
+                                <p:cTn id="11" presetID="10" presetClass="entr" presetSubtype="0" fill="hold" grpId="0" nodeType="withEffect">
+                                  <p:stCondLst>
+                                    <p:cond delay="0"/>
+                                  </p:stCondLst>
+                                  <p:childTnLst>
+                                    <p:set>
+                                      <p:cBhvr>
+                                        <p:cTn id="12" dur="1" fill="hold">
+                                          <p:stCondLst>
+                                            <p:cond delay="0"/>
+                                          </p:stCondLst>
+                                        </p:cTn>
+                                        <p:tgtEl>
+                                          <p:spTgt spid="15"/>
+                                        </p:tgtEl>
+                                        <p:attrNameLst>
+                                          <p:attrName>style.visibility</p:attrName>
+                                        </p:attrNameLst>
+                                      </p:cBhvr>
+                                      <p:to>
+                                        <p:strVal val="visible"/>
+                                      </p:to>
+                                    </p:set>
+                                    <p:animEffect transition="in" filter="fade">
+                                      <p:cBhvr>
+                                        <p:cTn id="13" dur="500"/>
+                                        <p:tgtEl>
+                                          <p:spTgt spid="15"/>
+                                        </p:tgtEl>
+                                      </p:cBhvr>
+                                    </p:animEffect>
+                                  </p:childTnLst>
+                                </p:cTn>
+                              </p:par>
+                              <p:par>
+                                <p:cTn id="14" presetID="10" presetClass="entr" presetSubtype="0" fill="hold" grpId="0" nodeType="withEffect">
+                                  <p:stCondLst>
+                                    <p:cond delay="0"/>
+                                  </p:stCondLst>
+                                  <p:childTnLst>
+                                    <p:set>
+                                      <p:cBhvr>
+                                        <p:cTn id="15" dur="1" fill="hold">
+                                          <p:stCondLst>
+                                            <p:cond delay="0"/>
+                                          </p:stCondLst>
+                                        </p:cTn>
+                                        <p:tgtEl>
+                                          <p:spTgt spid="10"/>
+                                        </p:tgtEl>
+                                        <p:attrNameLst>
+                                          <p:attrName>style.visibility</p:attrName>
+                                        </p:attrNameLst>
+                                      </p:cBhvr>
+                                      <p:to>
+                                        <p:strVal val="visible"/>
+                                      </p:to>
+                                    </p:set>
+                                    <p:animEffect transition="in" filter="fade">
+                                      <p:cBhvr>
+                                        <p:cTn id="16" dur="500"/>
+                                        <p:tgtEl>
+                                          <p:spTgt spid="10"/>
+                                        </p:tgtEl>
+                                      </p:cBhvr>
+                                    </p:animEffect>
+                                  </p:childTnLst>
+                                </p:cTn>
+                              </p:par>
+                              <p:par>
+                                <p:cTn id="17" presetID="10" presetClass="entr" presetSubtype="0" fill="hold" grpId="0" nodeType="withEffect">
+                                  <p:stCondLst>
+                                    <p:cond delay="0"/>
+                                  </p:stCondLst>
+                                  <p:childTnLst>
+                                    <p:set>
+                                      <p:cBhvr>
+                                        <p:cTn id="18" dur="1" fill="hold">
+                                          <p:stCondLst>
+                                            <p:cond delay="0"/>
+                                          </p:stCondLst>
+                                        </p:cTn>
+                                        <p:tgtEl>
+                                          <p:spTgt spid="4"/>
+                                        </p:tgtEl>
+                                        <p:attrNameLst>
+                                          <p:attrName>style.visibility</p:attrName>
+                                        </p:attrNameLst>
+                                      </p:cBhvr>
+                                      <p:to>
+                                        <p:strVal val="visible"/>
+                                      </p:to>
+                                    </p:set>
+                                    <p:animEffect transition="in" filter="fade">
+                                      <p:cBhvr>
+                                        <p:cTn id="19" dur="500"/>
+                                        <p:tgtEl>
+                                          <p:spTgt spid="4"/>
+                                        </p:tgtEl>
+                                      </p:cBhvr>
+                                    </p:animEffect>
+                                  </p:childTnLst>
+                                </p:cTn>
+                              </p:par>
+                              <p:par>
+                                <p:cTn id="20" presetID="10" presetClass="entr" presetSubtype="0" fill="hold" nodeType="withEffect">
+                                  <p:stCondLst>
+                                    <p:cond delay="0"/>
+                                  </p:stCondLst>
+                                  <p:childTnLst>
+                                    <p:set>
+                                      <p:cBhvr>
+                                        <p:cTn id="21" dur="1" fill="hold">
+                                          <p:stCondLst>
+                                            <p:cond delay="0"/>
+                                          </p:stCondLst>
+                                        </p:cTn>
+                                        <p:tgtEl>
+                                          <p:spTgt spid="8198"/>
+                                        </p:tgtEl>
+                                        <p:attrNameLst>
+                                          <p:attrName>style.visibility</p:attrName>
+                                        </p:attrNameLst>
+                                      </p:cBhvr>
+                                      <p:to>
+                                        <p:strVal val="visible"/>
+                                      </p:to>
+                                    </p:set>
+                                    <p:animEffect transition="in" filter="fade">
+                                      <p:cBhvr>
+                                        <p:cTn id="22" dur="500"/>
+                                        <p:tgtEl>
+                                          <p:spTgt spid="8198"/>
+                                        </p:tgtEl>
+                                      </p:cBhvr>
+                                    </p:animEffect>
+                                  </p:childTnLst>
+                                </p:cTn>
+                              </p:par>
+                            </p:childTnLst>
+                          </p:cTn>
+                        </p:par>
+                      </p:childTnLst>
+                    </p:cTn>
+                  </p:par>
+                  <p:par>
+                    <p:cTn id="23" fill="hold">
+                      <p:stCondLst>
+                        <p:cond delay="indefinite"/>
+                      </p:stCondLst>
+                      <p:childTnLst>
+                        <p:par>
+                          <p:cTn id="24" fill="hold">
+                            <p:stCondLst>
+                              <p:cond delay="0"/>
+                            </p:stCondLst>
+                            <p:childTnLst>
+                              <p:par>
+                                <p:cTn id="25" presetID="10" presetClass="entr" presetSubtype="0" fill="hold" grpId="0" nodeType="clickEffect">
+                                  <p:stCondLst>
+                                    <p:cond delay="0"/>
+                                  </p:stCondLst>
+                                  <p:childTnLst>
+                                    <p:set>
+                                      <p:cBhvr>
+                                        <p:cTn id="26" dur="1" fill="hold">
+                                          <p:stCondLst>
+                                            <p:cond delay="0"/>
+                                          </p:stCondLst>
+                                        </p:cTn>
+                                        <p:tgtEl>
+                                          <p:spTgt spid="11"/>
+                                        </p:tgtEl>
+                                        <p:attrNameLst>
+                                          <p:attrName>style.visibility</p:attrName>
+                                        </p:attrNameLst>
+                                      </p:cBhvr>
+                                      <p:to>
+                                        <p:strVal val="visible"/>
+                                      </p:to>
+                                    </p:set>
+                                    <p:animEffect transition="in" filter="fade">
+                                      <p:cBhvr>
+                                        <p:cTn id="27" dur="500"/>
+                                        <p:tgtEl>
+                                          <p:spTgt spid="11"/>
+                                        </p:tgtEl>
+                                      </p:cBhvr>
+                                    </p:animEffect>
+                                  </p:childTnLst>
+                                </p:cTn>
+                              </p:par>
+                              <p:par>
+                                <p:cTn id="28" presetID="10" presetClass="entr" presetSubtype="0" fill="hold" grpId="0" nodeType="withEffect">
+                                  <p:stCondLst>
+                                    <p:cond delay="0"/>
+                                  </p:stCondLst>
+                                  <p:childTnLst>
+                                    <p:set>
+                                      <p:cBhvr>
+                                        <p:cTn id="29" dur="1" fill="hold">
+                                          <p:stCondLst>
+                                            <p:cond delay="0"/>
+                                          </p:stCondLst>
+                                        </p:cTn>
+                                        <p:tgtEl>
+                                          <p:spTgt spid="5"/>
+                                        </p:tgtEl>
+                                        <p:attrNameLst>
+                                          <p:attrName>style.visibility</p:attrName>
+                                        </p:attrNameLst>
+                                      </p:cBhvr>
+                                      <p:to>
+                                        <p:strVal val="visible"/>
+                                      </p:to>
+                                    </p:set>
+                                    <p:animEffect transition="in" filter="fade">
+                                      <p:cBhvr>
+                                        <p:cTn id="30" dur="500"/>
+                                        <p:tgtEl>
+                                          <p:spTgt spid="5"/>
+                                        </p:tgtEl>
+                                      </p:cBhvr>
+                                    </p:animEffect>
+                                  </p:childTnLst>
+                                </p:cTn>
+                              </p:par>
+                            </p:childTnLst>
+                          </p:cTn>
+                        </p:par>
+                      </p:childTnLst>
+                    </p:cTn>
+                  </p:par>
+                </p:childTnLst>
+              </p:cTn>
+              <p:prevCondLst>
+                <p:cond evt="onPrev" delay="0">
+                  <p:tgtEl>
+                    <p:sldTgt/>
+                  </p:tgtEl>
+                </p:cond>
+              </p:prevCondLst>
+              <p:nextCondLst>
+                <p:cond evt="onNext" delay="0">
+                  <p:tgtEl>
+                    <p:sldTgt/>
+                  </p:tgtEl>
+                </p:cond>
+              </p:nextCondLst>
+            </p:seq>
+          </p:childTnLst>
+        </p:cTn>
       </p:par>
     </p:tnLst>
+    <p:bldLst>
+      <p:bldP spid="3" grpId="0"/>
+      <p:bldP spid="4" grpId="0"/>
+      <p:bldP spid="5" grpId="0"/>
+      <p:bldP spid="15" grpId="0" animBg="1"/>
+      <p:bldP spid="9" grpId="0" animBg="1"/>
+      <p:bldP spid="10" grpId="0" animBg="1"/>
+      <p:bldP spid="11" grpId="0" animBg="1"/>
+    </p:bldLst>
   </p:timing>
 </p:sld>
 </file>
@@ -10455,8 +15156,8 @@
           <a:lstStyle/>
           <a:p>
             <a:pPr algn="ctr"/>
-            <a:endParaRPr lang="en-US">
-              <a:latin typeface="Mia's Scribblings ~" pitchFamily="2" charset="0"/>
+            <a:endParaRPr lang="en-US" dirty="0">
+              <a:latin typeface="Hand Of Sean" pitchFamily="2" charset="-128"/>
             </a:endParaRPr>
           </a:p>
         </p:txBody>
@@ -10539,8 +15240,8 @@
           <a:lstStyle/>
           <a:p>
             <a:pPr algn="ctr"/>
-            <a:endParaRPr lang="en-US">
-              <a:latin typeface="Mia's Scribblings ~" pitchFamily="2" charset="0"/>
+            <a:endParaRPr lang="en-US" dirty="0">
+              <a:latin typeface="Hand Of Sean" pitchFamily="2" charset="-128"/>
             </a:endParaRPr>
           </a:p>
         </p:txBody>
@@ -10623,8 +15324,8 @@
           <a:lstStyle/>
           <a:p>
             <a:pPr algn="ctr"/>
-            <a:endParaRPr lang="en-US">
-              <a:latin typeface="Mia's Scribblings ~" pitchFamily="2" charset="0"/>
+            <a:endParaRPr lang="en-US" dirty="0">
+              <a:latin typeface="Hand Of Sean" pitchFamily="2" charset="-128"/>
             </a:endParaRPr>
           </a:p>
         </p:txBody>
@@ -10715,8 +15416,8 @@
           <a:lstStyle/>
           <a:p>
             <a:pPr algn="ctr"/>
-            <a:endParaRPr lang="en-US">
-              <a:latin typeface="Mia's Scribblings ~" pitchFamily="2" charset="0"/>
+            <a:endParaRPr lang="en-US" dirty="0">
+              <a:latin typeface="Hand Of Sean" pitchFamily="2" charset="-128"/>
             </a:endParaRPr>
           </a:p>
         </p:txBody>
@@ -10771,8 +15472,8 @@
           <a:lstStyle/>
           <a:p>
             <a:pPr algn="ctr"/>
-            <a:endParaRPr lang="en-US">
-              <a:latin typeface="Mia's Scribblings ~" pitchFamily="2" charset="0"/>
+            <a:endParaRPr lang="en-US" dirty="0">
+              <a:latin typeface="Hand Of Sean" pitchFamily="2" charset="-128"/>
             </a:endParaRPr>
           </a:p>
         </p:txBody>
@@ -10827,8 +15528,8 @@
           <a:lstStyle/>
           <a:p>
             <a:pPr algn="ctr"/>
-            <a:endParaRPr lang="en-US">
-              <a:latin typeface="Mia's Scribblings ~" pitchFamily="2" charset="0"/>
+            <a:endParaRPr lang="en-US" dirty="0">
+              <a:latin typeface="Hand Of Sean" pitchFamily="2" charset="-128"/>
             </a:endParaRPr>
           </a:p>
         </p:txBody>
@@ -10843,6 +15544,18 @@
   <p:clrMapOvr>
     <a:masterClrMapping/>
   </p:clrMapOvr>
+  <mc:AlternateContent xmlns:mc="http://schemas.openxmlformats.org/markup-compatibility/2006">
+    <mc:Choice xmlns:p14="http://schemas.microsoft.com/office/powerpoint/2010/main" Requires="p14">
+      <p:transition p14:dur="250">
+        <p:fade/>
+      </p:transition>
+    </mc:Choice>
+    <mc:Fallback>
+      <p:transition>
+        <p:fade/>
+      </p:transition>
+    </mc:Fallback>
+  </mc:AlternateContent>
   <p:timing>
     <p:tnLst>
       <p:par>
@@ -10912,8 +15625,8 @@
           <a:lstStyle/>
           <a:p>
             <a:pPr algn="ctr"/>
-            <a:endParaRPr lang="en-US">
-              <a:latin typeface="Mia's Scribblings ~" pitchFamily="2" charset="0"/>
+            <a:endParaRPr lang="en-US" dirty="0">
+              <a:latin typeface="Hand Of Sean" pitchFamily="2" charset="-128"/>
             </a:endParaRPr>
           </a:p>
         </p:txBody>
@@ -10996,8 +15709,8 @@
           <a:lstStyle/>
           <a:p>
             <a:pPr algn="ctr"/>
-            <a:endParaRPr lang="en-US">
-              <a:latin typeface="Mia's Scribblings ~" pitchFamily="2" charset="0"/>
+            <a:endParaRPr lang="en-US" dirty="0">
+              <a:latin typeface="Hand Of Sean" pitchFamily="2" charset="-128"/>
             </a:endParaRPr>
           </a:p>
         </p:txBody>
@@ -11080,8 +15793,8 @@
           <a:lstStyle/>
           <a:p>
             <a:pPr algn="ctr"/>
-            <a:endParaRPr lang="en-US">
-              <a:latin typeface="Mia's Scribblings ~" pitchFamily="2" charset="0"/>
+            <a:endParaRPr lang="en-US" dirty="0">
+              <a:latin typeface="Hand Of Sean" pitchFamily="2" charset="-128"/>
             </a:endParaRPr>
           </a:p>
         </p:txBody>
@@ -11172,8 +15885,8 @@
           <a:lstStyle/>
           <a:p>
             <a:pPr algn="ctr"/>
-            <a:endParaRPr lang="en-US">
-              <a:latin typeface="Mia's Scribblings ~" pitchFamily="2" charset="0"/>
+            <a:endParaRPr lang="en-US" dirty="0">
+              <a:latin typeface="Hand Of Sean" pitchFamily="2" charset="-128"/>
             </a:endParaRPr>
           </a:p>
         </p:txBody>
@@ -11345,8 +16058,8 @@
           <a:lstStyle/>
           <a:p>
             <a:pPr algn="ctr"/>
-            <a:endParaRPr lang="en-US">
-              <a:latin typeface="Mia's Scribblings ~" pitchFamily="2" charset="0"/>
+            <a:endParaRPr lang="en-US" dirty="0">
+              <a:latin typeface="Hand Of Sean" pitchFamily="2" charset="-128"/>
             </a:endParaRPr>
           </a:p>
         </p:txBody>
@@ -11401,8 +16114,8 @@
           <a:lstStyle/>
           <a:p>
             <a:pPr algn="ctr"/>
-            <a:endParaRPr lang="en-US">
-              <a:latin typeface="Mia's Scribblings ~" pitchFamily="2" charset="0"/>
+            <a:endParaRPr lang="en-US" dirty="0">
+              <a:latin typeface="Hand Of Sean" pitchFamily="2" charset="-128"/>
             </a:endParaRPr>
           </a:p>
         </p:txBody>
@@ -11457,8 +16170,8 @@
           <a:lstStyle/>
           <a:p>
             <a:pPr algn="ctr"/>
-            <a:endParaRPr lang="en-US">
-              <a:latin typeface="Mia's Scribblings ~" pitchFamily="2" charset="0"/>
+            <a:endParaRPr lang="en-US" dirty="0">
+              <a:latin typeface="Hand Of Sean" pitchFamily="2" charset="-128"/>
             </a:endParaRPr>
           </a:p>
         </p:txBody>
@@ -11473,6 +16186,18 @@
   <p:clrMapOvr>
     <a:masterClrMapping/>
   </p:clrMapOvr>
+  <mc:AlternateContent xmlns:mc="http://schemas.openxmlformats.org/markup-compatibility/2006">
+    <mc:Choice xmlns:p14="http://schemas.microsoft.com/office/powerpoint/2010/main" Requires="p14">
+      <p:transition p14:dur="250">
+        <p:fade/>
+      </p:transition>
+    </mc:Choice>
+    <mc:Fallback>
+      <p:transition>
+        <p:fade/>
+      </p:transition>
+    </mc:Fallback>
+  </mc:AlternateContent>
   <p:timing>
     <p:tnLst>
       <p:par>
@@ -11542,8 +16267,8 @@
           <a:lstStyle/>
           <a:p>
             <a:pPr algn="ctr"/>
-            <a:endParaRPr lang="en-US">
-              <a:latin typeface="Mia's Scribblings ~" pitchFamily="2" charset="0"/>
+            <a:endParaRPr lang="en-US" dirty="0">
+              <a:latin typeface="Hand Of Sean" pitchFamily="2" charset="-128"/>
             </a:endParaRPr>
           </a:p>
         </p:txBody>
@@ -11626,8 +16351,8 @@
           <a:lstStyle/>
           <a:p>
             <a:pPr algn="ctr"/>
-            <a:endParaRPr lang="en-US">
-              <a:latin typeface="Mia's Scribblings ~" pitchFamily="2" charset="0"/>
+            <a:endParaRPr lang="en-US" dirty="0">
+              <a:latin typeface="Hand Of Sean" pitchFamily="2" charset="-128"/>
             </a:endParaRPr>
           </a:p>
         </p:txBody>
@@ -11710,8 +16435,8 @@
           <a:lstStyle/>
           <a:p>
             <a:pPr algn="ctr"/>
-            <a:endParaRPr lang="en-US">
-              <a:latin typeface="Mia's Scribblings ~" pitchFamily="2" charset="0"/>
+            <a:endParaRPr lang="en-US" dirty="0">
+              <a:latin typeface="Hand Of Sean" pitchFamily="2" charset="-128"/>
             </a:endParaRPr>
           </a:p>
         </p:txBody>
@@ -11802,8 +16527,8 @@
           <a:lstStyle/>
           <a:p>
             <a:pPr algn="ctr"/>
-            <a:endParaRPr lang="en-US">
-              <a:latin typeface="Mia's Scribblings ~" pitchFamily="2" charset="0"/>
+            <a:endParaRPr lang="en-US" dirty="0">
+              <a:latin typeface="Hand Of Sean" pitchFamily="2" charset="-128"/>
             </a:endParaRPr>
           </a:p>
         </p:txBody>
@@ -11852,6 +16577,18 @@
   <p:clrMapOvr>
     <a:masterClrMapping/>
   </p:clrMapOvr>
+  <mc:AlternateContent xmlns:mc="http://schemas.openxmlformats.org/markup-compatibility/2006">
+    <mc:Choice xmlns:p14="http://schemas.microsoft.com/office/powerpoint/2010/main" Requires="p14">
+      <p:transition p14:dur="250">
+        <p:fade/>
+      </p:transition>
+    </mc:Choice>
+    <mc:Fallback>
+      <p:transition>
+        <p:fade/>
+      </p:transition>
+    </mc:Fallback>
+  </mc:AlternateContent>
   <p:timing>
     <p:tnLst>
       <p:par>
@@ -11921,8 +16658,8 @@
           <a:lstStyle/>
           <a:p>
             <a:pPr algn="ctr"/>
-            <a:endParaRPr lang="en-US">
-              <a:latin typeface="Mia's Scribblings ~" pitchFamily="2" charset="0"/>
+            <a:endParaRPr lang="en-US" dirty="0">
+              <a:latin typeface="Hand Of Sean" pitchFamily="2" charset="-128"/>
             </a:endParaRPr>
           </a:p>
         </p:txBody>
@@ -12005,8 +16742,8 @@
           <a:lstStyle/>
           <a:p>
             <a:pPr algn="ctr"/>
-            <a:endParaRPr lang="en-US">
-              <a:latin typeface="Mia's Scribblings ~" pitchFamily="2" charset="0"/>
+            <a:endParaRPr lang="en-US" dirty="0">
+              <a:latin typeface="Hand Of Sean" pitchFamily="2" charset="-128"/>
             </a:endParaRPr>
           </a:p>
         </p:txBody>
@@ -12089,8 +16826,8 @@
           <a:lstStyle/>
           <a:p>
             <a:pPr algn="ctr"/>
-            <a:endParaRPr lang="en-US">
-              <a:latin typeface="Mia's Scribblings ~" pitchFamily="2" charset="0"/>
+            <a:endParaRPr lang="en-US" dirty="0">
+              <a:latin typeface="Hand Of Sean" pitchFamily="2" charset="-128"/>
             </a:endParaRPr>
           </a:p>
         </p:txBody>
@@ -12181,8 +16918,8 @@
           <a:lstStyle/>
           <a:p>
             <a:pPr algn="ctr"/>
-            <a:endParaRPr lang="en-US">
-              <a:latin typeface="Mia's Scribblings ~" pitchFamily="2" charset="0"/>
+            <a:endParaRPr lang="en-US" dirty="0">
+              <a:latin typeface="Hand Of Sean" pitchFamily="2" charset="-128"/>
             </a:endParaRPr>
           </a:p>
         </p:txBody>
@@ -12576,8 +17313,8 @@
           <a:lstStyle/>
           <a:p>
             <a:pPr algn="ctr"/>
-            <a:endParaRPr lang="en-US">
-              <a:latin typeface="Mia's Scribblings ~" pitchFamily="2" charset="0"/>
+            <a:endParaRPr lang="en-US" dirty="0">
+              <a:latin typeface="Hand Of Sean" pitchFamily="2" charset="-128"/>
             </a:endParaRPr>
           </a:p>
         </p:txBody>
@@ -12633,8 +17370,8 @@
           <a:lstStyle/>
           <a:p>
             <a:pPr algn="ctr"/>
-            <a:endParaRPr lang="en-US">
-              <a:latin typeface="Mia's Scribblings ~" pitchFamily="2" charset="0"/>
+            <a:endParaRPr lang="en-US" dirty="0">
+              <a:latin typeface="Hand Of Sean" pitchFamily="2" charset="-128"/>
             </a:endParaRPr>
           </a:p>
         </p:txBody>
@@ -12690,8 +17427,8 @@
           <a:lstStyle/>
           <a:p>
             <a:pPr algn="ctr"/>
-            <a:endParaRPr lang="en-US">
-              <a:latin typeface="Mia's Scribblings ~" pitchFamily="2" charset="0"/>
+            <a:endParaRPr lang="en-US" dirty="0">
+              <a:latin typeface="Hand Of Sean" pitchFamily="2" charset="-128"/>
             </a:endParaRPr>
           </a:p>
         </p:txBody>
@@ -12747,12 +17484,512 @@
   <p:clrMapOvr>
     <a:masterClrMapping/>
   </p:clrMapOvr>
+  <mc:AlternateContent xmlns:mc="http://schemas.openxmlformats.org/markup-compatibility/2006">
+    <mc:Choice xmlns:p14="http://schemas.microsoft.com/office/powerpoint/2010/main" Requires="p14">
+      <p:transition p14:dur="250">
+        <p:fade/>
+      </p:transition>
+    </mc:Choice>
+    <mc:Fallback>
+      <p:transition>
+        <p:fade/>
+      </p:transition>
+    </mc:Fallback>
+  </mc:AlternateContent>
   <p:timing>
     <p:tnLst>
       <p:par>
-        <p:cTn id="1" dur="indefinite" restart="never" nodeType="tmRoot"/>
+        <p:cTn id="1" dur="indefinite" restart="never" nodeType="tmRoot">
+          <p:childTnLst>
+            <p:seq concurrent="1" nextAc="seek">
+              <p:cTn id="2" dur="indefinite" nodeType="mainSeq">
+                <p:childTnLst>
+                  <p:par>
+                    <p:cTn id="3" fill="hold">
+                      <p:stCondLst>
+                        <p:cond delay="indefinite"/>
+                      </p:stCondLst>
+                      <p:childTnLst>
+                        <p:par>
+                          <p:cTn id="4" fill="hold">
+                            <p:stCondLst>
+                              <p:cond delay="0"/>
+                            </p:stCondLst>
+                            <p:childTnLst>
+                              <p:par>
+                                <p:cTn id="5" presetID="10" presetClass="entr" presetSubtype="0" fill="hold" nodeType="clickEffect">
+                                  <p:stCondLst>
+                                    <p:cond delay="0"/>
+                                  </p:stCondLst>
+                                  <p:childTnLst>
+                                    <p:set>
+                                      <p:cBhvr>
+                                        <p:cTn id="6" dur="1" fill="hold">
+                                          <p:stCondLst>
+                                            <p:cond delay="0"/>
+                                          </p:stCondLst>
+                                        </p:cTn>
+                                        <p:tgtEl>
+                                          <p:spTgt spid="33"/>
+                                        </p:tgtEl>
+                                        <p:attrNameLst>
+                                          <p:attrName>style.visibility</p:attrName>
+                                        </p:attrNameLst>
+                                      </p:cBhvr>
+                                      <p:to>
+                                        <p:strVal val="visible"/>
+                                      </p:to>
+                                    </p:set>
+                                    <p:animEffect transition="in" filter="fade">
+                                      <p:cBhvr>
+                                        <p:cTn id="7" dur="500"/>
+                                        <p:tgtEl>
+                                          <p:spTgt spid="33"/>
+                                        </p:tgtEl>
+                                      </p:cBhvr>
+                                    </p:animEffect>
+                                  </p:childTnLst>
+                                </p:cTn>
+                              </p:par>
+                              <p:par>
+                                <p:cTn id="8" presetID="10" presetClass="entr" presetSubtype="0" fill="hold" nodeType="withEffect">
+                                  <p:stCondLst>
+                                    <p:cond delay="0"/>
+                                  </p:stCondLst>
+                                  <p:childTnLst>
+                                    <p:set>
+                                      <p:cBhvr>
+                                        <p:cTn id="9" dur="1" fill="hold">
+                                          <p:stCondLst>
+                                            <p:cond delay="0"/>
+                                          </p:stCondLst>
+                                        </p:cTn>
+                                        <p:tgtEl>
+                                          <p:spTgt spid="5"/>
+                                        </p:tgtEl>
+                                        <p:attrNameLst>
+                                          <p:attrName>style.visibility</p:attrName>
+                                        </p:attrNameLst>
+                                      </p:cBhvr>
+                                      <p:to>
+                                        <p:strVal val="visible"/>
+                                      </p:to>
+                                    </p:set>
+                                    <p:animEffect transition="in" filter="fade">
+                                      <p:cBhvr>
+                                        <p:cTn id="10" dur="500"/>
+                                        <p:tgtEl>
+                                          <p:spTgt spid="5"/>
+                                        </p:tgtEl>
+                                      </p:cBhvr>
+                                    </p:animEffect>
+                                  </p:childTnLst>
+                                </p:cTn>
+                              </p:par>
+                              <p:par>
+                                <p:cTn id="11" presetID="10" presetClass="entr" presetSubtype="0" fill="hold" grpId="0" nodeType="withEffect">
+                                  <p:stCondLst>
+                                    <p:cond delay="0"/>
+                                  </p:stCondLst>
+                                  <p:childTnLst>
+                                    <p:set>
+                                      <p:cBhvr>
+                                        <p:cTn id="12" dur="1" fill="hold">
+                                          <p:stCondLst>
+                                            <p:cond delay="0"/>
+                                          </p:stCondLst>
+                                        </p:cTn>
+                                        <p:tgtEl>
+                                          <p:spTgt spid="27"/>
+                                        </p:tgtEl>
+                                        <p:attrNameLst>
+                                          <p:attrName>style.visibility</p:attrName>
+                                        </p:attrNameLst>
+                                      </p:cBhvr>
+                                      <p:to>
+                                        <p:strVal val="visible"/>
+                                      </p:to>
+                                    </p:set>
+                                    <p:animEffect transition="in" filter="fade">
+                                      <p:cBhvr>
+                                        <p:cTn id="13" dur="500"/>
+                                        <p:tgtEl>
+                                          <p:spTgt spid="27"/>
+                                        </p:tgtEl>
+                                      </p:cBhvr>
+                                    </p:animEffect>
+                                  </p:childTnLst>
+                                </p:cTn>
+                              </p:par>
+                            </p:childTnLst>
+                          </p:cTn>
+                        </p:par>
+                      </p:childTnLst>
+                    </p:cTn>
+                  </p:par>
+                  <p:par>
+                    <p:cTn id="14" fill="hold">
+                      <p:stCondLst>
+                        <p:cond delay="indefinite"/>
+                      </p:stCondLst>
+                      <p:childTnLst>
+                        <p:par>
+                          <p:cTn id="15" fill="hold">
+                            <p:stCondLst>
+                              <p:cond delay="0"/>
+                            </p:stCondLst>
+                            <p:childTnLst>
+                              <p:par>
+                                <p:cTn id="16" presetID="10" presetClass="entr" presetSubtype="0" fill="hold" grpId="0" nodeType="clickEffect">
+                                  <p:stCondLst>
+                                    <p:cond delay="0"/>
+                                  </p:stCondLst>
+                                  <p:childTnLst>
+                                    <p:set>
+                                      <p:cBhvr>
+                                        <p:cTn id="17" dur="1" fill="hold">
+                                          <p:stCondLst>
+                                            <p:cond delay="0"/>
+                                          </p:stCondLst>
+                                        </p:cTn>
+                                        <p:tgtEl>
+                                          <p:spTgt spid="22"/>
+                                        </p:tgtEl>
+                                        <p:attrNameLst>
+                                          <p:attrName>style.visibility</p:attrName>
+                                        </p:attrNameLst>
+                                      </p:cBhvr>
+                                      <p:to>
+                                        <p:strVal val="visible"/>
+                                      </p:to>
+                                    </p:set>
+                                    <p:animEffect transition="in" filter="fade">
+                                      <p:cBhvr>
+                                        <p:cTn id="18" dur="500"/>
+                                        <p:tgtEl>
+                                          <p:spTgt spid="22"/>
+                                        </p:tgtEl>
+                                      </p:cBhvr>
+                                    </p:animEffect>
+                                  </p:childTnLst>
+                                </p:cTn>
+                              </p:par>
+                              <p:par>
+                                <p:cTn id="19" presetID="10" presetClass="entr" presetSubtype="0" fill="hold" nodeType="withEffect">
+                                  <p:stCondLst>
+                                    <p:cond delay="0"/>
+                                  </p:stCondLst>
+                                  <p:childTnLst>
+                                    <p:set>
+                                      <p:cBhvr>
+                                        <p:cTn id="20" dur="1" fill="hold">
+                                          <p:stCondLst>
+                                            <p:cond delay="0"/>
+                                          </p:stCondLst>
+                                        </p:cTn>
+                                        <p:tgtEl>
+                                          <p:spTgt spid="19"/>
+                                        </p:tgtEl>
+                                        <p:attrNameLst>
+                                          <p:attrName>style.visibility</p:attrName>
+                                        </p:attrNameLst>
+                                      </p:cBhvr>
+                                      <p:to>
+                                        <p:strVal val="visible"/>
+                                      </p:to>
+                                    </p:set>
+                                    <p:animEffect transition="in" filter="fade">
+                                      <p:cBhvr>
+                                        <p:cTn id="21" dur="500"/>
+                                        <p:tgtEl>
+                                          <p:spTgt spid="19"/>
+                                        </p:tgtEl>
+                                      </p:cBhvr>
+                                    </p:animEffect>
+                                  </p:childTnLst>
+                                </p:cTn>
+                              </p:par>
+                              <p:par>
+                                <p:cTn id="22" presetID="10" presetClass="entr" presetSubtype="0" fill="hold" grpId="0" nodeType="withEffect">
+                                  <p:stCondLst>
+                                    <p:cond delay="0"/>
+                                  </p:stCondLst>
+                                  <p:childTnLst>
+                                    <p:set>
+                                      <p:cBhvr>
+                                        <p:cTn id="23" dur="1" fill="hold">
+                                          <p:stCondLst>
+                                            <p:cond delay="0"/>
+                                          </p:stCondLst>
+                                        </p:cTn>
+                                        <p:tgtEl>
+                                          <p:spTgt spid="28"/>
+                                        </p:tgtEl>
+                                        <p:attrNameLst>
+                                          <p:attrName>style.visibility</p:attrName>
+                                        </p:attrNameLst>
+                                      </p:cBhvr>
+                                      <p:to>
+                                        <p:strVal val="visible"/>
+                                      </p:to>
+                                    </p:set>
+                                    <p:animEffect transition="in" filter="fade">
+                                      <p:cBhvr>
+                                        <p:cTn id="24" dur="500"/>
+                                        <p:tgtEl>
+                                          <p:spTgt spid="28"/>
+                                        </p:tgtEl>
+                                      </p:cBhvr>
+                                    </p:animEffect>
+                                  </p:childTnLst>
+                                </p:cTn>
+                              </p:par>
+                              <p:par>
+                                <p:cTn id="25" presetID="10" presetClass="entr" presetSubtype="0" fill="hold" nodeType="withEffect">
+                                  <p:stCondLst>
+                                    <p:cond delay="0"/>
+                                  </p:stCondLst>
+                                  <p:childTnLst>
+                                    <p:set>
+                                      <p:cBhvr>
+                                        <p:cTn id="26" dur="1" fill="hold">
+                                          <p:stCondLst>
+                                            <p:cond delay="0"/>
+                                          </p:stCondLst>
+                                        </p:cTn>
+                                        <p:tgtEl>
+                                          <p:spTgt spid="9"/>
+                                        </p:tgtEl>
+                                        <p:attrNameLst>
+                                          <p:attrName>style.visibility</p:attrName>
+                                        </p:attrNameLst>
+                                      </p:cBhvr>
+                                      <p:to>
+                                        <p:strVal val="visible"/>
+                                      </p:to>
+                                    </p:set>
+                                    <p:animEffect transition="in" filter="fade">
+                                      <p:cBhvr>
+                                        <p:cTn id="27" dur="500"/>
+                                        <p:tgtEl>
+                                          <p:spTgt spid="9"/>
+                                        </p:tgtEl>
+                                      </p:cBhvr>
+                                    </p:animEffect>
+                                  </p:childTnLst>
+                                </p:cTn>
+                              </p:par>
+                              <p:par>
+                                <p:cTn id="28" presetID="10" presetClass="entr" presetSubtype="0" fill="hold" nodeType="withEffect">
+                                  <p:stCondLst>
+                                    <p:cond delay="0"/>
+                                  </p:stCondLst>
+                                  <p:childTnLst>
+                                    <p:set>
+                                      <p:cBhvr>
+                                        <p:cTn id="29" dur="1" fill="hold">
+                                          <p:stCondLst>
+                                            <p:cond delay="0"/>
+                                          </p:stCondLst>
+                                        </p:cTn>
+                                        <p:tgtEl>
+                                          <p:spTgt spid="15"/>
+                                        </p:tgtEl>
+                                        <p:attrNameLst>
+                                          <p:attrName>style.visibility</p:attrName>
+                                        </p:attrNameLst>
+                                      </p:cBhvr>
+                                      <p:to>
+                                        <p:strVal val="visible"/>
+                                      </p:to>
+                                    </p:set>
+                                    <p:animEffect transition="in" filter="fade">
+                                      <p:cBhvr>
+                                        <p:cTn id="30" dur="500"/>
+                                        <p:tgtEl>
+                                          <p:spTgt spid="15"/>
+                                        </p:tgtEl>
+                                      </p:cBhvr>
+                                    </p:animEffect>
+                                  </p:childTnLst>
+                                </p:cTn>
+                              </p:par>
+                              <p:par>
+                                <p:cTn id="31" presetID="10" presetClass="entr" presetSubtype="0" fill="hold" grpId="0" nodeType="withEffect">
+                                  <p:stCondLst>
+                                    <p:cond delay="0"/>
+                                  </p:stCondLst>
+                                  <p:childTnLst>
+                                    <p:set>
+                                      <p:cBhvr>
+                                        <p:cTn id="32" dur="1" fill="hold">
+                                          <p:stCondLst>
+                                            <p:cond delay="0"/>
+                                          </p:stCondLst>
+                                        </p:cTn>
+                                        <p:tgtEl>
+                                          <p:spTgt spid="29"/>
+                                        </p:tgtEl>
+                                        <p:attrNameLst>
+                                          <p:attrName>style.visibility</p:attrName>
+                                        </p:attrNameLst>
+                                      </p:cBhvr>
+                                      <p:to>
+                                        <p:strVal val="visible"/>
+                                      </p:to>
+                                    </p:set>
+                                    <p:animEffect transition="in" filter="fade">
+                                      <p:cBhvr>
+                                        <p:cTn id="33" dur="500"/>
+                                        <p:tgtEl>
+                                          <p:spTgt spid="29"/>
+                                        </p:tgtEl>
+                                      </p:cBhvr>
+                                    </p:animEffect>
+                                  </p:childTnLst>
+                                </p:cTn>
+                              </p:par>
+                              <p:par>
+                                <p:cTn id="34" presetID="10" presetClass="entr" presetSubtype="0" fill="hold" grpId="0" nodeType="withEffect">
+                                  <p:stCondLst>
+                                    <p:cond delay="0"/>
+                                  </p:stCondLst>
+                                  <p:childTnLst>
+                                    <p:set>
+                                      <p:cBhvr>
+                                        <p:cTn id="35" dur="1" fill="hold">
+                                          <p:stCondLst>
+                                            <p:cond delay="0"/>
+                                          </p:stCondLst>
+                                        </p:cTn>
+                                        <p:tgtEl>
+                                          <p:spTgt spid="32"/>
+                                        </p:tgtEl>
+                                        <p:attrNameLst>
+                                          <p:attrName>style.visibility</p:attrName>
+                                        </p:attrNameLst>
+                                      </p:cBhvr>
+                                      <p:to>
+                                        <p:strVal val="visible"/>
+                                      </p:to>
+                                    </p:set>
+                                    <p:animEffect transition="in" filter="fade">
+                                      <p:cBhvr>
+                                        <p:cTn id="36" dur="500"/>
+                                        <p:tgtEl>
+                                          <p:spTgt spid="32"/>
+                                        </p:tgtEl>
+                                      </p:cBhvr>
+                                    </p:animEffect>
+                                  </p:childTnLst>
+                                </p:cTn>
+                              </p:par>
+                              <p:par>
+                                <p:cTn id="37" presetID="10" presetClass="entr" presetSubtype="0" fill="hold" grpId="0" nodeType="withEffect">
+                                  <p:stCondLst>
+                                    <p:cond delay="0"/>
+                                  </p:stCondLst>
+                                  <p:childTnLst>
+                                    <p:set>
+                                      <p:cBhvr>
+                                        <p:cTn id="38" dur="1" fill="hold">
+                                          <p:stCondLst>
+                                            <p:cond delay="0"/>
+                                          </p:stCondLst>
+                                        </p:cTn>
+                                        <p:tgtEl>
+                                          <p:spTgt spid="31"/>
+                                        </p:tgtEl>
+                                        <p:attrNameLst>
+                                          <p:attrName>style.visibility</p:attrName>
+                                        </p:attrNameLst>
+                                      </p:cBhvr>
+                                      <p:to>
+                                        <p:strVal val="visible"/>
+                                      </p:to>
+                                    </p:set>
+                                    <p:animEffect transition="in" filter="fade">
+                                      <p:cBhvr>
+                                        <p:cTn id="39" dur="500"/>
+                                        <p:tgtEl>
+                                          <p:spTgt spid="31"/>
+                                        </p:tgtEl>
+                                      </p:cBhvr>
+                                    </p:animEffect>
+                                  </p:childTnLst>
+                                </p:cTn>
+                              </p:par>
+                              <p:par>
+                                <p:cTn id="40" presetID="10" presetClass="entr" presetSubtype="0" fill="hold" grpId="0" nodeType="withEffect">
+                                  <p:stCondLst>
+                                    <p:cond delay="0"/>
+                                  </p:stCondLst>
+                                  <p:childTnLst>
+                                    <p:set>
+                                      <p:cBhvr>
+                                        <p:cTn id="41" dur="1" fill="hold">
+                                          <p:stCondLst>
+                                            <p:cond delay="0"/>
+                                          </p:stCondLst>
+                                        </p:cTn>
+                                        <p:tgtEl>
+                                          <p:spTgt spid="30"/>
+                                        </p:tgtEl>
+                                        <p:attrNameLst>
+                                          <p:attrName>style.visibility</p:attrName>
+                                        </p:attrNameLst>
+                                      </p:cBhvr>
+                                      <p:to>
+                                        <p:strVal val="visible"/>
+                                      </p:to>
+                                    </p:set>
+                                    <p:animEffect transition="in" filter="fade">
+                                      <p:cBhvr>
+                                        <p:cTn id="42" dur="500"/>
+                                        <p:tgtEl>
+                                          <p:spTgt spid="30"/>
+                                        </p:tgtEl>
+                                      </p:cBhvr>
+                                    </p:animEffect>
+                                  </p:childTnLst>
+                                </p:cTn>
+                              </p:par>
+                            </p:childTnLst>
+                          </p:cTn>
+                        </p:par>
+                      </p:childTnLst>
+                    </p:cTn>
+                  </p:par>
+                </p:childTnLst>
+              </p:cTn>
+              <p:prevCondLst>
+                <p:cond evt="onPrev" delay="0">
+                  <p:tgtEl>
+                    <p:sldTgt/>
+                  </p:tgtEl>
+                </p:cond>
+              </p:prevCondLst>
+              <p:nextCondLst>
+                <p:cond evt="onNext" delay="0">
+                  <p:tgtEl>
+                    <p:sldTgt/>
+                  </p:tgtEl>
+                </p:cond>
+              </p:nextCondLst>
+            </p:seq>
+          </p:childTnLst>
+        </p:cTn>
       </p:par>
     </p:tnLst>
+    <p:bldLst>
+      <p:bldP spid="27" grpId="0"/>
+      <p:bldP spid="22" grpId="0"/>
+      <p:bldP spid="28" grpId="0"/>
+      <p:bldP spid="29" grpId="0"/>
+      <p:bldP spid="30" grpId="0" animBg="1"/>
+      <p:bldP spid="31" grpId="0" animBg="1"/>
+      <p:bldP spid="32" grpId="0" animBg="1"/>
+    </p:bldLst>
   </p:timing>
 </p:sld>
 </file>

--- a/presentation/Mixins and mixes in JavaScript.pptx
+++ b/presentation/Mixins and mixes in JavaScript.pptx
@@ -905,13 +905,13 @@
   <p:clrMapOvr>
     <a:masterClrMapping/>
   </p:clrMapOvr>
-  <mc:AlternateContent xmlns:mc="http://schemas.openxmlformats.org/markup-compatibility/2006">
-    <mc:Choice xmlns:p14="http://schemas.microsoft.com/office/powerpoint/2010/main" Requires="p14">
+  <mc:AlternateContent xmlns:mc="http://schemas.openxmlformats.org/markup-compatibility/2006" xmlns:p14="http://schemas.microsoft.com/office/powerpoint/2010/main">
+    <mc:Choice Requires="p14">
       <p:transition p14:dur="250">
         <p:fade/>
       </p:transition>
     </mc:Choice>
-    <mc:Fallback>
+    <mc:Fallback xmlns="">
       <p:transition>
         <p:fade/>
       </p:transition>
@@ -1087,13 +1087,13 @@
   <p:clrMapOvr>
     <a:masterClrMapping/>
   </p:clrMapOvr>
-  <mc:AlternateContent xmlns:mc="http://schemas.openxmlformats.org/markup-compatibility/2006">
-    <mc:Choice xmlns:p14="http://schemas.microsoft.com/office/powerpoint/2010/main" Requires="p14">
+  <mc:AlternateContent xmlns:mc="http://schemas.openxmlformats.org/markup-compatibility/2006" xmlns:p14="http://schemas.microsoft.com/office/powerpoint/2010/main">
+    <mc:Choice Requires="p14">
       <p:transition p14:dur="250">
         <p:fade/>
       </p:transition>
     </mc:Choice>
-    <mc:Fallback>
+    <mc:Fallback xmlns="">
       <p:transition>
         <p:fade/>
       </p:transition>
@@ -1279,13 +1279,13 @@
   <p:clrMapOvr>
     <a:masterClrMapping/>
   </p:clrMapOvr>
-  <mc:AlternateContent xmlns:mc="http://schemas.openxmlformats.org/markup-compatibility/2006">
-    <mc:Choice xmlns:p14="http://schemas.microsoft.com/office/powerpoint/2010/main" Requires="p14">
+  <mc:AlternateContent xmlns:mc="http://schemas.openxmlformats.org/markup-compatibility/2006" xmlns:p14="http://schemas.microsoft.com/office/powerpoint/2010/main">
+    <mc:Choice Requires="p14">
       <p:transition p14:dur="250">
         <p:fade/>
       </p:transition>
     </mc:Choice>
-    <mc:Fallback>
+    <mc:Fallback xmlns="">
       <p:transition>
         <p:fade/>
       </p:transition>
@@ -1461,13 +1461,13 @@
   <p:clrMapOvr>
     <a:masterClrMapping/>
   </p:clrMapOvr>
-  <mc:AlternateContent xmlns:mc="http://schemas.openxmlformats.org/markup-compatibility/2006">
-    <mc:Choice xmlns:p14="http://schemas.microsoft.com/office/powerpoint/2010/main" Requires="p14">
+  <mc:AlternateContent xmlns:mc="http://schemas.openxmlformats.org/markup-compatibility/2006" xmlns:p14="http://schemas.microsoft.com/office/powerpoint/2010/main">
+    <mc:Choice Requires="p14">
       <p:transition p14:dur="250">
         <p:fade/>
       </p:transition>
     </mc:Choice>
-    <mc:Fallback>
+    <mc:Fallback xmlns="">
       <p:transition>
         <p:fade/>
       </p:transition>
@@ -1719,13 +1719,13 @@
   <p:clrMapOvr>
     <a:masterClrMapping/>
   </p:clrMapOvr>
-  <mc:AlternateContent xmlns:mc="http://schemas.openxmlformats.org/markup-compatibility/2006">
-    <mc:Choice xmlns:p14="http://schemas.microsoft.com/office/powerpoint/2010/main" Requires="p14">
+  <mc:AlternateContent xmlns:mc="http://schemas.openxmlformats.org/markup-compatibility/2006" xmlns:p14="http://schemas.microsoft.com/office/powerpoint/2010/main">
+    <mc:Choice Requires="p14">
       <p:transition p14:dur="250">
         <p:fade/>
       </p:transition>
     </mc:Choice>
-    <mc:Fallback>
+    <mc:Fallback xmlns="">
       <p:transition>
         <p:fade/>
       </p:transition>
@@ -2019,13 +2019,13 @@
   <p:clrMapOvr>
     <a:masterClrMapping/>
   </p:clrMapOvr>
-  <mc:AlternateContent xmlns:mc="http://schemas.openxmlformats.org/markup-compatibility/2006">
-    <mc:Choice xmlns:p14="http://schemas.microsoft.com/office/powerpoint/2010/main" Requires="p14">
+  <mc:AlternateContent xmlns:mc="http://schemas.openxmlformats.org/markup-compatibility/2006" xmlns:p14="http://schemas.microsoft.com/office/powerpoint/2010/main">
+    <mc:Choice Requires="p14">
       <p:transition p14:dur="250">
         <p:fade/>
       </p:transition>
     </mc:Choice>
-    <mc:Fallback>
+    <mc:Fallback xmlns="">
       <p:transition>
         <p:fade/>
       </p:transition>
@@ -2453,13 +2453,13 @@
   <p:clrMapOvr>
     <a:masterClrMapping/>
   </p:clrMapOvr>
-  <mc:AlternateContent xmlns:mc="http://schemas.openxmlformats.org/markup-compatibility/2006">
-    <mc:Choice xmlns:p14="http://schemas.microsoft.com/office/powerpoint/2010/main" Requires="p14">
+  <mc:AlternateContent xmlns:mc="http://schemas.openxmlformats.org/markup-compatibility/2006" xmlns:p14="http://schemas.microsoft.com/office/powerpoint/2010/main">
+    <mc:Choice Requires="p14">
       <p:transition p14:dur="250">
         <p:fade/>
       </p:transition>
     </mc:Choice>
-    <mc:Fallback>
+    <mc:Fallback xmlns="">
       <p:transition>
         <p:fade/>
       </p:transition>
@@ -2583,13 +2583,13 @@
   <p:clrMapOvr>
     <a:masterClrMapping/>
   </p:clrMapOvr>
-  <mc:AlternateContent xmlns:mc="http://schemas.openxmlformats.org/markup-compatibility/2006">
-    <mc:Choice xmlns:p14="http://schemas.microsoft.com/office/powerpoint/2010/main" Requires="p14">
+  <mc:AlternateContent xmlns:mc="http://schemas.openxmlformats.org/markup-compatibility/2006" xmlns:p14="http://schemas.microsoft.com/office/powerpoint/2010/main">
+    <mc:Choice Requires="p14">
       <p:transition p14:dur="250">
         <p:fade/>
       </p:transition>
     </mc:Choice>
-    <mc:Fallback>
+    <mc:Fallback xmlns="">
       <p:transition>
         <p:fade/>
       </p:transition>
@@ -2690,13 +2690,13 @@
   <p:clrMapOvr>
     <a:masterClrMapping/>
   </p:clrMapOvr>
-  <mc:AlternateContent xmlns:mc="http://schemas.openxmlformats.org/markup-compatibility/2006">
-    <mc:Choice xmlns:p14="http://schemas.microsoft.com/office/powerpoint/2010/main" Requires="p14">
+  <mc:AlternateContent xmlns:mc="http://schemas.openxmlformats.org/markup-compatibility/2006" xmlns:p14="http://schemas.microsoft.com/office/powerpoint/2010/main">
+    <mc:Choice Requires="p14">
       <p:transition p14:dur="250">
         <p:fade/>
       </p:transition>
     </mc:Choice>
-    <mc:Fallback>
+    <mc:Fallback xmlns="">
       <p:transition>
         <p:fade/>
       </p:transition>
@@ -2979,13 +2979,13 @@
   <p:clrMapOvr>
     <a:masterClrMapping/>
   </p:clrMapOvr>
-  <mc:AlternateContent xmlns:mc="http://schemas.openxmlformats.org/markup-compatibility/2006">
-    <mc:Choice xmlns:p14="http://schemas.microsoft.com/office/powerpoint/2010/main" Requires="p14">
+  <mc:AlternateContent xmlns:mc="http://schemas.openxmlformats.org/markup-compatibility/2006" xmlns:p14="http://schemas.microsoft.com/office/powerpoint/2010/main">
+    <mc:Choice Requires="p14">
       <p:transition p14:dur="250">
         <p:fade/>
       </p:transition>
     </mc:Choice>
-    <mc:Fallback>
+    <mc:Fallback xmlns="">
       <p:transition>
         <p:fade/>
       </p:transition>
@@ -3244,13 +3244,13 @@
   <p:clrMapOvr>
     <a:masterClrMapping/>
   </p:clrMapOvr>
-  <mc:AlternateContent xmlns:mc="http://schemas.openxmlformats.org/markup-compatibility/2006">
-    <mc:Choice xmlns:p14="http://schemas.microsoft.com/office/powerpoint/2010/main" Requires="p14">
+  <mc:AlternateContent xmlns:mc="http://schemas.openxmlformats.org/markup-compatibility/2006" xmlns:p14="http://schemas.microsoft.com/office/powerpoint/2010/main">
+    <mc:Choice Requires="p14">
       <p:transition p14:dur="250">
         <p:fade/>
       </p:transition>
     </mc:Choice>
-    <mc:Fallback>
+    <mc:Fallback xmlns="">
       <p:transition>
         <p:fade/>
       </p:transition>
@@ -3521,13 +3521,13 @@
     <p:sldLayoutId id="2147483658" r:id="rId10"/>
     <p:sldLayoutId id="2147483659" r:id="rId11"/>
   </p:sldLayoutIdLst>
-  <mc:AlternateContent xmlns:mc="http://schemas.openxmlformats.org/markup-compatibility/2006">
-    <mc:Choice xmlns:p14="http://schemas.microsoft.com/office/powerpoint/2010/main" Requires="p14">
+  <mc:AlternateContent xmlns:mc="http://schemas.openxmlformats.org/markup-compatibility/2006" xmlns:p14="http://schemas.microsoft.com/office/powerpoint/2010/main">
+    <mc:Choice Requires="p14">
       <p:transition p14:dur="250">
         <p:fade/>
       </p:transition>
     </mc:Choice>
-    <mc:Fallback>
+    <mc:Fallback xmlns="">
       <p:transition>
         <p:fade/>
       </p:transition>
@@ -3888,13 +3888,13 @@
   <p:clrMapOvr>
     <a:masterClrMapping/>
   </p:clrMapOvr>
-  <mc:AlternateContent xmlns:mc="http://schemas.openxmlformats.org/markup-compatibility/2006">
-    <mc:Choice xmlns:p14="http://schemas.microsoft.com/office/powerpoint/2010/main" Requires="p14">
+  <mc:AlternateContent xmlns:mc="http://schemas.openxmlformats.org/markup-compatibility/2006" xmlns:p14="http://schemas.microsoft.com/office/powerpoint/2010/main">
+    <mc:Choice Requires="p14">
       <p:transition p14:dur="250">
         <p:fade/>
       </p:transition>
     </mc:Choice>
-    <mc:Fallback>
+    <mc:Fallback xmlns="">
       <p:transition>
         <p:fade/>
       </p:transition>
@@ -3976,13 +3976,13 @@
   <p:clrMapOvr>
     <a:masterClrMapping/>
   </p:clrMapOvr>
-  <mc:AlternateContent xmlns:mc="http://schemas.openxmlformats.org/markup-compatibility/2006">
-    <mc:Choice xmlns:p14="http://schemas.microsoft.com/office/powerpoint/2010/main" Requires="p14">
+  <mc:AlternateContent xmlns:mc="http://schemas.openxmlformats.org/markup-compatibility/2006" xmlns:p14="http://schemas.microsoft.com/office/powerpoint/2010/main">
+    <mc:Choice Requires="p14">
       <p:transition p14:dur="250">
         <p:fade/>
       </p:transition>
     </mc:Choice>
-    <mc:Fallback>
+    <mc:Fallback xmlns="">
       <p:transition>
         <p:fade/>
       </p:transition>
@@ -5020,13 +5020,13 @@
   <p:clrMapOvr>
     <a:masterClrMapping/>
   </p:clrMapOvr>
-  <mc:AlternateContent xmlns:mc="http://schemas.openxmlformats.org/markup-compatibility/2006">
-    <mc:Choice xmlns:p14="http://schemas.microsoft.com/office/powerpoint/2010/main" Requires="p14">
+  <mc:AlternateContent xmlns:mc="http://schemas.openxmlformats.org/markup-compatibility/2006" xmlns:p14="http://schemas.microsoft.com/office/powerpoint/2010/main">
+    <mc:Choice Requires="p14">
       <p:transition p14:dur="250">
         <p:fade/>
       </p:transition>
     </mc:Choice>
-    <mc:Fallback>
+    <mc:Fallback xmlns="">
       <p:transition>
         <p:fade/>
       </p:transition>
@@ -5883,13 +5883,13 @@
   <p:clrMapOvr>
     <a:masterClrMapping/>
   </p:clrMapOvr>
-  <mc:AlternateContent xmlns:mc="http://schemas.openxmlformats.org/markup-compatibility/2006">
-    <mc:Choice xmlns:p14="http://schemas.microsoft.com/office/powerpoint/2010/main" Requires="p14">
+  <mc:AlternateContent xmlns:mc="http://schemas.openxmlformats.org/markup-compatibility/2006" xmlns:p14="http://schemas.microsoft.com/office/powerpoint/2010/main">
+    <mc:Choice Requires="p14">
       <p:transition p14:dur="250">
         <p:fade/>
       </p:transition>
     </mc:Choice>
-    <mc:Fallback>
+    <mc:Fallback xmlns="">
       <p:transition>
         <p:fade/>
       </p:transition>
@@ -6066,13 +6066,13 @@
   <p:clrMapOvr>
     <a:masterClrMapping/>
   </p:clrMapOvr>
-  <mc:AlternateContent xmlns:mc="http://schemas.openxmlformats.org/markup-compatibility/2006">
-    <mc:Choice xmlns:p14="http://schemas.microsoft.com/office/powerpoint/2010/main" Requires="p14">
+  <mc:AlternateContent xmlns:mc="http://schemas.openxmlformats.org/markup-compatibility/2006" xmlns:p14="http://schemas.microsoft.com/office/powerpoint/2010/main">
+    <mc:Choice Requires="p14">
       <p:transition p14:dur="250">
         <p:fade/>
       </p:transition>
     </mc:Choice>
-    <mc:Fallback>
+    <mc:Fallback xmlns="">
       <p:transition>
         <p:fade/>
       </p:transition>
@@ -6155,13 +6155,13 @@
   <p:clrMapOvr>
     <a:masterClrMapping/>
   </p:clrMapOvr>
-  <mc:AlternateContent xmlns:mc="http://schemas.openxmlformats.org/markup-compatibility/2006">
-    <mc:Choice xmlns:p14="http://schemas.microsoft.com/office/powerpoint/2010/main" Requires="p14">
+  <mc:AlternateContent xmlns:mc="http://schemas.openxmlformats.org/markup-compatibility/2006" xmlns:p14="http://schemas.microsoft.com/office/powerpoint/2010/main">
+    <mc:Choice Requires="p14">
       <p:transition p14:dur="250">
         <p:fade/>
       </p:transition>
     </mc:Choice>
-    <mc:Fallback>
+    <mc:Fallback xmlns="">
       <p:transition>
         <p:fade/>
       </p:transition>
@@ -6779,13 +6779,13 @@
   <p:clrMapOvr>
     <a:masterClrMapping/>
   </p:clrMapOvr>
-  <mc:AlternateContent xmlns:mc="http://schemas.openxmlformats.org/markup-compatibility/2006">
-    <mc:Choice xmlns:p14="http://schemas.microsoft.com/office/powerpoint/2010/main" Requires="p14">
+  <mc:AlternateContent xmlns:mc="http://schemas.openxmlformats.org/markup-compatibility/2006" xmlns:p14="http://schemas.microsoft.com/office/powerpoint/2010/main">
+    <mc:Choice Requires="p14">
       <p:transition p14:dur="250">
         <p:fade/>
       </p:transition>
     </mc:Choice>
-    <mc:Fallback>
+    <mc:Fallback xmlns="">
       <p:transition>
         <p:fade/>
       </p:transition>
@@ -7723,13 +7723,13 @@
   <p:clrMapOvr>
     <a:masterClrMapping/>
   </p:clrMapOvr>
-  <mc:AlternateContent xmlns:mc="http://schemas.openxmlformats.org/markup-compatibility/2006">
-    <mc:Choice xmlns:p14="http://schemas.microsoft.com/office/powerpoint/2010/main" Requires="p14">
+  <mc:AlternateContent xmlns:mc="http://schemas.openxmlformats.org/markup-compatibility/2006" xmlns:p14="http://schemas.microsoft.com/office/powerpoint/2010/main">
+    <mc:Choice Requires="p14">
       <p:transition p14:dur="250">
         <p:fade/>
       </p:transition>
     </mc:Choice>
-    <mc:Fallback>
+    <mc:Fallback xmlns="">
       <p:transition>
         <p:fade/>
       </p:transition>
@@ -8916,13 +8916,13 @@
   <p:clrMapOvr>
     <a:masterClrMapping/>
   </p:clrMapOvr>
-  <mc:AlternateContent xmlns:mc="http://schemas.openxmlformats.org/markup-compatibility/2006">
-    <mc:Choice xmlns:p14="http://schemas.microsoft.com/office/powerpoint/2010/main" Requires="p14">
+  <mc:AlternateContent xmlns:mc="http://schemas.openxmlformats.org/markup-compatibility/2006" xmlns:p14="http://schemas.microsoft.com/office/powerpoint/2010/main">
+    <mc:Choice Requires="p14">
       <p:transition p14:dur="250">
         <p:fade/>
       </p:transition>
     </mc:Choice>
-    <mc:Fallback>
+    <mc:Fallback xmlns="">
       <p:transition>
         <p:fade/>
       </p:transition>
@@ -9567,13 +9567,13 @@
   <p:clrMapOvr>
     <a:masterClrMapping/>
   </p:clrMapOvr>
-  <mc:AlternateContent xmlns:mc="http://schemas.openxmlformats.org/markup-compatibility/2006">
-    <mc:Choice xmlns:p14="http://schemas.microsoft.com/office/powerpoint/2010/main" Requires="p14">
+  <mc:AlternateContent xmlns:mc="http://schemas.openxmlformats.org/markup-compatibility/2006" xmlns:p14="http://schemas.microsoft.com/office/powerpoint/2010/main">
+    <mc:Choice Requires="p14">
       <p:transition p14:dur="250">
         <p:fade/>
       </p:transition>
     </mc:Choice>
-    <mc:Fallback>
+    <mc:Fallback xmlns="">
       <p:transition>
         <p:fade/>
       </p:transition>
@@ -9821,8 +9821,17 @@
               <a:rPr lang="en-US" dirty="0" smtClean="0">
                 <a:latin typeface="Hand Of Sean" pitchFamily="2" charset="-128"/>
               </a:rPr>
-              <a:t>unplanned dependency</a:t>
-            </a:r>
+              <a:t>unplanned </a:t>
+            </a:r>
+            <a:r>
+              <a:rPr lang="en-US" dirty="0" smtClean="0">
+                <a:latin typeface="Hand Of Sean" pitchFamily="2" charset="-128"/>
+              </a:rPr>
+              <a:t>dependencies</a:t>
+            </a:r>
+            <a:endParaRPr lang="en-US" dirty="0" smtClean="0">
+              <a:latin typeface="Hand Of Sean" pitchFamily="2" charset="-128"/>
+            </a:endParaRPr>
           </a:p>
         </p:txBody>
       </p:sp>
@@ -9871,88 +9880,6 @@
           <a:lstStyle/>
           <a:p>
             <a:pPr algn="ctr"/>
-            <a:endParaRPr lang="en-US" dirty="0">
-              <a:latin typeface="Hand Of Sean" pitchFamily="2" charset="-128"/>
-            </a:endParaRPr>
-          </a:p>
-        </p:txBody>
-      </p:sp>
-      <p:sp>
-        <p:nvSpPr>
-          <p:cNvPr id="13" name="Båge 12"/>
-          <p:cNvSpPr/>
-          <p:nvPr/>
-        </p:nvSpPr>
-        <p:spPr>
-          <a:xfrm>
-            <a:off x="2747550" y="5315713"/>
-            <a:ext cx="720080" cy="435957"/>
-          </a:xfrm>
-          <a:prstGeom prst="arc">
-            <a:avLst/>
-          </a:prstGeom>
-          <a:ln w="19050">
-            <a:solidFill>
-              <a:schemeClr val="tx1">
-                <a:lumMod val="65000"/>
-                <a:lumOff val="35000"/>
-              </a:schemeClr>
-            </a:solidFill>
-          </a:ln>
-        </p:spPr>
-        <p:style>
-          <a:lnRef idx="1">
-            <a:schemeClr val="accent1"/>
-          </a:lnRef>
-          <a:fillRef idx="0">
-            <a:schemeClr val="accent1"/>
-          </a:fillRef>
-          <a:effectRef idx="0">
-            <a:schemeClr val="accent1"/>
-          </a:effectRef>
-          <a:fontRef idx="minor">
-            <a:schemeClr val="tx1"/>
-          </a:fontRef>
-        </p:style>
-        <p:txBody>
-          <a:bodyPr rtlCol="0" anchor="ctr"/>
-          <a:lstStyle/>
-          <a:p>
-            <a:pPr algn="ctr"/>
-            <a:endParaRPr lang="en-US" dirty="0">
-              <a:latin typeface="Hand Of Sean" pitchFamily="2" charset="-128"/>
-            </a:endParaRPr>
-          </a:p>
-        </p:txBody>
-      </p:sp>
-      <p:sp>
-        <p:nvSpPr>
-          <p:cNvPr id="14" name="textruta 13"/>
-          <p:cNvSpPr txBox="1"/>
-          <p:nvPr/>
-        </p:nvSpPr>
-        <p:spPr>
-          <a:xfrm>
-            <a:off x="3530766" y="5435932"/>
-            <a:ext cx="1568058" cy="369332"/>
-          </a:xfrm>
-          <a:prstGeom prst="rect">
-            <a:avLst/>
-          </a:prstGeom>
-          <a:noFill/>
-        </p:spPr>
-        <p:txBody>
-          <a:bodyPr wrap="none" rtlCol="0">
-            <a:spAutoFit/>
-          </a:bodyPr>
-          <a:lstStyle/>
-          <a:p>
-            <a:r>
-              <a:rPr lang="en-US" dirty="0" err="1" smtClean="0">
-                <a:latin typeface="Hand Of Sean" pitchFamily="2" charset="-128"/>
-              </a:rPr>
-              <a:t>connascence</a:t>
-            </a:r>
             <a:endParaRPr lang="en-US" dirty="0">
               <a:latin typeface="Hand Of Sean" pitchFamily="2" charset="-128"/>
             </a:endParaRPr>
@@ -10672,13 +10599,13 @@
   <p:clrMapOvr>
     <a:masterClrMapping/>
   </p:clrMapOvr>
-  <mc:AlternateContent xmlns:mc="http://schemas.openxmlformats.org/markup-compatibility/2006">
-    <mc:Choice xmlns:p14="http://schemas.microsoft.com/office/powerpoint/2010/main" Requires="p14">
+  <mc:AlternateContent xmlns:mc="http://schemas.openxmlformats.org/markup-compatibility/2006" xmlns:p14="http://schemas.microsoft.com/office/powerpoint/2010/main">
+    <mc:Choice Requires="p14">
       <p:transition p14:dur="250">
         <p:fade/>
       </p:transition>
     </mc:Choice>
-    <mc:Fallback>
+    <mc:Fallback xmlns="">
       <p:transition>
         <p:fade/>
       </p:transition>
@@ -11161,7 +11088,7 @@
                                 </p:cTn>
                               </p:par>
                               <p:par>
-                                <p:cTn id="45" presetID="10" presetClass="entr" presetSubtype="0" fill="hold" grpId="0" nodeType="withEffect">
+                                <p:cTn id="45" presetID="10" presetClass="entr" presetSubtype="0" fill="hold" nodeType="withEffect">
                                   <p:stCondLst>
                                     <p:cond delay="0"/>
                                   </p:stCondLst>
@@ -11174,7 +11101,7 @@
                                           </p:stCondLst>
                                         </p:cTn>
                                         <p:tgtEl>
-                                          <p:spTgt spid="13"/>
+                                          <p:spTgt spid="36"/>
                                         </p:tgtEl>
                                         <p:attrNameLst>
                                           <p:attrName>style.visibility</p:attrName>
@@ -11187,76 +11114,6 @@
                                     <p:animEffect transition="in" filter="fade">
                                       <p:cBhvr>
                                         <p:cTn id="47" dur="500"/>
-                                        <p:tgtEl>
-                                          <p:spTgt spid="13"/>
-                                        </p:tgtEl>
-                                      </p:cBhvr>
-                                    </p:animEffect>
-                                  </p:childTnLst>
-                                </p:cTn>
-                              </p:par>
-                              <p:par>
-                                <p:cTn id="48" presetID="10" presetClass="entr" presetSubtype="0" fill="hold" grpId="0" nodeType="withEffect">
-                                  <p:stCondLst>
-                                    <p:cond delay="0"/>
-                                  </p:stCondLst>
-                                  <p:childTnLst>
-                                    <p:set>
-                                      <p:cBhvr>
-                                        <p:cTn id="49" dur="1" fill="hold">
-                                          <p:stCondLst>
-                                            <p:cond delay="0"/>
-                                          </p:stCondLst>
-                                        </p:cTn>
-                                        <p:tgtEl>
-                                          <p:spTgt spid="14"/>
-                                        </p:tgtEl>
-                                        <p:attrNameLst>
-                                          <p:attrName>style.visibility</p:attrName>
-                                        </p:attrNameLst>
-                                      </p:cBhvr>
-                                      <p:to>
-                                        <p:strVal val="visible"/>
-                                      </p:to>
-                                    </p:set>
-                                    <p:animEffect transition="in" filter="fade">
-                                      <p:cBhvr>
-                                        <p:cTn id="50" dur="500"/>
-                                        <p:tgtEl>
-                                          <p:spTgt spid="14"/>
-                                        </p:tgtEl>
-                                      </p:cBhvr>
-                                    </p:animEffect>
-                                  </p:childTnLst>
-                                </p:cTn>
-                              </p:par>
-                              <p:par>
-                                <p:cTn id="51" presetID="10" presetClass="entr" presetSubtype="0" fill="hold" nodeType="withEffect">
-                                  <p:stCondLst>
-                                    <p:cond delay="0"/>
-                                  </p:stCondLst>
-                                  <p:childTnLst>
-                                    <p:set>
-                                      <p:cBhvr>
-                                        <p:cTn id="52" dur="1" fill="hold">
-                                          <p:stCondLst>
-                                            <p:cond delay="0"/>
-                                          </p:stCondLst>
-                                        </p:cTn>
-                                        <p:tgtEl>
-                                          <p:spTgt spid="36"/>
-                                        </p:tgtEl>
-                                        <p:attrNameLst>
-                                          <p:attrName>style.visibility</p:attrName>
-                                        </p:attrNameLst>
-                                      </p:cBhvr>
-                                      <p:to>
-                                        <p:strVal val="visible"/>
-                                      </p:to>
-                                    </p:set>
-                                    <p:animEffect transition="in" filter="fade">
-                                      <p:cBhvr>
-                                        <p:cTn id="53" dur="500"/>
                                         <p:tgtEl>
                                           <p:spTgt spid="36"/>
                                         </p:tgtEl>
@@ -11299,8 +11156,6 @@
       <p:bldP spid="9" grpId="0" animBg="1"/>
       <p:bldP spid="11" grpId="0"/>
       <p:bldP spid="12" grpId="0" animBg="1"/>
-      <p:bldP spid="13" grpId="0" animBg="1"/>
-      <p:bldP spid="14" grpId="0"/>
       <p:bldP spid="6" grpId="0"/>
       <p:bldP spid="15" grpId="0"/>
       <p:bldP spid="16" grpId="0"/>
@@ -11534,13 +11389,13 @@
   <p:clrMapOvr>
     <a:masterClrMapping/>
   </p:clrMapOvr>
-  <mc:AlternateContent xmlns:mc="http://schemas.openxmlformats.org/markup-compatibility/2006">
-    <mc:Choice xmlns:p14="http://schemas.microsoft.com/office/powerpoint/2010/main" Requires="p14">
+  <mc:AlternateContent xmlns:mc="http://schemas.openxmlformats.org/markup-compatibility/2006" xmlns:p14="http://schemas.microsoft.com/office/powerpoint/2010/main">
+    <mc:Choice Requires="p14">
       <p:transition p14:dur="250">
         <p:fade/>
       </p:transition>
     </mc:Choice>
-    <mc:Fallback>
+    <mc:Fallback xmlns="">
       <p:transition>
         <p:fade/>
       </p:transition>
@@ -11688,13 +11543,13 @@
   <p:clrMapOvr>
     <a:masterClrMapping/>
   </p:clrMapOvr>
-  <mc:AlternateContent xmlns:mc="http://schemas.openxmlformats.org/markup-compatibility/2006">
-    <mc:Choice xmlns:p14="http://schemas.microsoft.com/office/powerpoint/2010/main" Requires="p14">
+  <mc:AlternateContent xmlns:mc="http://schemas.openxmlformats.org/markup-compatibility/2006" xmlns:p14="http://schemas.microsoft.com/office/powerpoint/2010/main">
+    <mc:Choice Requires="p14">
       <p:transition p14:dur="250">
         <p:fade/>
       </p:transition>
     </mc:Choice>
-    <mc:Fallback>
+    <mc:Fallback xmlns="">
       <p:transition>
         <p:fade/>
       </p:transition>
@@ -11849,13 +11704,13 @@
   <p:clrMapOvr>
     <a:masterClrMapping/>
   </p:clrMapOvr>
-  <mc:AlternateContent xmlns:mc="http://schemas.openxmlformats.org/markup-compatibility/2006">
-    <mc:Choice xmlns:p14="http://schemas.microsoft.com/office/powerpoint/2010/main" Requires="p14">
+  <mc:AlternateContent xmlns:mc="http://schemas.openxmlformats.org/markup-compatibility/2006" xmlns:p14="http://schemas.microsoft.com/office/powerpoint/2010/main">
+    <mc:Choice Requires="p14">
       <p:transition p14:dur="250">
         <p:fade/>
       </p:transition>
     </mc:Choice>
-    <mc:Fallback>
+    <mc:Fallback xmlns="">
       <p:transition>
         <p:fade/>
       </p:transition>
@@ -12090,18 +11945,8 @@
               <a:rPr lang="en-US" sz="800" dirty="0">
                 <a:latin typeface="Arial Narrow" pitchFamily="34" charset="0"/>
               </a:rPr>
-              <a:t>http://www.skyddsprodukter.se/huvudskydd/skyddshjalmar/standardhjalmar/?sp=21&amp;vm</a:t>
-            </a:r>
-            <a:r>
-              <a:rPr lang="en-US" sz="800" dirty="0">
-                <a:latin typeface="Arial Narrow" pitchFamily="34" charset="0"/>
-                <a:hlinkClick r:id="rId3"/>
-              </a:rPr>
-              <a:t>=</a:t>
-            </a:r>
-            <a:endParaRPr lang="en-US" sz="800" dirty="0">
-              <a:latin typeface="Arial Narrow" pitchFamily="34" charset="0"/>
-            </a:endParaRPr>
+              <a:t>http://www.skyddsprodukter.se/huvudskydd/skyddshjalmar/standardhjalmar/?sp=21&amp;vm=</a:t>
+            </a:r>
           </a:p>
           <a:p>
             <a:endParaRPr lang="en-US" sz="800" dirty="0" smtClean="0">
@@ -12113,6 +11958,47 @@
       <p:pic>
         <p:nvPicPr>
           <p:cNvPr id="1026" name="Picture 2" descr="http://www.iiasa.ac.at/RSS/rss-button.jpg"/>
+          <p:cNvPicPr>
+            <a:picLocks noChangeAspect="1" noChangeArrowheads="1"/>
+          </p:cNvPicPr>
+          <p:nvPr/>
+        </p:nvPicPr>
+        <p:blipFill>
+          <a:blip r:embed="rId3" cstate="print">
+            <a:extLst>
+              <a:ext uri="{28A0092B-C50C-407E-A947-70E740481C1C}">
+                <a14:useLocalDpi xmlns:a14="http://schemas.microsoft.com/office/drawing/2010/main" val="0"/>
+              </a:ext>
+            </a:extLst>
+          </a:blip>
+          <a:srcRect/>
+          <a:stretch>
+            <a:fillRect/>
+          </a:stretch>
+        </p:blipFill>
+        <p:spPr bwMode="auto">
+          <a:xfrm>
+            <a:off x="1331640" y="4077072"/>
+            <a:ext cx="576064" cy="576064"/>
+          </a:xfrm>
+          <a:prstGeom prst="rect">
+            <a:avLst/>
+          </a:prstGeom>
+          <a:noFill/>
+          <a:extLst>
+            <a:ext uri="{909E8E84-426E-40DD-AFC4-6F175D3DCCD1}">
+              <a14:hiddenFill xmlns:a14="http://schemas.microsoft.com/office/drawing/2010/main">
+                <a:solidFill>
+                  <a:srgbClr val="FFFFFF"/>
+                </a:solidFill>
+              </a14:hiddenFill>
+            </a:ext>
+          </a:extLst>
+        </p:spPr>
+      </p:pic>
+      <p:pic>
+        <p:nvPicPr>
+          <p:cNvPr id="1028" name="Picture 4" descr="http://www.erikzona.com/wp-content/uploads/2011/05/twitter-bird.jpg"/>
           <p:cNvPicPr>
             <a:picLocks noChangeAspect="1" noChangeArrowheads="1"/>
           </p:cNvPicPr>
@@ -12133,8 +12019,8 @@
         </p:blipFill>
         <p:spPr bwMode="auto">
           <a:xfrm>
-            <a:off x="1331640" y="4077072"/>
-            <a:ext cx="576064" cy="576064"/>
+            <a:off x="2627784" y="2852936"/>
+            <a:ext cx="845371" cy="634028"/>
           </a:xfrm>
           <a:prstGeom prst="rect">
             <a:avLst/>
@@ -12151,47 +12037,6 @@
           </a:extLst>
         </p:spPr>
       </p:pic>
-      <p:pic>
-        <p:nvPicPr>
-          <p:cNvPr id="1028" name="Picture 4" descr="http://www.erikzona.com/wp-content/uploads/2011/05/twitter-bird.jpg"/>
-          <p:cNvPicPr>
-            <a:picLocks noChangeAspect="1" noChangeArrowheads="1"/>
-          </p:cNvPicPr>
-          <p:nvPr/>
-        </p:nvPicPr>
-        <p:blipFill>
-          <a:blip r:embed="rId5" cstate="print">
-            <a:extLst>
-              <a:ext uri="{28A0092B-C50C-407E-A947-70E740481C1C}">
-                <a14:useLocalDpi xmlns:a14="http://schemas.microsoft.com/office/drawing/2010/main" val="0"/>
-              </a:ext>
-            </a:extLst>
-          </a:blip>
-          <a:srcRect/>
-          <a:stretch>
-            <a:fillRect/>
-          </a:stretch>
-        </p:blipFill>
-        <p:spPr bwMode="auto">
-          <a:xfrm>
-            <a:off x="2627784" y="2852936"/>
-            <a:ext cx="845371" cy="634028"/>
-          </a:xfrm>
-          <a:prstGeom prst="rect">
-            <a:avLst/>
-          </a:prstGeom>
-          <a:noFill/>
-          <a:extLst>
-            <a:ext uri="{909E8E84-426E-40DD-AFC4-6F175D3DCCD1}">
-              <a14:hiddenFill xmlns:a14="http://schemas.microsoft.com/office/drawing/2010/main">
-                <a:solidFill>
-                  <a:srgbClr val="FFFFFF"/>
-                </a:solidFill>
-              </a14:hiddenFill>
-            </a:ext>
-          </a:extLst>
-        </p:spPr>
-      </p:pic>
       <p:sp>
         <p:nvSpPr>
           <p:cNvPr id="4" name="textruta 3"/>
@@ -12344,13 +12189,13 @@
   <p:clrMapOvr>
     <a:masterClrMapping/>
   </p:clrMapOvr>
-  <mc:AlternateContent xmlns:mc="http://schemas.openxmlformats.org/markup-compatibility/2006">
-    <mc:Choice xmlns:p14="http://schemas.microsoft.com/office/powerpoint/2010/main" Requires="p14">
+  <mc:AlternateContent xmlns:mc="http://schemas.openxmlformats.org/markup-compatibility/2006" xmlns:p14="http://schemas.microsoft.com/office/powerpoint/2010/main">
+    <mc:Choice Requires="p14">
       <p:transition p14:dur="250">
         <p:fade/>
       </p:transition>
     </mc:Choice>
-    <mc:Fallback>
+    <mc:Fallback xmlns="">
       <p:transition>
         <p:fade/>
       </p:transition>
@@ -13176,13 +13021,13 @@
   <p:clrMapOvr>
     <a:masterClrMapping/>
   </p:clrMapOvr>
-  <mc:AlternateContent xmlns:mc="http://schemas.openxmlformats.org/markup-compatibility/2006">
-    <mc:Choice xmlns:p14="http://schemas.microsoft.com/office/powerpoint/2010/main" Requires="p14">
+  <mc:AlternateContent xmlns:mc="http://schemas.openxmlformats.org/markup-compatibility/2006" xmlns:p14="http://schemas.microsoft.com/office/powerpoint/2010/main">
+    <mc:Choice Requires="p14">
       <p:transition p14:dur="250">
         <p:fade/>
       </p:transition>
     </mc:Choice>
-    <mc:Fallback>
+    <mc:Fallback xmlns="">
       <p:transition>
         <p:fade/>
       </p:transition>
@@ -14193,13 +14038,13 @@
   <p:clrMapOvr>
     <a:masterClrMapping/>
   </p:clrMapOvr>
-  <mc:AlternateContent xmlns:mc="http://schemas.openxmlformats.org/markup-compatibility/2006">
-    <mc:Choice xmlns:p14="http://schemas.microsoft.com/office/powerpoint/2010/main" Requires="p14">
+  <mc:AlternateContent xmlns:mc="http://schemas.openxmlformats.org/markup-compatibility/2006" xmlns:p14="http://schemas.microsoft.com/office/powerpoint/2010/main">
+    <mc:Choice Requires="p14">
       <p:transition p14:dur="250">
         <p:fade/>
       </p:transition>
     </mc:Choice>
-    <mc:Fallback>
+    <mc:Fallback xmlns="">
       <p:transition>
         <p:fade/>
       </p:transition>
@@ -14727,13 +14572,13 @@
   <p:clrMapOvr>
     <a:masterClrMapping/>
   </p:clrMapOvr>
-  <mc:AlternateContent xmlns:mc="http://schemas.openxmlformats.org/markup-compatibility/2006">
-    <mc:Choice xmlns:p14="http://schemas.microsoft.com/office/powerpoint/2010/main" Requires="p14">
+  <mc:AlternateContent xmlns:mc="http://schemas.openxmlformats.org/markup-compatibility/2006" xmlns:p14="http://schemas.microsoft.com/office/powerpoint/2010/main">
+    <mc:Choice Requires="p14">
       <p:transition p14:dur="250">
         <p:fade/>
       </p:transition>
     </mc:Choice>
-    <mc:Fallback>
+    <mc:Fallback xmlns="">
       <p:transition>
         <p:fade/>
       </p:transition>
@@ -15544,13 +15389,13 @@
   <p:clrMapOvr>
     <a:masterClrMapping/>
   </p:clrMapOvr>
-  <mc:AlternateContent xmlns:mc="http://schemas.openxmlformats.org/markup-compatibility/2006">
-    <mc:Choice xmlns:p14="http://schemas.microsoft.com/office/powerpoint/2010/main" Requires="p14">
+  <mc:AlternateContent xmlns:mc="http://schemas.openxmlformats.org/markup-compatibility/2006" xmlns:p14="http://schemas.microsoft.com/office/powerpoint/2010/main">
+    <mc:Choice Requires="p14">
       <p:transition p14:dur="250">
         <p:fade/>
       </p:transition>
     </mc:Choice>
-    <mc:Fallback>
+    <mc:Fallback xmlns="">
       <p:transition>
         <p:fade/>
       </p:transition>
@@ -16186,13 +16031,13 @@
   <p:clrMapOvr>
     <a:masterClrMapping/>
   </p:clrMapOvr>
-  <mc:AlternateContent xmlns:mc="http://schemas.openxmlformats.org/markup-compatibility/2006">
-    <mc:Choice xmlns:p14="http://schemas.microsoft.com/office/powerpoint/2010/main" Requires="p14">
+  <mc:AlternateContent xmlns:mc="http://schemas.openxmlformats.org/markup-compatibility/2006" xmlns:p14="http://schemas.microsoft.com/office/powerpoint/2010/main">
+    <mc:Choice Requires="p14">
       <p:transition p14:dur="250">
         <p:fade/>
       </p:transition>
     </mc:Choice>
-    <mc:Fallback>
+    <mc:Fallback xmlns="">
       <p:transition>
         <p:fade/>
       </p:transition>
@@ -16577,13 +16422,13 @@
   <p:clrMapOvr>
     <a:masterClrMapping/>
   </p:clrMapOvr>
-  <mc:AlternateContent xmlns:mc="http://schemas.openxmlformats.org/markup-compatibility/2006">
-    <mc:Choice xmlns:p14="http://schemas.microsoft.com/office/powerpoint/2010/main" Requires="p14">
+  <mc:AlternateContent xmlns:mc="http://schemas.openxmlformats.org/markup-compatibility/2006" xmlns:p14="http://schemas.microsoft.com/office/powerpoint/2010/main">
+    <mc:Choice Requires="p14">
       <p:transition p14:dur="250">
         <p:fade/>
       </p:transition>
     </mc:Choice>
-    <mc:Fallback>
+    <mc:Fallback xmlns="">
       <p:transition>
         <p:fade/>
       </p:transition>
@@ -17484,13 +17329,13 @@
   <p:clrMapOvr>
     <a:masterClrMapping/>
   </p:clrMapOvr>
-  <mc:AlternateContent xmlns:mc="http://schemas.openxmlformats.org/markup-compatibility/2006">
-    <mc:Choice xmlns:p14="http://schemas.microsoft.com/office/powerpoint/2010/main" Requires="p14">
+  <mc:AlternateContent xmlns:mc="http://schemas.openxmlformats.org/markup-compatibility/2006" xmlns:p14="http://schemas.microsoft.com/office/powerpoint/2010/main">
+    <mc:Choice Requires="p14">
       <p:transition p14:dur="250">
         <p:fade/>
       </p:transition>
     </mc:Choice>
-    <mc:Fallback>
+    <mc:Fallback xmlns="">
       <p:transition>
         <p:fade/>
       </p:transition>

--- a/presentation/Mixins and mixes in JavaScript.pptx
+++ b/presentation/Mixins and mixes in JavaScript.pptx
@@ -218,7 +218,7 @@
             <a:fld id="{24BFD8FF-9AB3-45C7-9A21-B9183580EF10}" type="datetimeFigureOut">
               <a:rPr lang="en-US" smtClean="0"/>
               <a:pPr/>
-              <a:t>6/21/2011</a:t>
+              <a:t>6/22/2011</a:t>
             </a:fld>
             <a:endParaRPr lang="en-US" dirty="0"/>
           </a:p>
@@ -847,7 +847,7 @@
           <a:p>
             <a:fld id="{F66A90CE-C256-4169-9CD7-E7275130769D}" type="datetimeFigureOut">
               <a:rPr lang="en-US" smtClean="0"/>
-              <a:t>6/21/2011</a:t>
+              <a:t>6/22/2011</a:t>
             </a:fld>
             <a:endParaRPr lang="en-US"/>
           </a:p>
@@ -1029,7 +1029,7 @@
           <a:p>
             <a:fld id="{F66A90CE-C256-4169-9CD7-E7275130769D}" type="datetimeFigureOut">
               <a:rPr lang="en-US" smtClean="0"/>
-              <a:t>6/21/2011</a:t>
+              <a:t>6/22/2011</a:t>
             </a:fld>
             <a:endParaRPr lang="en-US"/>
           </a:p>
@@ -1221,7 +1221,7 @@
           <a:p>
             <a:fld id="{F66A90CE-C256-4169-9CD7-E7275130769D}" type="datetimeFigureOut">
               <a:rPr lang="en-US" smtClean="0"/>
-              <a:t>6/21/2011</a:t>
+              <a:t>6/22/2011</a:t>
             </a:fld>
             <a:endParaRPr lang="en-US"/>
           </a:p>
@@ -1403,7 +1403,7 @@
           <a:p>
             <a:fld id="{F66A90CE-C256-4169-9CD7-E7275130769D}" type="datetimeFigureOut">
               <a:rPr lang="en-US" smtClean="0"/>
-              <a:t>6/21/2011</a:t>
+              <a:t>6/22/2011</a:t>
             </a:fld>
             <a:endParaRPr lang="en-US"/>
           </a:p>
@@ -1661,7 +1661,7 @@
           <a:p>
             <a:fld id="{F66A90CE-C256-4169-9CD7-E7275130769D}" type="datetimeFigureOut">
               <a:rPr lang="en-US" smtClean="0"/>
-              <a:t>6/21/2011</a:t>
+              <a:t>6/22/2011</a:t>
             </a:fld>
             <a:endParaRPr lang="en-US"/>
           </a:p>
@@ -1961,7 +1961,7 @@
           <a:p>
             <a:fld id="{F66A90CE-C256-4169-9CD7-E7275130769D}" type="datetimeFigureOut">
               <a:rPr lang="en-US" smtClean="0"/>
-              <a:t>6/21/2011</a:t>
+              <a:t>6/22/2011</a:t>
             </a:fld>
             <a:endParaRPr lang="en-US"/>
           </a:p>
@@ -2395,7 +2395,7 @@
           <a:p>
             <a:fld id="{F66A90CE-C256-4169-9CD7-E7275130769D}" type="datetimeFigureOut">
               <a:rPr lang="en-US" smtClean="0"/>
-              <a:t>6/21/2011</a:t>
+              <a:t>6/22/2011</a:t>
             </a:fld>
             <a:endParaRPr lang="en-US"/>
           </a:p>
@@ -2525,7 +2525,7 @@
           <a:p>
             <a:fld id="{F66A90CE-C256-4169-9CD7-E7275130769D}" type="datetimeFigureOut">
               <a:rPr lang="en-US" smtClean="0"/>
-              <a:t>6/21/2011</a:t>
+              <a:t>6/22/2011</a:t>
             </a:fld>
             <a:endParaRPr lang="en-US"/>
           </a:p>
@@ -2632,7 +2632,7 @@
           <a:p>
             <a:fld id="{F66A90CE-C256-4169-9CD7-E7275130769D}" type="datetimeFigureOut">
               <a:rPr lang="en-US" smtClean="0"/>
-              <a:t>6/21/2011</a:t>
+              <a:t>6/22/2011</a:t>
             </a:fld>
             <a:endParaRPr lang="en-US"/>
           </a:p>
@@ -2921,7 +2921,7 @@
           <a:p>
             <a:fld id="{F66A90CE-C256-4169-9CD7-E7275130769D}" type="datetimeFigureOut">
               <a:rPr lang="en-US" smtClean="0"/>
-              <a:t>6/21/2011</a:t>
+              <a:t>6/22/2011</a:t>
             </a:fld>
             <a:endParaRPr lang="en-US"/>
           </a:p>
@@ -3186,7 +3186,7 @@
           <a:p>
             <a:fld id="{F66A90CE-C256-4169-9CD7-E7275130769D}" type="datetimeFigureOut">
               <a:rPr lang="en-US" smtClean="0"/>
-              <a:t>6/21/2011</a:t>
+              <a:t>6/22/2011</a:t>
             </a:fld>
             <a:endParaRPr lang="en-US"/>
           </a:p>
@@ -3413,7 +3413,7 @@
             <a:fld id="{F66A90CE-C256-4169-9CD7-E7275130769D}" type="datetimeFigureOut">
               <a:rPr lang="en-US" smtClean="0"/>
               <a:pPr/>
-              <a:t>6/21/2011</a:t>
+              <a:t>6/22/2011</a:t>
             </a:fld>
             <a:endParaRPr lang="en-US" dirty="0"/>
           </a:p>
@@ -5010,6 +5010,131 @@
           </a:extLst>
         </p:spPr>
       </p:pic>
+      <p:sp>
+        <p:nvSpPr>
+          <p:cNvPr id="27" name="Båge 26"/>
+          <p:cNvSpPr/>
+          <p:nvPr/>
+        </p:nvSpPr>
+        <p:spPr>
+          <a:xfrm>
+            <a:off x="3494597" y="915370"/>
+            <a:ext cx="500294" cy="2945678"/>
+          </a:xfrm>
+          <a:prstGeom prst="arc">
+            <a:avLst/>
+          </a:prstGeom>
+          <a:ln w="19050">
+            <a:solidFill>
+              <a:schemeClr val="tx1">
+                <a:lumMod val="65000"/>
+                <a:lumOff val="35000"/>
+              </a:schemeClr>
+            </a:solidFill>
+          </a:ln>
+        </p:spPr>
+        <p:style>
+          <a:lnRef idx="1">
+            <a:schemeClr val="accent1"/>
+          </a:lnRef>
+          <a:fillRef idx="0">
+            <a:schemeClr val="accent1"/>
+          </a:fillRef>
+          <a:effectRef idx="0">
+            <a:schemeClr val="accent1"/>
+          </a:effectRef>
+          <a:fontRef idx="minor">
+            <a:schemeClr val="tx1"/>
+          </a:fontRef>
+        </p:style>
+        <p:txBody>
+          <a:bodyPr rtlCol="0" anchor="ctr"/>
+          <a:lstStyle/>
+          <a:p>
+            <a:pPr algn="ctr"/>
+            <a:endParaRPr lang="en-US" dirty="0">
+              <a:latin typeface="Hand Of Sean" pitchFamily="2" charset="-128"/>
+            </a:endParaRPr>
+          </a:p>
+        </p:txBody>
+      </p:sp>
+      <p:sp>
+        <p:nvSpPr>
+          <p:cNvPr id="8" name="textruta 7"/>
+          <p:cNvSpPr txBox="1"/>
+          <p:nvPr/>
+        </p:nvSpPr>
+        <p:spPr>
+          <a:xfrm>
+            <a:off x="3037988" y="754208"/>
+            <a:ext cx="704039" cy="369332"/>
+          </a:xfrm>
+          <a:prstGeom prst="rect">
+            <a:avLst/>
+          </a:prstGeom>
+          <a:noFill/>
+        </p:spPr>
+        <p:txBody>
+          <a:bodyPr wrap="none" rtlCol="0">
+            <a:spAutoFit/>
+          </a:bodyPr>
+          <a:lstStyle/>
+          <a:p>
+            <a:r>
+              <a:rPr lang="sv-SE" dirty="0" err="1" smtClean="0">
+                <a:latin typeface="Hand Of Sean" pitchFamily="2" charset="-128"/>
+                <a:ea typeface="Hand Of Sean" pitchFamily="2" charset="-128"/>
+              </a:rPr>
+              <a:t>roles</a:t>
+            </a:r>
+            <a:endParaRPr lang="en-US" dirty="0">
+              <a:latin typeface="Hand Of Sean" pitchFamily="2" charset="-128"/>
+              <a:ea typeface="Hand Of Sean" pitchFamily="2" charset="-128"/>
+            </a:endParaRPr>
+          </a:p>
+        </p:txBody>
+      </p:sp>
+      <p:pic>
+        <p:nvPicPr>
+          <p:cNvPr id="2050" name="Picture 2" descr="http://www.uen.org/cte/family/life_management/images/roles.png"/>
+          <p:cNvPicPr>
+            <a:picLocks noChangeAspect="1" noChangeArrowheads="1"/>
+          </p:cNvPicPr>
+          <p:nvPr/>
+        </p:nvPicPr>
+        <p:blipFill>
+          <a:blip r:embed="rId5">
+            <a:extLst>
+              <a:ext uri="{28A0092B-C50C-407E-A947-70E740481C1C}">
+                <a14:useLocalDpi xmlns:a14="http://schemas.microsoft.com/office/drawing/2010/main" val="0"/>
+              </a:ext>
+            </a:extLst>
+          </a:blip>
+          <a:srcRect/>
+          <a:stretch>
+            <a:fillRect/>
+          </a:stretch>
+        </p:blipFill>
+        <p:spPr bwMode="auto">
+          <a:xfrm>
+            <a:off x="2438333" y="649753"/>
+            <a:ext cx="578243" cy="578243"/>
+          </a:xfrm>
+          <a:prstGeom prst="rect">
+            <a:avLst/>
+          </a:prstGeom>
+          <a:noFill/>
+          <a:extLst>
+            <a:ext uri="{909E8E84-426E-40DD-AFC4-6F175D3DCCD1}">
+              <a14:hiddenFill xmlns:a14="http://schemas.microsoft.com/office/drawing/2010/main">
+                <a:solidFill>
+                  <a:srgbClr val="FFFFFF"/>
+                </a:solidFill>
+              </a14:hiddenFill>
+            </a:ext>
+          </a:extLst>
+        </p:spPr>
+      </p:pic>
     </p:spTree>
     <p:extLst>
       <p:ext uri="{BB962C8B-B14F-4D97-AF65-F5344CB8AC3E}">
@@ -5770,6 +5895,41 @@
                                   </p:childTnLst>
                                 </p:cTn>
                               </p:par>
+                              <p:par>
+                                <p:cTn id="67" presetID="10" presetClass="entr" presetSubtype="0" fill="hold" grpId="0" nodeType="withEffect">
+                                  <p:stCondLst>
+                                    <p:cond delay="0"/>
+                                  </p:stCondLst>
+                                  <p:childTnLst>
+                                    <p:set>
+                                      <p:cBhvr>
+                                        <p:cTn id="68" dur="1" fill="hold">
+                                          <p:stCondLst>
+                                            <p:cond delay="0"/>
+                                          </p:stCondLst>
+                                        </p:cTn>
+                                        <p:tgtEl>
+                                          <p:spTgt spid="27"/>
+                                        </p:tgtEl>
+                                        <p:attrNameLst>
+                                          <p:attrName>style.visibility</p:attrName>
+                                        </p:attrNameLst>
+                                      </p:cBhvr>
+                                      <p:to>
+                                        <p:strVal val="visible"/>
+                                      </p:to>
+                                    </p:set>
+                                    <p:animEffect transition="in" filter="fade">
+                                      <p:cBhvr>
+                                        <p:cTn id="69" dur="500"/>
+                                        <p:tgtEl>
+                                          <p:spTgt spid="27"/>
+                                        </p:tgtEl>
+                                      </p:cBhvr>
+                                    </p:animEffect>
+                                  </p:childTnLst>
+                                </p:cTn>
+                              </p:par>
                             </p:childTnLst>
                           </p:cTn>
                         </p:par>
@@ -5811,6 +5971,7 @@
       <p:bldP spid="20" grpId="0" animBg="1"/>
       <p:bldP spid="48" grpId="0" animBg="1"/>
       <p:bldP spid="50" grpId="0" animBg="1"/>
+      <p:bldP spid="27" grpId="0" animBg="1"/>
     </p:bldLst>
   </p:timing>
 </p:sld>
@@ -9821,17 +9982,8 @@
               <a:rPr lang="en-US" dirty="0" smtClean="0">
                 <a:latin typeface="Hand Of Sean" pitchFamily="2" charset="-128"/>
               </a:rPr>
-              <a:t>unplanned </a:t>
-            </a:r>
-            <a:r>
-              <a:rPr lang="en-US" dirty="0" smtClean="0">
-                <a:latin typeface="Hand Of Sean" pitchFamily="2" charset="-128"/>
-              </a:rPr>
-              <a:t>dependencies</a:t>
-            </a:r>
-            <a:endParaRPr lang="en-US" dirty="0" smtClean="0">
-              <a:latin typeface="Hand Of Sean" pitchFamily="2" charset="-128"/>
-            </a:endParaRPr>
+              <a:t>unplanned dependencies</a:t>
+            </a:r>
           </a:p>
         </p:txBody>
       </p:sp>
@@ -11207,16 +11359,12 @@
           <a:p>
             <a:r>
               <a:rPr lang="sv-SE" dirty="0" smtClean="0"/>
-              <a:t>Anders Jönsson</a:t>
+              <a:t/>
             </a:r>
             <a:br>
               <a:rPr lang="sv-SE" dirty="0" smtClean="0"/>
             </a:br>
             <a:r>
-              <a:rPr lang="sv-SE" dirty="0" smtClean="0"/>
-              <a:t>(               )</a:t>
-            </a:r>
-            <a:r>
               <a:rPr lang="sv-SE" dirty="0"/>
               <a:t/>
             </a:r>
@@ -11224,6 +11372,21 @@
               <a:rPr lang="sv-SE" dirty="0"/>
             </a:br>
             <a:r>
+              <a:rPr lang="sv-SE" dirty="0" smtClean="0"/>
+              <a:t>Anders </a:t>
+            </a:r>
+            <a:r>
+              <a:rPr lang="sv-SE" dirty="0" smtClean="0"/>
+              <a:t>Jönsson</a:t>
+            </a:r>
+            <a:br>
+              <a:rPr lang="sv-SE" dirty="0" smtClean="0"/>
+            </a:br>
+            <a:r>
+              <a:rPr lang="sv-SE" dirty="0" smtClean="0"/>
+              <a:t>(               )</a:t>
+            </a:r>
+            <a:r>
               <a:rPr lang="sv-SE" dirty="0"/>
               <a:t/>
             </a:r>
@@ -11231,6 +11394,13 @@
               <a:rPr lang="sv-SE" dirty="0"/>
             </a:br>
             <a:r>
+              <a:rPr lang="sv-SE" dirty="0"/>
+              <a:t/>
+            </a:r>
+            <a:br>
+              <a:rPr lang="sv-SE" dirty="0"/>
+            </a:br>
+            <a:r>
               <a:rPr lang="sv-SE" sz="3600" dirty="0" smtClean="0"/>
               <a:t>#anjonsson</a:t>
             </a:r>
@@ -11252,6 +11422,27 @@
               <a:rPr lang="sv-SE" sz="3600" dirty="0" smtClean="0"/>
               <a:t>andersjonsson.blogspot.com</a:t>
             </a:r>
+            <a:br>
+              <a:rPr lang="sv-SE" sz="3600" dirty="0" smtClean="0"/>
+            </a:br>
+            <a:r>
+              <a:rPr lang="sv-SE" sz="3600" dirty="0" smtClean="0"/>
+              <a:t/>
+            </a:r>
+            <a:br>
+              <a:rPr lang="sv-SE" sz="3600" dirty="0" smtClean="0"/>
+            </a:br>
+            <a:r>
+              <a:rPr lang="en-US" sz="3200" dirty="0" smtClean="0"/>
+              <a:t>github.com/archive</a:t>
+            </a:r>
+            <a:r>
+              <a:rPr lang="sv-SE" sz="3600" dirty="0"/>
+              <a:t/>
+            </a:r>
+            <a:br>
+              <a:rPr lang="sv-SE" sz="3600" dirty="0"/>
+            </a:br>
             <a:endParaRPr lang="en-US" sz="3600" dirty="0"/>
           </a:p>
         </p:txBody>
@@ -11320,7 +11511,7 @@
         </p:blipFill>
         <p:spPr bwMode="auto">
           <a:xfrm>
-            <a:off x="1331640" y="4293096"/>
+            <a:off x="1331640" y="4221088"/>
             <a:ext cx="576064" cy="576064"/>
           </a:xfrm>
           <a:prstGeom prst="rect">
@@ -11361,8 +11552,49 @@
         </p:blipFill>
         <p:spPr bwMode="auto">
           <a:xfrm>
-            <a:off x="2623335" y="3083004"/>
+            <a:off x="2623335" y="2996952"/>
             <a:ext cx="845371" cy="634028"/>
+          </a:xfrm>
+          <a:prstGeom prst="rect">
+            <a:avLst/>
+          </a:prstGeom>
+          <a:noFill/>
+          <a:extLst>
+            <a:ext uri="{909E8E84-426E-40DD-AFC4-6F175D3DCCD1}">
+              <a14:hiddenFill xmlns:a14="http://schemas.microsoft.com/office/drawing/2010/main">
+                <a:solidFill>
+                  <a:srgbClr val="FFFFFF"/>
+                </a:solidFill>
+              </a14:hiddenFill>
+            </a:ext>
+          </a:extLst>
+        </p:spPr>
+      </p:pic>
+      <p:pic>
+        <p:nvPicPr>
+          <p:cNvPr id="1026" name="Picture 2" descr="http://assets.warpspire.com/images/github/octocat.png"/>
+          <p:cNvPicPr>
+            <a:picLocks noChangeAspect="1" noChangeArrowheads="1"/>
+          </p:cNvPicPr>
+          <p:nvPr/>
+        </p:nvPicPr>
+        <p:blipFill>
+          <a:blip r:embed="rId5" cstate="print">
+            <a:extLst>
+              <a:ext uri="{28A0092B-C50C-407E-A947-70E740481C1C}">
+                <a14:useLocalDpi xmlns:a14="http://schemas.microsoft.com/office/drawing/2010/main" val="0"/>
+              </a:ext>
+            </a:extLst>
+          </a:blip>
+          <a:srcRect/>
+          <a:stretch>
+            <a:fillRect/>
+          </a:stretch>
+        </p:blipFill>
+        <p:spPr bwMode="auto">
+          <a:xfrm>
+            <a:off x="2123728" y="5013176"/>
+            <a:ext cx="759044" cy="759044"/>
           </a:xfrm>
           <a:prstGeom prst="rect">
             <a:avLst/>
@@ -11807,6 +12039,20 @@
               <a:rPr lang="en-US" sz="3600" dirty="0" smtClean="0"/>
               <a:t>andersjonsson.blogspot.com</a:t>
             </a:r>
+            <a:br>
+              <a:rPr lang="en-US" sz="3600" dirty="0" smtClean="0"/>
+            </a:br>
+            <a:r>
+              <a:rPr lang="en-US" sz="3600" dirty="0"/>
+              <a:t/>
+            </a:r>
+            <a:br>
+              <a:rPr lang="en-US" sz="3600" dirty="0"/>
+            </a:br>
+            <a:r>
+              <a:rPr lang="en-US" sz="3600" dirty="0"/>
+              <a:t>github.com/archive</a:t>
+            </a:r>
             <a:endParaRPr lang="en-US" sz="3600" dirty="0"/>
           </a:p>
         </p:txBody>
@@ -11819,8 +12065,8 @@
         </p:nvSpPr>
         <p:spPr>
           <a:xfrm>
-            <a:off x="0" y="5485357"/>
-            <a:ext cx="4716016" cy="1446550"/>
+            <a:off x="0" y="5445224"/>
+            <a:ext cx="4716016" cy="1569660"/>
           </a:xfrm>
           <a:prstGeom prst="rect">
             <a:avLst/>
@@ -11837,8 +12083,11 @@
               <a:rPr lang="en-US" sz="800" dirty="0" smtClean="0">
                 <a:latin typeface="Arial Narrow" pitchFamily="34" charset="0"/>
               </a:rPr>
-              <a:t>copyright belongs to:</a:t>
-            </a:r>
+              <a:t>images from:</a:t>
+            </a:r>
+            <a:endParaRPr lang="en-US" sz="800" dirty="0" smtClean="0">
+              <a:latin typeface="Arial Narrow" pitchFamily="34" charset="0"/>
+            </a:endParaRPr>
           </a:p>
           <a:p>
             <a:r>
@@ -11945,8 +12194,37 @@
               <a:rPr lang="en-US" sz="800" dirty="0">
                 <a:latin typeface="Arial Narrow" pitchFamily="34" charset="0"/>
               </a:rPr>
-              <a:t>http://www.skyddsprodukter.se/huvudskydd/skyddshjalmar/standardhjalmar/?sp=21&amp;vm=</a:t>
-            </a:r>
+              <a:t>http://www.skyddsprodukter.se/huvudskydd/skyddshjalmar/standardhjalmar/?sp=21&amp;vm</a:t>
+            </a:r>
+            <a:r>
+              <a:rPr lang="en-US" sz="800" dirty="0" smtClean="0">
+                <a:latin typeface="Arial Narrow" pitchFamily="34" charset="0"/>
+              </a:rPr>
+              <a:t>=</a:t>
+            </a:r>
+          </a:p>
+          <a:p>
+            <a:r>
+              <a:rPr lang="sv-SE" sz="800" dirty="0" err="1" smtClean="0">
+                <a:latin typeface="Arial Narrow" pitchFamily="34" charset="0"/>
+              </a:rPr>
+              <a:t>roles</a:t>
+            </a:r>
+            <a:r>
+              <a:rPr lang="sv-SE" sz="800" dirty="0" smtClean="0">
+                <a:latin typeface="Arial Narrow" pitchFamily="34" charset="0"/>
+              </a:rPr>
+              <a:t> - </a:t>
+            </a:r>
+            <a:r>
+              <a:rPr lang="en-US" sz="800" dirty="0">
+                <a:latin typeface="Arial Narrow" pitchFamily="34" charset="0"/>
+              </a:rPr>
+              <a:t>http://www.uen.org/cte/family/life_management/unit_3.shtml</a:t>
+            </a:r>
+            <a:endParaRPr lang="en-US" sz="800" dirty="0">
+              <a:latin typeface="Arial Narrow" pitchFamily="34" charset="0"/>
+            </a:endParaRPr>
           </a:p>
           <a:p>
             <a:endParaRPr lang="en-US" sz="800" dirty="0" smtClean="0">
@@ -11978,7 +12256,7 @@
         </p:blipFill>
         <p:spPr bwMode="auto">
           <a:xfrm>
-            <a:off x="1331640" y="4077072"/>
+            <a:off x="1331640" y="3541247"/>
             <a:ext cx="576064" cy="576064"/>
           </a:xfrm>
           <a:prstGeom prst="rect">
@@ -12019,7 +12297,7 @@
         </p:blipFill>
         <p:spPr bwMode="auto">
           <a:xfrm>
-            <a:off x="2627784" y="2852936"/>
+            <a:off x="2627784" y="2348880"/>
             <a:ext cx="845371" cy="634028"/>
           </a:xfrm>
           <a:prstGeom prst="rect">
@@ -12045,7 +12323,7 @@
         </p:nvSpPr>
         <p:spPr>
           <a:xfrm>
-            <a:off x="4514358" y="5458062"/>
+            <a:off x="4514358" y="5489937"/>
             <a:ext cx="4378122" cy="1323439"/>
           </a:xfrm>
           <a:prstGeom prst="rect">
@@ -12060,17 +12338,14 @@
           <a:lstStyle/>
           <a:p>
             <a:r>
-              <a:rPr lang="en-US" sz="800" dirty="0">
-                <a:latin typeface="Arial Narrow" pitchFamily="34" charset="0"/>
-              </a:rPr>
-              <a:t>copyright belongs to</a:t>
-            </a:r>
-            <a:r>
               <a:rPr lang="en-US" sz="800" dirty="0" smtClean="0">
                 <a:latin typeface="Arial Narrow" pitchFamily="34" charset="0"/>
               </a:rPr>
-              <a:t>:</a:t>
-            </a:r>
+              <a:t>images from:</a:t>
+            </a:r>
+            <a:endParaRPr lang="en-US" sz="800" dirty="0" smtClean="0">
+              <a:latin typeface="Arial Narrow" pitchFamily="34" charset="0"/>
+            </a:endParaRPr>
           </a:p>
           <a:p>
             <a:r>
@@ -12173,12 +12448,71 @@
             </a:r>
           </a:p>
           <a:p>
+            <a:r>
+              <a:rPr lang="sv-SE" sz="800" dirty="0" err="1" smtClean="0">
+                <a:latin typeface="Arial Narrow" pitchFamily="34" charset="0"/>
+              </a:rPr>
+              <a:t>github</a:t>
+            </a:r>
+            <a:r>
+              <a:rPr lang="sv-SE" sz="800" dirty="0" smtClean="0">
+                <a:latin typeface="Arial Narrow" pitchFamily="34" charset="0"/>
+              </a:rPr>
+              <a:t> - </a:t>
+            </a:r>
+            <a:r>
+              <a:rPr lang="en-US" sz="800" dirty="0">
+                <a:latin typeface="Arial Narrow" pitchFamily="34" charset="0"/>
+              </a:rPr>
+              <a:t>http://warpspire.com/posts/joining-github/</a:t>
+            </a:r>
             <a:endParaRPr lang="en-US" sz="800" dirty="0">
               <a:latin typeface="Arial Narrow" pitchFamily="34" charset="0"/>
             </a:endParaRPr>
           </a:p>
         </p:txBody>
       </p:sp>
+      <p:pic>
+        <p:nvPicPr>
+          <p:cNvPr id="7" name="Picture 2" descr="http://assets.warpspire.com/images/github/octocat.png"/>
+          <p:cNvPicPr>
+            <a:picLocks noChangeAspect="1" noChangeArrowheads="1"/>
+          </p:cNvPicPr>
+          <p:nvPr/>
+        </p:nvPicPr>
+        <p:blipFill>
+          <a:blip r:embed="rId5" cstate="print">
+            <a:extLst>
+              <a:ext uri="{28A0092B-C50C-407E-A947-70E740481C1C}">
+                <a14:useLocalDpi xmlns:a14="http://schemas.microsoft.com/office/drawing/2010/main" val="0"/>
+              </a:ext>
+            </a:extLst>
+          </a:blip>
+          <a:srcRect/>
+          <a:stretch>
+            <a:fillRect/>
+          </a:stretch>
+        </p:blipFill>
+        <p:spPr bwMode="auto">
+          <a:xfrm>
+            <a:off x="1979712" y="4365104"/>
+            <a:ext cx="759044" cy="759044"/>
+          </a:xfrm>
+          <a:prstGeom prst="rect">
+            <a:avLst/>
+          </a:prstGeom>
+          <a:noFill/>
+          <a:extLst>
+            <a:ext uri="{909E8E84-426E-40DD-AFC4-6F175D3DCCD1}">
+              <a14:hiddenFill xmlns:a14="http://schemas.microsoft.com/office/drawing/2010/main">
+                <a:solidFill>
+                  <a:srgbClr val="FFFFFF"/>
+                </a:solidFill>
+              </a14:hiddenFill>
+            </a:ext>
+          </a:extLst>
+        </p:spPr>
+      </p:pic>
     </p:spTree>
     <p:extLst>
       <p:ext uri="{BB962C8B-B14F-4D97-AF65-F5344CB8AC3E}">
